--- a/Create a robot rover to follow a fixed path using Raspberry Pi.pptx
+++ b/Create a robot rover to follow a fixed path using Raspberry Pi.pptx
@@ -6,7 +6,7 @@
     <p:sldMasterId id="2147483671" r:id="rId2"/>
   </p:sldMasterIdLst>
   <p:notesMasterIdLst>
-    <p:notesMasterId r:id="rId22"/>
+    <p:notesMasterId r:id="rId34"/>
   </p:notesMasterIdLst>
   <p:sldIdLst>
     <p:sldId id="256" r:id="rId3"/>
@@ -20,14 +20,26 @@
     <p:sldId id="294" r:id="rId11"/>
     <p:sldId id="292" r:id="rId12"/>
     <p:sldId id="293" r:id="rId13"/>
-    <p:sldId id="260" r:id="rId14"/>
-    <p:sldId id="281" r:id="rId15"/>
-    <p:sldId id="259" r:id="rId16"/>
-    <p:sldId id="284" r:id="rId17"/>
-    <p:sldId id="285" r:id="rId18"/>
-    <p:sldId id="280" r:id="rId19"/>
-    <p:sldId id="290" r:id="rId20"/>
-    <p:sldId id="270" r:id="rId21"/>
+    <p:sldId id="297" r:id="rId14"/>
+    <p:sldId id="260" r:id="rId15"/>
+    <p:sldId id="281" r:id="rId16"/>
+    <p:sldId id="259" r:id="rId17"/>
+    <p:sldId id="284" r:id="rId18"/>
+    <p:sldId id="285" r:id="rId19"/>
+    <p:sldId id="280" r:id="rId20"/>
+    <p:sldId id="295" r:id="rId21"/>
+    <p:sldId id="290" r:id="rId22"/>
+    <p:sldId id="296" r:id="rId23"/>
+    <p:sldId id="315" r:id="rId24"/>
+    <p:sldId id="307" r:id="rId25"/>
+    <p:sldId id="308" r:id="rId26"/>
+    <p:sldId id="309" r:id="rId27"/>
+    <p:sldId id="310" r:id="rId28"/>
+    <p:sldId id="311" r:id="rId29"/>
+    <p:sldId id="312" r:id="rId30"/>
+    <p:sldId id="313" r:id="rId31"/>
+    <p:sldId id="314" r:id="rId32"/>
+    <p:sldId id="270" r:id="rId33"/>
   </p:sldIdLst>
   <p:sldSz cx="9144000" cy="5143500" type="screen16x9"/>
   <p:notesSz cx="6858000" cy="9144000"/>
@@ -249,6 +261,7 @@
             <p14:sldId id="294"/>
             <p14:sldId id="292"/>
             <p14:sldId id="293"/>
+            <p14:sldId id="297"/>
             <p14:sldId id="260"/>
             <p14:sldId id="281"/>
           </p14:sldIdLst>
@@ -259,7 +272,18 @@
             <p14:sldId id="284"/>
             <p14:sldId id="285"/>
             <p14:sldId id="280"/>
+            <p14:sldId id="295"/>
             <p14:sldId id="290"/>
+            <p14:sldId id="296"/>
+            <p14:sldId id="315"/>
+            <p14:sldId id="307"/>
+            <p14:sldId id="308"/>
+            <p14:sldId id="309"/>
+            <p14:sldId id="310"/>
+            <p14:sldId id="311"/>
+            <p14:sldId id="312"/>
+            <p14:sldId id="313"/>
+            <p14:sldId id="314"/>
             <p14:sldId id="270"/>
           </p14:sldIdLst>
         </p14:section>
@@ -970,6 +994,11 @@
         </p:spPr>
       </p:sp>
     </p:spTree>
+    <p:extLst>
+      <p:ext uri="{BB962C8B-B14F-4D97-AF65-F5344CB8AC3E}">
+        <p14:creationId xmlns:p14="http://schemas.microsoft.com/office/powerpoint/2010/main" val="3297060030"/>
+      </p:ext>
+    </p:extLst>
   </p:cSld>
   <p:clrMapOvr>
     <a:masterClrMapping/>
@@ -978,6 +1007,111 @@
 </file>
 
 <file path=ppt/notesSlides/notesSlide13.xml><?xml version="1.0" encoding="utf-8"?>
+<p:notes xmlns:a="http://schemas.openxmlformats.org/drawingml/2006/main" xmlns:r="http://schemas.openxmlformats.org/officeDocument/2006/relationships" xmlns:p="http://schemas.openxmlformats.org/presentationml/2006/main" showMasterSp="0" showMasterPhAnim="0">
+  <p:cSld>
+    <p:spTree>
+      <p:nvGrpSpPr>
+        <p:cNvPr id="1" name="Shape 153"/>
+        <p:cNvGrpSpPr/>
+        <p:nvPr/>
+      </p:nvGrpSpPr>
+      <p:grpSpPr>
+        <a:xfrm>
+          <a:off x="0" y="0"/>
+          <a:ext cx="0" cy="0"/>
+          <a:chOff x="0" y="0"/>
+          <a:chExt cx="0" cy="0"/>
+        </a:xfrm>
+      </p:grpSpPr>
+      <p:sp>
+        <p:nvSpPr>
+          <p:cNvPr id="154" name="Shape 154"/>
+          <p:cNvSpPr txBox="1">
+            <a:spLocks noGrp="1"/>
+          </p:cNvSpPr>
+          <p:nvPr>
+            <p:ph type="body" idx="1"/>
+          </p:nvPr>
+        </p:nvSpPr>
+        <p:spPr>
+          <a:xfrm>
+            <a:off x="685800" y="4343400"/>
+            <a:ext cx="5486400" cy="4114800"/>
+          </a:xfrm>
+          <a:prstGeom prst="rect">
+            <a:avLst/>
+          </a:prstGeom>
+          <a:noFill/>
+          <a:ln>
+            <a:noFill/>
+          </a:ln>
+        </p:spPr>
+        <p:txBody>
+          <a:bodyPr wrap="square" lIns="91425" tIns="91425" rIns="91425" bIns="91425" anchor="ctr" anchorCtr="0">
+            <a:noAutofit/>
+          </a:bodyPr>
+          <a:lstStyle/>
+          <a:p>
+            <a:pPr lvl="0" rtl="0">
+              <a:spcBef>
+                <a:spcPts val="0"/>
+              </a:spcBef>
+              <a:buNone/>
+            </a:pPr>
+            <a:endParaRPr dirty="0"/>
+          </a:p>
+        </p:txBody>
+      </p:sp>
+      <p:sp>
+        <p:nvSpPr>
+          <p:cNvPr id="155" name="Shape 155"/>
+          <p:cNvSpPr>
+            <a:spLocks noGrp="1" noRot="1" noChangeAspect="1"/>
+          </p:cNvSpPr>
+          <p:nvPr>
+            <p:ph type="sldImg" idx="2"/>
+          </p:nvPr>
+        </p:nvSpPr>
+        <p:spPr>
+          <a:xfrm>
+            <a:off x="381000" y="685800"/>
+            <a:ext cx="6096000" cy="3429000"/>
+          </a:xfrm>
+          <a:custGeom>
+            <a:avLst/>
+            <a:gdLst/>
+            <a:ahLst/>
+            <a:cxnLst/>
+            <a:rect l="0" t="0" r="0" b="0"/>
+            <a:pathLst>
+              <a:path w="120000" h="120000" extrusionOk="0">
+                <a:moveTo>
+                  <a:pt x="0" y="0"/>
+                </a:moveTo>
+                <a:lnTo>
+                  <a:pt x="120000" y="0"/>
+                </a:lnTo>
+                <a:lnTo>
+                  <a:pt x="120000" y="120000"/>
+                </a:lnTo>
+                <a:lnTo>
+                  <a:pt x="0" y="120000"/>
+                </a:lnTo>
+                <a:close/>
+              </a:path>
+            </a:pathLst>
+          </a:custGeom>
+        </p:spPr>
+      </p:sp>
+    </p:spTree>
+  </p:cSld>
+  <p:clrMapOvr>
+    <a:masterClrMapping/>
+  </p:clrMapOvr>
+</p:notes>
+</file>
+
+<file path=ppt/notesSlides/notesSlide14.xml><?xml version="1.0" encoding="utf-8"?>
 <p:notes xmlns:a="http://schemas.openxmlformats.org/drawingml/2006/main" xmlns:r="http://schemas.openxmlformats.org/officeDocument/2006/relationships" xmlns:p="http://schemas.openxmlformats.org/presentationml/2006/main" showMasterSp="0" showMasterPhAnim="0">
   <p:cSld>
     <p:spTree>
@@ -1087,7 +1221,7 @@
 </p:notes>
 </file>
 
-<file path=ppt/notesSlides/notesSlide14.xml><?xml version="1.0" encoding="utf-8"?>
+<file path=ppt/notesSlides/notesSlide15.xml><?xml version="1.0" encoding="utf-8"?>
 <p:notes xmlns:a="http://schemas.openxmlformats.org/drawingml/2006/main" xmlns:r="http://schemas.openxmlformats.org/officeDocument/2006/relationships" xmlns:p="http://schemas.openxmlformats.org/presentationml/2006/main" showMasterSp="0" showMasterPhAnim="0">
   <p:cSld>
     <p:spTree>
@@ -1208,7 +1342,7 @@
 </p:notes>
 </file>
 
-<file path=ppt/notesSlides/notesSlide15.xml><?xml version="1.0" encoding="utf-8"?>
+<file path=ppt/notesSlides/notesSlide16.xml><?xml version="1.0" encoding="utf-8"?>
 <p:notes xmlns:a="http://schemas.openxmlformats.org/drawingml/2006/main" xmlns:r="http://schemas.openxmlformats.org/officeDocument/2006/relationships" xmlns:p="http://schemas.openxmlformats.org/presentationml/2006/main" showMasterSp="0" showMasterPhAnim="0">
   <p:cSld>
     <p:spTree>
@@ -1318,7 +1452,7 @@
 </p:notes>
 </file>
 
-<file path=ppt/notesSlides/notesSlide16.xml><?xml version="1.0" encoding="utf-8"?>
+<file path=ppt/notesSlides/notesSlide17.xml><?xml version="1.0" encoding="utf-8"?>
 <p:notes xmlns:a="http://schemas.openxmlformats.org/drawingml/2006/main" xmlns:r="http://schemas.openxmlformats.org/officeDocument/2006/relationships" xmlns:p="http://schemas.openxmlformats.org/presentationml/2006/main" showMasterSp="0" showMasterPhAnim="0">
   <p:cSld>
     <p:spTree>
@@ -1428,7 +1562,7 @@
 </p:notes>
 </file>
 
-<file path=ppt/notesSlides/notesSlide17.xml><?xml version="1.0" encoding="utf-8"?>
+<file path=ppt/notesSlides/notesSlide18.xml><?xml version="1.0" encoding="utf-8"?>
 <p:notes xmlns:a="http://schemas.openxmlformats.org/drawingml/2006/main" xmlns:r="http://schemas.openxmlformats.org/officeDocument/2006/relationships" xmlns:p="http://schemas.openxmlformats.org/presentationml/2006/main" showMasterSp="0" showMasterPhAnim="0">
   <p:cSld>
     <p:spTree>
@@ -1538,7 +1672,222 @@
 </p:notes>
 </file>
 
-<file path=ppt/notesSlides/notesSlide18.xml><?xml version="1.0" encoding="utf-8"?>
+<file path=ppt/notesSlides/notesSlide19.xml><?xml version="1.0" encoding="utf-8"?>
+<p:notes xmlns:a="http://schemas.openxmlformats.org/drawingml/2006/main" xmlns:r="http://schemas.openxmlformats.org/officeDocument/2006/relationships" xmlns:p="http://schemas.openxmlformats.org/presentationml/2006/main" showMasterSp="0" showMasterPhAnim="0">
+  <p:cSld>
+    <p:spTree>
+      <p:nvGrpSpPr>
+        <p:cNvPr id="1" name="Shape 140"/>
+        <p:cNvGrpSpPr/>
+        <p:nvPr/>
+      </p:nvGrpSpPr>
+      <p:grpSpPr>
+        <a:xfrm>
+          <a:off x="0" y="0"/>
+          <a:ext cx="0" cy="0"/>
+          <a:chOff x="0" y="0"/>
+          <a:chExt cx="0" cy="0"/>
+        </a:xfrm>
+      </p:grpSpPr>
+      <p:sp>
+        <p:nvSpPr>
+          <p:cNvPr id="141" name="Shape 141"/>
+          <p:cNvSpPr txBox="1">
+            <a:spLocks noGrp="1"/>
+          </p:cNvSpPr>
+          <p:nvPr>
+            <p:ph type="body" idx="1"/>
+          </p:nvPr>
+        </p:nvSpPr>
+        <p:spPr>
+          <a:xfrm>
+            <a:off x="685800" y="4343400"/>
+            <a:ext cx="5486400" cy="4114800"/>
+          </a:xfrm>
+          <a:prstGeom prst="rect">
+            <a:avLst/>
+          </a:prstGeom>
+          <a:noFill/>
+          <a:ln>
+            <a:noFill/>
+          </a:ln>
+        </p:spPr>
+        <p:txBody>
+          <a:bodyPr wrap="square" lIns="91425" tIns="91425" rIns="91425" bIns="91425" anchor="ctr" anchorCtr="0">
+            <a:noAutofit/>
+          </a:bodyPr>
+          <a:lstStyle/>
+          <a:p>
+            <a:pPr lvl="0" rtl="0">
+              <a:spcBef>
+                <a:spcPts val="0"/>
+              </a:spcBef>
+              <a:buNone/>
+            </a:pPr>
+            <a:endParaRPr lang="en-US" sz="8800" dirty="0"/>
+          </a:p>
+        </p:txBody>
+      </p:sp>
+      <p:sp>
+        <p:nvSpPr>
+          <p:cNvPr id="142" name="Shape 142"/>
+          <p:cNvSpPr>
+            <a:spLocks noGrp="1" noRot="1" noChangeAspect="1"/>
+          </p:cNvSpPr>
+          <p:nvPr>
+            <p:ph type="sldImg" idx="2"/>
+          </p:nvPr>
+        </p:nvSpPr>
+        <p:spPr>
+          <a:xfrm>
+            <a:off x="381000" y="685800"/>
+            <a:ext cx="6096000" cy="3429000"/>
+          </a:xfrm>
+          <a:custGeom>
+            <a:avLst/>
+            <a:gdLst/>
+            <a:ahLst/>
+            <a:cxnLst/>
+            <a:rect l="0" t="0" r="0" b="0"/>
+            <a:pathLst>
+              <a:path w="120000" h="120000" extrusionOk="0">
+                <a:moveTo>
+                  <a:pt x="0" y="0"/>
+                </a:moveTo>
+                <a:lnTo>
+                  <a:pt x="120000" y="0"/>
+                </a:lnTo>
+                <a:lnTo>
+                  <a:pt x="120000" y="120000"/>
+                </a:lnTo>
+                <a:lnTo>
+                  <a:pt x="0" y="120000"/>
+                </a:lnTo>
+                <a:close/>
+              </a:path>
+            </a:pathLst>
+          </a:custGeom>
+        </p:spPr>
+      </p:sp>
+    </p:spTree>
+    <p:extLst>
+      <p:ext uri="{BB962C8B-B14F-4D97-AF65-F5344CB8AC3E}">
+        <p14:creationId xmlns:p14="http://schemas.microsoft.com/office/powerpoint/2010/main" val="2777437405"/>
+      </p:ext>
+    </p:extLst>
+  </p:cSld>
+  <p:clrMapOvr>
+    <a:masterClrMapping/>
+  </p:clrMapOvr>
+</p:notes>
+</file>
+
+<file path=ppt/notesSlides/notesSlide2.xml><?xml version="1.0" encoding="utf-8"?>
+<p:notes xmlns:a="http://schemas.openxmlformats.org/drawingml/2006/main" xmlns:r="http://schemas.openxmlformats.org/officeDocument/2006/relationships" xmlns:p="http://schemas.openxmlformats.org/presentationml/2006/main" showMasterSp="0" showMasterPhAnim="0">
+  <p:cSld>
+    <p:spTree>
+      <p:nvGrpSpPr>
+        <p:cNvPr id="1" name="Shape 133"/>
+        <p:cNvGrpSpPr/>
+        <p:nvPr/>
+      </p:nvGrpSpPr>
+      <p:grpSpPr>
+        <a:xfrm>
+          <a:off x="0" y="0"/>
+          <a:ext cx="0" cy="0"/>
+          <a:chOff x="0" y="0"/>
+          <a:chExt cx="0" cy="0"/>
+        </a:xfrm>
+      </p:grpSpPr>
+      <p:sp>
+        <p:nvSpPr>
+          <p:cNvPr id="134" name="Shape 134"/>
+          <p:cNvSpPr txBox="1">
+            <a:spLocks noGrp="1"/>
+          </p:cNvSpPr>
+          <p:nvPr>
+            <p:ph type="body" idx="1"/>
+          </p:nvPr>
+        </p:nvSpPr>
+        <p:spPr>
+          <a:xfrm>
+            <a:off x="685800" y="4343400"/>
+            <a:ext cx="5486400" cy="4114800"/>
+          </a:xfrm>
+          <a:prstGeom prst="rect">
+            <a:avLst/>
+          </a:prstGeom>
+          <a:noFill/>
+          <a:ln>
+            <a:noFill/>
+          </a:ln>
+        </p:spPr>
+        <p:txBody>
+          <a:bodyPr wrap="square" lIns="91425" tIns="91425" rIns="91425" bIns="91425" anchor="ctr" anchorCtr="0">
+            <a:noAutofit/>
+          </a:bodyPr>
+          <a:lstStyle/>
+          <a:p>
+            <a:pPr lvl="0" rtl="0">
+              <a:spcBef>
+                <a:spcPts val="0"/>
+              </a:spcBef>
+              <a:buNone/>
+            </a:pPr>
+            <a:endParaRPr dirty="0"/>
+          </a:p>
+        </p:txBody>
+      </p:sp>
+      <p:sp>
+        <p:nvSpPr>
+          <p:cNvPr id="135" name="Shape 135"/>
+          <p:cNvSpPr>
+            <a:spLocks noGrp="1" noRot="1" noChangeAspect="1"/>
+          </p:cNvSpPr>
+          <p:nvPr>
+            <p:ph type="sldImg" idx="2"/>
+          </p:nvPr>
+        </p:nvSpPr>
+        <p:spPr>
+          <a:xfrm>
+            <a:off x="381000" y="685800"/>
+            <a:ext cx="6096000" cy="3429000"/>
+          </a:xfrm>
+          <a:custGeom>
+            <a:avLst/>
+            <a:gdLst/>
+            <a:ahLst/>
+            <a:cxnLst/>
+            <a:rect l="0" t="0" r="0" b="0"/>
+            <a:pathLst>
+              <a:path w="120000" h="120000" extrusionOk="0">
+                <a:moveTo>
+                  <a:pt x="0" y="0"/>
+                </a:moveTo>
+                <a:lnTo>
+                  <a:pt x="120000" y="0"/>
+                </a:lnTo>
+                <a:lnTo>
+                  <a:pt x="120000" y="120000"/>
+                </a:lnTo>
+                <a:lnTo>
+                  <a:pt x="0" y="120000"/>
+                </a:lnTo>
+                <a:close/>
+              </a:path>
+            </a:pathLst>
+          </a:custGeom>
+        </p:spPr>
+      </p:sp>
+    </p:spTree>
+  </p:cSld>
+  <p:clrMapOvr>
+    <a:masterClrMapping/>
+  </p:clrMapOvr>
+</p:notes>
+</file>
+
+<file path=ppt/notesSlides/notesSlide20.xml><?xml version="1.0" encoding="utf-8"?>
 <p:notes xmlns:a="http://schemas.openxmlformats.org/drawingml/2006/main" xmlns:r="http://schemas.openxmlformats.org/officeDocument/2006/relationships" xmlns:p="http://schemas.openxmlformats.org/presentationml/2006/main" showMasterSp="0" showMasterPhAnim="0">
   <p:cSld>
     <p:spTree>
@@ -1648,12 +1997,12 @@
 </p:notes>
 </file>
 
-<file path=ppt/notesSlides/notesSlide19.xml><?xml version="1.0" encoding="utf-8"?>
+<file path=ppt/notesSlides/notesSlide21.xml><?xml version="1.0" encoding="utf-8"?>
 <p:notes xmlns:a="http://schemas.openxmlformats.org/drawingml/2006/main" xmlns:r="http://schemas.openxmlformats.org/officeDocument/2006/relationships" xmlns:p="http://schemas.openxmlformats.org/presentationml/2006/main" showMasterSp="0" showMasterPhAnim="0">
   <p:cSld>
     <p:spTree>
       <p:nvGrpSpPr>
-        <p:cNvPr id="1" name="Shape 234"/>
+        <p:cNvPr id="1" name="Shape 153"/>
         <p:cNvGrpSpPr/>
         <p:nvPr/>
       </p:nvGrpSpPr>
@@ -1667,7 +2016,7 @@
       </p:grpSpPr>
       <p:sp>
         <p:nvSpPr>
-          <p:cNvPr id="235" name="Shape 235"/>
+          <p:cNvPr id="154" name="Shape 154"/>
           <p:cNvSpPr txBox="1">
             <a:spLocks noGrp="1"/>
           </p:cNvSpPr>
@@ -1700,13 +2049,13 @@
               </a:spcBef>
               <a:buNone/>
             </a:pPr>
-            <a:endParaRPr/>
+            <a:endParaRPr dirty="0"/>
           </a:p>
         </p:txBody>
       </p:sp>
       <p:sp>
         <p:nvSpPr>
-          <p:cNvPr id="236" name="Shape 236"/>
+          <p:cNvPr id="155" name="Shape 155"/>
           <p:cNvSpPr>
             <a:spLocks noGrp="1" noRot="1" noChangeAspect="1"/>
           </p:cNvSpPr>
@@ -1746,6 +2095,11 @@
         </p:spPr>
       </p:sp>
     </p:spTree>
+    <p:extLst>
+      <p:ext uri="{BB962C8B-B14F-4D97-AF65-F5344CB8AC3E}">
+        <p14:creationId xmlns:p14="http://schemas.microsoft.com/office/powerpoint/2010/main" val="4179237234"/>
+      </p:ext>
+    </p:extLst>
   </p:cSld>
   <p:clrMapOvr>
     <a:masterClrMapping/>
@@ -1753,12 +2107,12 @@
 </p:notes>
 </file>
 
-<file path=ppt/notesSlides/notesSlide2.xml><?xml version="1.0" encoding="utf-8"?>
+<file path=ppt/notesSlides/notesSlide22.xml><?xml version="1.0" encoding="utf-8"?>
 <p:notes xmlns:a="http://schemas.openxmlformats.org/drawingml/2006/main" xmlns:r="http://schemas.openxmlformats.org/officeDocument/2006/relationships" xmlns:p="http://schemas.openxmlformats.org/presentationml/2006/main" showMasterSp="0" showMasterPhAnim="0">
   <p:cSld>
     <p:spTree>
       <p:nvGrpSpPr>
-        <p:cNvPr id="1" name="Shape 133"/>
+        <p:cNvPr id="1" name="Shape 153"/>
         <p:cNvGrpSpPr/>
         <p:nvPr/>
       </p:nvGrpSpPr>
@@ -1772,7 +2126,7 @@
       </p:grpSpPr>
       <p:sp>
         <p:nvSpPr>
-          <p:cNvPr id="134" name="Shape 134"/>
+          <p:cNvPr id="154" name="Shape 154"/>
           <p:cNvSpPr txBox="1">
             <a:spLocks noGrp="1"/>
           </p:cNvSpPr>
@@ -1811,7 +2165,7 @@
       </p:sp>
       <p:sp>
         <p:nvSpPr>
-          <p:cNvPr id="135" name="Shape 135"/>
+          <p:cNvPr id="155" name="Shape 155"/>
           <p:cNvSpPr>
             <a:spLocks noGrp="1" noRot="1" noChangeAspect="1"/>
           </p:cNvSpPr>
@@ -1851,6 +2205,781 @@
         </p:spPr>
       </p:sp>
     </p:spTree>
+    <p:extLst>
+      <p:ext uri="{BB962C8B-B14F-4D97-AF65-F5344CB8AC3E}">
+        <p14:creationId xmlns:p14="http://schemas.microsoft.com/office/powerpoint/2010/main" val="28127642"/>
+      </p:ext>
+    </p:extLst>
+  </p:cSld>
+  <p:clrMapOvr>
+    <a:masterClrMapping/>
+  </p:clrMapOvr>
+</p:notes>
+</file>
+
+<file path=ppt/notesSlides/notesSlide23.xml><?xml version="1.0" encoding="utf-8"?>
+<p:notes xmlns:a="http://schemas.openxmlformats.org/drawingml/2006/main" xmlns:r="http://schemas.openxmlformats.org/officeDocument/2006/relationships" xmlns:p="http://schemas.openxmlformats.org/presentationml/2006/main" showMasterSp="0" showMasterPhAnim="0">
+  <p:cSld>
+    <p:spTree>
+      <p:nvGrpSpPr>
+        <p:cNvPr id="1" name="Shape 153"/>
+        <p:cNvGrpSpPr/>
+        <p:nvPr/>
+      </p:nvGrpSpPr>
+      <p:grpSpPr>
+        <a:xfrm>
+          <a:off x="0" y="0"/>
+          <a:ext cx="0" cy="0"/>
+          <a:chOff x="0" y="0"/>
+          <a:chExt cx="0" cy="0"/>
+        </a:xfrm>
+      </p:grpSpPr>
+      <p:sp>
+        <p:nvSpPr>
+          <p:cNvPr id="154" name="Shape 154"/>
+          <p:cNvSpPr txBox="1">
+            <a:spLocks noGrp="1"/>
+          </p:cNvSpPr>
+          <p:nvPr>
+            <p:ph type="body" idx="1"/>
+          </p:nvPr>
+        </p:nvSpPr>
+        <p:spPr>
+          <a:xfrm>
+            <a:off x="685800" y="4343400"/>
+            <a:ext cx="5486400" cy="4114800"/>
+          </a:xfrm>
+          <a:prstGeom prst="rect">
+            <a:avLst/>
+          </a:prstGeom>
+          <a:noFill/>
+          <a:ln>
+            <a:noFill/>
+          </a:ln>
+        </p:spPr>
+        <p:txBody>
+          <a:bodyPr wrap="square" lIns="91425" tIns="91425" rIns="91425" bIns="91425" anchor="ctr" anchorCtr="0">
+            <a:noAutofit/>
+          </a:bodyPr>
+          <a:lstStyle/>
+          <a:p>
+            <a:pPr lvl="0" rtl="0">
+              <a:spcBef>
+                <a:spcPts val="0"/>
+              </a:spcBef>
+              <a:buNone/>
+            </a:pPr>
+            <a:endParaRPr dirty="0"/>
+          </a:p>
+        </p:txBody>
+      </p:sp>
+      <p:sp>
+        <p:nvSpPr>
+          <p:cNvPr id="155" name="Shape 155"/>
+          <p:cNvSpPr>
+            <a:spLocks noGrp="1" noRot="1" noChangeAspect="1"/>
+          </p:cNvSpPr>
+          <p:nvPr>
+            <p:ph type="sldImg" idx="2"/>
+          </p:nvPr>
+        </p:nvSpPr>
+        <p:spPr>
+          <a:xfrm>
+            <a:off x="381000" y="685800"/>
+            <a:ext cx="6096000" cy="3429000"/>
+          </a:xfrm>
+          <a:custGeom>
+            <a:avLst/>
+            <a:gdLst/>
+            <a:ahLst/>
+            <a:cxnLst/>
+            <a:rect l="0" t="0" r="0" b="0"/>
+            <a:pathLst>
+              <a:path w="120000" h="120000" extrusionOk="0">
+                <a:moveTo>
+                  <a:pt x="0" y="0"/>
+                </a:moveTo>
+                <a:lnTo>
+                  <a:pt x="120000" y="0"/>
+                </a:lnTo>
+                <a:lnTo>
+                  <a:pt x="120000" y="120000"/>
+                </a:lnTo>
+                <a:lnTo>
+                  <a:pt x="0" y="120000"/>
+                </a:lnTo>
+                <a:close/>
+              </a:path>
+            </a:pathLst>
+          </a:custGeom>
+        </p:spPr>
+      </p:sp>
+    </p:spTree>
+    <p:extLst>
+      <p:ext uri="{BB962C8B-B14F-4D97-AF65-F5344CB8AC3E}">
+        <p14:creationId xmlns:p14="http://schemas.microsoft.com/office/powerpoint/2010/main" val="725995177"/>
+      </p:ext>
+    </p:extLst>
+  </p:cSld>
+  <p:clrMapOvr>
+    <a:masterClrMapping/>
+  </p:clrMapOvr>
+</p:notes>
+</file>
+
+<file path=ppt/notesSlides/notesSlide24.xml><?xml version="1.0" encoding="utf-8"?>
+<p:notes xmlns:a="http://schemas.openxmlformats.org/drawingml/2006/main" xmlns:r="http://schemas.openxmlformats.org/officeDocument/2006/relationships" xmlns:p="http://schemas.openxmlformats.org/presentationml/2006/main" showMasterSp="0" showMasterPhAnim="0">
+  <p:cSld>
+    <p:spTree>
+      <p:nvGrpSpPr>
+        <p:cNvPr id="1" name="Shape 153"/>
+        <p:cNvGrpSpPr/>
+        <p:nvPr/>
+      </p:nvGrpSpPr>
+      <p:grpSpPr>
+        <a:xfrm>
+          <a:off x="0" y="0"/>
+          <a:ext cx="0" cy="0"/>
+          <a:chOff x="0" y="0"/>
+          <a:chExt cx="0" cy="0"/>
+        </a:xfrm>
+      </p:grpSpPr>
+      <p:sp>
+        <p:nvSpPr>
+          <p:cNvPr id="154" name="Shape 154"/>
+          <p:cNvSpPr txBox="1">
+            <a:spLocks noGrp="1"/>
+          </p:cNvSpPr>
+          <p:nvPr>
+            <p:ph type="body" idx="1"/>
+          </p:nvPr>
+        </p:nvSpPr>
+        <p:spPr>
+          <a:xfrm>
+            <a:off x="685800" y="4343400"/>
+            <a:ext cx="5486400" cy="4114800"/>
+          </a:xfrm>
+          <a:prstGeom prst="rect">
+            <a:avLst/>
+          </a:prstGeom>
+          <a:noFill/>
+          <a:ln>
+            <a:noFill/>
+          </a:ln>
+        </p:spPr>
+        <p:txBody>
+          <a:bodyPr wrap="square" lIns="91425" tIns="91425" rIns="91425" bIns="91425" anchor="ctr" anchorCtr="0">
+            <a:noAutofit/>
+          </a:bodyPr>
+          <a:lstStyle/>
+          <a:p>
+            <a:pPr lvl="0" rtl="0">
+              <a:spcBef>
+                <a:spcPts val="0"/>
+              </a:spcBef>
+              <a:buNone/>
+            </a:pPr>
+            <a:endParaRPr dirty="0"/>
+          </a:p>
+        </p:txBody>
+      </p:sp>
+      <p:sp>
+        <p:nvSpPr>
+          <p:cNvPr id="155" name="Shape 155"/>
+          <p:cNvSpPr>
+            <a:spLocks noGrp="1" noRot="1" noChangeAspect="1"/>
+          </p:cNvSpPr>
+          <p:nvPr>
+            <p:ph type="sldImg" idx="2"/>
+          </p:nvPr>
+        </p:nvSpPr>
+        <p:spPr>
+          <a:xfrm>
+            <a:off x="381000" y="685800"/>
+            <a:ext cx="6096000" cy="3429000"/>
+          </a:xfrm>
+          <a:custGeom>
+            <a:avLst/>
+            <a:gdLst/>
+            <a:ahLst/>
+            <a:cxnLst/>
+            <a:rect l="0" t="0" r="0" b="0"/>
+            <a:pathLst>
+              <a:path w="120000" h="120000" extrusionOk="0">
+                <a:moveTo>
+                  <a:pt x="0" y="0"/>
+                </a:moveTo>
+                <a:lnTo>
+                  <a:pt x="120000" y="0"/>
+                </a:lnTo>
+                <a:lnTo>
+                  <a:pt x="120000" y="120000"/>
+                </a:lnTo>
+                <a:lnTo>
+                  <a:pt x="0" y="120000"/>
+                </a:lnTo>
+                <a:close/>
+              </a:path>
+            </a:pathLst>
+          </a:custGeom>
+        </p:spPr>
+      </p:sp>
+    </p:spTree>
+    <p:extLst>
+      <p:ext uri="{BB962C8B-B14F-4D97-AF65-F5344CB8AC3E}">
+        <p14:creationId xmlns:p14="http://schemas.microsoft.com/office/powerpoint/2010/main" val="2249334674"/>
+      </p:ext>
+    </p:extLst>
+  </p:cSld>
+  <p:clrMapOvr>
+    <a:masterClrMapping/>
+  </p:clrMapOvr>
+</p:notes>
+</file>
+
+<file path=ppt/notesSlides/notesSlide25.xml><?xml version="1.0" encoding="utf-8"?>
+<p:notes xmlns:a="http://schemas.openxmlformats.org/drawingml/2006/main" xmlns:r="http://schemas.openxmlformats.org/officeDocument/2006/relationships" xmlns:p="http://schemas.openxmlformats.org/presentationml/2006/main" showMasterSp="0" showMasterPhAnim="0">
+  <p:cSld>
+    <p:spTree>
+      <p:nvGrpSpPr>
+        <p:cNvPr id="1" name="Shape 153"/>
+        <p:cNvGrpSpPr/>
+        <p:nvPr/>
+      </p:nvGrpSpPr>
+      <p:grpSpPr>
+        <a:xfrm>
+          <a:off x="0" y="0"/>
+          <a:ext cx="0" cy="0"/>
+          <a:chOff x="0" y="0"/>
+          <a:chExt cx="0" cy="0"/>
+        </a:xfrm>
+      </p:grpSpPr>
+      <p:sp>
+        <p:nvSpPr>
+          <p:cNvPr id="154" name="Shape 154"/>
+          <p:cNvSpPr txBox="1">
+            <a:spLocks noGrp="1"/>
+          </p:cNvSpPr>
+          <p:nvPr>
+            <p:ph type="body" idx="1"/>
+          </p:nvPr>
+        </p:nvSpPr>
+        <p:spPr>
+          <a:xfrm>
+            <a:off x="685800" y="4343400"/>
+            <a:ext cx="5486400" cy="4114800"/>
+          </a:xfrm>
+          <a:prstGeom prst="rect">
+            <a:avLst/>
+          </a:prstGeom>
+          <a:noFill/>
+          <a:ln>
+            <a:noFill/>
+          </a:ln>
+        </p:spPr>
+        <p:txBody>
+          <a:bodyPr wrap="square" lIns="91425" tIns="91425" rIns="91425" bIns="91425" anchor="ctr" anchorCtr="0">
+            <a:noAutofit/>
+          </a:bodyPr>
+          <a:lstStyle/>
+          <a:p>
+            <a:pPr lvl="0" rtl="0">
+              <a:spcBef>
+                <a:spcPts val="0"/>
+              </a:spcBef>
+              <a:buNone/>
+            </a:pPr>
+            <a:endParaRPr dirty="0"/>
+          </a:p>
+        </p:txBody>
+      </p:sp>
+      <p:sp>
+        <p:nvSpPr>
+          <p:cNvPr id="155" name="Shape 155"/>
+          <p:cNvSpPr>
+            <a:spLocks noGrp="1" noRot="1" noChangeAspect="1"/>
+          </p:cNvSpPr>
+          <p:nvPr>
+            <p:ph type="sldImg" idx="2"/>
+          </p:nvPr>
+        </p:nvSpPr>
+        <p:spPr>
+          <a:xfrm>
+            <a:off x="381000" y="685800"/>
+            <a:ext cx="6096000" cy="3429000"/>
+          </a:xfrm>
+          <a:custGeom>
+            <a:avLst/>
+            <a:gdLst/>
+            <a:ahLst/>
+            <a:cxnLst/>
+            <a:rect l="0" t="0" r="0" b="0"/>
+            <a:pathLst>
+              <a:path w="120000" h="120000" extrusionOk="0">
+                <a:moveTo>
+                  <a:pt x="0" y="0"/>
+                </a:moveTo>
+                <a:lnTo>
+                  <a:pt x="120000" y="0"/>
+                </a:lnTo>
+                <a:lnTo>
+                  <a:pt x="120000" y="120000"/>
+                </a:lnTo>
+                <a:lnTo>
+                  <a:pt x="0" y="120000"/>
+                </a:lnTo>
+                <a:close/>
+              </a:path>
+            </a:pathLst>
+          </a:custGeom>
+        </p:spPr>
+      </p:sp>
+    </p:spTree>
+    <p:extLst>
+      <p:ext uri="{BB962C8B-B14F-4D97-AF65-F5344CB8AC3E}">
+        <p14:creationId xmlns:p14="http://schemas.microsoft.com/office/powerpoint/2010/main" val="1131070598"/>
+      </p:ext>
+    </p:extLst>
+  </p:cSld>
+  <p:clrMapOvr>
+    <a:masterClrMapping/>
+  </p:clrMapOvr>
+</p:notes>
+</file>
+
+<file path=ppt/notesSlides/notesSlide26.xml><?xml version="1.0" encoding="utf-8"?>
+<p:notes xmlns:a="http://schemas.openxmlformats.org/drawingml/2006/main" xmlns:r="http://schemas.openxmlformats.org/officeDocument/2006/relationships" xmlns:p="http://schemas.openxmlformats.org/presentationml/2006/main" showMasterSp="0" showMasterPhAnim="0">
+  <p:cSld>
+    <p:spTree>
+      <p:nvGrpSpPr>
+        <p:cNvPr id="1" name="Shape 153"/>
+        <p:cNvGrpSpPr/>
+        <p:nvPr/>
+      </p:nvGrpSpPr>
+      <p:grpSpPr>
+        <a:xfrm>
+          <a:off x="0" y="0"/>
+          <a:ext cx="0" cy="0"/>
+          <a:chOff x="0" y="0"/>
+          <a:chExt cx="0" cy="0"/>
+        </a:xfrm>
+      </p:grpSpPr>
+      <p:sp>
+        <p:nvSpPr>
+          <p:cNvPr id="154" name="Shape 154"/>
+          <p:cNvSpPr txBox="1">
+            <a:spLocks noGrp="1"/>
+          </p:cNvSpPr>
+          <p:nvPr>
+            <p:ph type="body" idx="1"/>
+          </p:nvPr>
+        </p:nvSpPr>
+        <p:spPr>
+          <a:xfrm>
+            <a:off x="685800" y="4343400"/>
+            <a:ext cx="5486400" cy="4114800"/>
+          </a:xfrm>
+          <a:prstGeom prst="rect">
+            <a:avLst/>
+          </a:prstGeom>
+          <a:noFill/>
+          <a:ln>
+            <a:noFill/>
+          </a:ln>
+        </p:spPr>
+        <p:txBody>
+          <a:bodyPr wrap="square" lIns="91425" tIns="91425" rIns="91425" bIns="91425" anchor="ctr" anchorCtr="0">
+            <a:noAutofit/>
+          </a:bodyPr>
+          <a:lstStyle/>
+          <a:p>
+            <a:pPr lvl="0" rtl="0">
+              <a:spcBef>
+                <a:spcPts val="0"/>
+              </a:spcBef>
+              <a:buNone/>
+            </a:pPr>
+            <a:endParaRPr dirty="0"/>
+          </a:p>
+        </p:txBody>
+      </p:sp>
+      <p:sp>
+        <p:nvSpPr>
+          <p:cNvPr id="155" name="Shape 155"/>
+          <p:cNvSpPr>
+            <a:spLocks noGrp="1" noRot="1" noChangeAspect="1"/>
+          </p:cNvSpPr>
+          <p:nvPr>
+            <p:ph type="sldImg" idx="2"/>
+          </p:nvPr>
+        </p:nvSpPr>
+        <p:spPr>
+          <a:xfrm>
+            <a:off x="381000" y="685800"/>
+            <a:ext cx="6096000" cy="3429000"/>
+          </a:xfrm>
+          <a:custGeom>
+            <a:avLst/>
+            <a:gdLst/>
+            <a:ahLst/>
+            <a:cxnLst/>
+            <a:rect l="0" t="0" r="0" b="0"/>
+            <a:pathLst>
+              <a:path w="120000" h="120000" extrusionOk="0">
+                <a:moveTo>
+                  <a:pt x="0" y="0"/>
+                </a:moveTo>
+                <a:lnTo>
+                  <a:pt x="120000" y="0"/>
+                </a:lnTo>
+                <a:lnTo>
+                  <a:pt x="120000" y="120000"/>
+                </a:lnTo>
+                <a:lnTo>
+                  <a:pt x="0" y="120000"/>
+                </a:lnTo>
+                <a:close/>
+              </a:path>
+            </a:pathLst>
+          </a:custGeom>
+        </p:spPr>
+      </p:sp>
+    </p:spTree>
+    <p:extLst>
+      <p:ext uri="{BB962C8B-B14F-4D97-AF65-F5344CB8AC3E}">
+        <p14:creationId xmlns:p14="http://schemas.microsoft.com/office/powerpoint/2010/main" val="1553779840"/>
+      </p:ext>
+    </p:extLst>
+  </p:cSld>
+  <p:clrMapOvr>
+    <a:masterClrMapping/>
+  </p:clrMapOvr>
+</p:notes>
+</file>
+
+<file path=ppt/notesSlides/notesSlide27.xml><?xml version="1.0" encoding="utf-8"?>
+<p:notes xmlns:a="http://schemas.openxmlformats.org/drawingml/2006/main" xmlns:r="http://schemas.openxmlformats.org/officeDocument/2006/relationships" xmlns:p="http://schemas.openxmlformats.org/presentationml/2006/main" showMasterSp="0" showMasterPhAnim="0">
+  <p:cSld>
+    <p:spTree>
+      <p:nvGrpSpPr>
+        <p:cNvPr id="1" name="Shape 153"/>
+        <p:cNvGrpSpPr/>
+        <p:nvPr/>
+      </p:nvGrpSpPr>
+      <p:grpSpPr>
+        <a:xfrm>
+          <a:off x="0" y="0"/>
+          <a:ext cx="0" cy="0"/>
+          <a:chOff x="0" y="0"/>
+          <a:chExt cx="0" cy="0"/>
+        </a:xfrm>
+      </p:grpSpPr>
+      <p:sp>
+        <p:nvSpPr>
+          <p:cNvPr id="154" name="Shape 154"/>
+          <p:cNvSpPr txBox="1">
+            <a:spLocks noGrp="1"/>
+          </p:cNvSpPr>
+          <p:nvPr>
+            <p:ph type="body" idx="1"/>
+          </p:nvPr>
+        </p:nvSpPr>
+        <p:spPr>
+          <a:xfrm>
+            <a:off x="685800" y="4343400"/>
+            <a:ext cx="5486400" cy="4114800"/>
+          </a:xfrm>
+          <a:prstGeom prst="rect">
+            <a:avLst/>
+          </a:prstGeom>
+          <a:noFill/>
+          <a:ln>
+            <a:noFill/>
+          </a:ln>
+        </p:spPr>
+        <p:txBody>
+          <a:bodyPr wrap="square" lIns="91425" tIns="91425" rIns="91425" bIns="91425" anchor="ctr" anchorCtr="0">
+            <a:noAutofit/>
+          </a:bodyPr>
+          <a:lstStyle/>
+          <a:p>
+            <a:pPr lvl="0" rtl="0">
+              <a:spcBef>
+                <a:spcPts val="0"/>
+              </a:spcBef>
+              <a:buNone/>
+            </a:pPr>
+            <a:endParaRPr dirty="0"/>
+          </a:p>
+        </p:txBody>
+      </p:sp>
+      <p:sp>
+        <p:nvSpPr>
+          <p:cNvPr id="155" name="Shape 155"/>
+          <p:cNvSpPr>
+            <a:spLocks noGrp="1" noRot="1" noChangeAspect="1"/>
+          </p:cNvSpPr>
+          <p:nvPr>
+            <p:ph type="sldImg" idx="2"/>
+          </p:nvPr>
+        </p:nvSpPr>
+        <p:spPr>
+          <a:xfrm>
+            <a:off x="381000" y="685800"/>
+            <a:ext cx="6096000" cy="3429000"/>
+          </a:xfrm>
+          <a:custGeom>
+            <a:avLst/>
+            <a:gdLst/>
+            <a:ahLst/>
+            <a:cxnLst/>
+            <a:rect l="0" t="0" r="0" b="0"/>
+            <a:pathLst>
+              <a:path w="120000" h="120000" extrusionOk="0">
+                <a:moveTo>
+                  <a:pt x="0" y="0"/>
+                </a:moveTo>
+                <a:lnTo>
+                  <a:pt x="120000" y="0"/>
+                </a:lnTo>
+                <a:lnTo>
+                  <a:pt x="120000" y="120000"/>
+                </a:lnTo>
+                <a:lnTo>
+                  <a:pt x="0" y="120000"/>
+                </a:lnTo>
+                <a:close/>
+              </a:path>
+            </a:pathLst>
+          </a:custGeom>
+        </p:spPr>
+      </p:sp>
+    </p:spTree>
+    <p:extLst>
+      <p:ext uri="{BB962C8B-B14F-4D97-AF65-F5344CB8AC3E}">
+        <p14:creationId xmlns:p14="http://schemas.microsoft.com/office/powerpoint/2010/main" val="4196867423"/>
+      </p:ext>
+    </p:extLst>
+  </p:cSld>
+  <p:clrMapOvr>
+    <a:masterClrMapping/>
+  </p:clrMapOvr>
+</p:notes>
+</file>
+
+<file path=ppt/notesSlides/notesSlide28.xml><?xml version="1.0" encoding="utf-8"?>
+<p:notes xmlns:a="http://schemas.openxmlformats.org/drawingml/2006/main" xmlns:r="http://schemas.openxmlformats.org/officeDocument/2006/relationships" xmlns:p="http://schemas.openxmlformats.org/presentationml/2006/main" showMasterSp="0" showMasterPhAnim="0">
+  <p:cSld>
+    <p:spTree>
+      <p:nvGrpSpPr>
+        <p:cNvPr id="1" name="Shape 153"/>
+        <p:cNvGrpSpPr/>
+        <p:nvPr/>
+      </p:nvGrpSpPr>
+      <p:grpSpPr>
+        <a:xfrm>
+          <a:off x="0" y="0"/>
+          <a:ext cx="0" cy="0"/>
+          <a:chOff x="0" y="0"/>
+          <a:chExt cx="0" cy="0"/>
+        </a:xfrm>
+      </p:grpSpPr>
+      <p:sp>
+        <p:nvSpPr>
+          <p:cNvPr id="154" name="Shape 154"/>
+          <p:cNvSpPr txBox="1">
+            <a:spLocks noGrp="1"/>
+          </p:cNvSpPr>
+          <p:nvPr>
+            <p:ph type="body" idx="1"/>
+          </p:nvPr>
+        </p:nvSpPr>
+        <p:spPr>
+          <a:xfrm>
+            <a:off x="685800" y="4343400"/>
+            <a:ext cx="5486400" cy="4114800"/>
+          </a:xfrm>
+          <a:prstGeom prst="rect">
+            <a:avLst/>
+          </a:prstGeom>
+          <a:noFill/>
+          <a:ln>
+            <a:noFill/>
+          </a:ln>
+        </p:spPr>
+        <p:txBody>
+          <a:bodyPr wrap="square" lIns="91425" tIns="91425" rIns="91425" bIns="91425" anchor="ctr" anchorCtr="0">
+            <a:noAutofit/>
+          </a:bodyPr>
+          <a:lstStyle/>
+          <a:p>
+            <a:pPr lvl="0" rtl="0">
+              <a:spcBef>
+                <a:spcPts val="0"/>
+              </a:spcBef>
+              <a:buNone/>
+            </a:pPr>
+            <a:endParaRPr dirty="0"/>
+          </a:p>
+        </p:txBody>
+      </p:sp>
+      <p:sp>
+        <p:nvSpPr>
+          <p:cNvPr id="155" name="Shape 155"/>
+          <p:cNvSpPr>
+            <a:spLocks noGrp="1" noRot="1" noChangeAspect="1"/>
+          </p:cNvSpPr>
+          <p:nvPr>
+            <p:ph type="sldImg" idx="2"/>
+          </p:nvPr>
+        </p:nvSpPr>
+        <p:spPr>
+          <a:xfrm>
+            <a:off x="381000" y="685800"/>
+            <a:ext cx="6096000" cy="3429000"/>
+          </a:xfrm>
+          <a:custGeom>
+            <a:avLst/>
+            <a:gdLst/>
+            <a:ahLst/>
+            <a:cxnLst/>
+            <a:rect l="0" t="0" r="0" b="0"/>
+            <a:pathLst>
+              <a:path w="120000" h="120000" extrusionOk="0">
+                <a:moveTo>
+                  <a:pt x="0" y="0"/>
+                </a:moveTo>
+                <a:lnTo>
+                  <a:pt x="120000" y="0"/>
+                </a:lnTo>
+                <a:lnTo>
+                  <a:pt x="120000" y="120000"/>
+                </a:lnTo>
+                <a:lnTo>
+                  <a:pt x="0" y="120000"/>
+                </a:lnTo>
+                <a:close/>
+              </a:path>
+            </a:pathLst>
+          </a:custGeom>
+        </p:spPr>
+      </p:sp>
+    </p:spTree>
+    <p:extLst>
+      <p:ext uri="{BB962C8B-B14F-4D97-AF65-F5344CB8AC3E}">
+        <p14:creationId xmlns:p14="http://schemas.microsoft.com/office/powerpoint/2010/main" val="2662413051"/>
+      </p:ext>
+    </p:extLst>
+  </p:cSld>
+  <p:clrMapOvr>
+    <a:masterClrMapping/>
+  </p:clrMapOvr>
+</p:notes>
+</file>
+
+<file path=ppt/notesSlides/notesSlide29.xml><?xml version="1.0" encoding="utf-8"?>
+<p:notes xmlns:a="http://schemas.openxmlformats.org/drawingml/2006/main" xmlns:r="http://schemas.openxmlformats.org/officeDocument/2006/relationships" xmlns:p="http://schemas.openxmlformats.org/presentationml/2006/main" showMasterSp="0" showMasterPhAnim="0">
+  <p:cSld>
+    <p:spTree>
+      <p:nvGrpSpPr>
+        <p:cNvPr id="1" name="Shape 153"/>
+        <p:cNvGrpSpPr/>
+        <p:nvPr/>
+      </p:nvGrpSpPr>
+      <p:grpSpPr>
+        <a:xfrm>
+          <a:off x="0" y="0"/>
+          <a:ext cx="0" cy="0"/>
+          <a:chOff x="0" y="0"/>
+          <a:chExt cx="0" cy="0"/>
+        </a:xfrm>
+      </p:grpSpPr>
+      <p:sp>
+        <p:nvSpPr>
+          <p:cNvPr id="154" name="Shape 154"/>
+          <p:cNvSpPr txBox="1">
+            <a:spLocks noGrp="1"/>
+          </p:cNvSpPr>
+          <p:nvPr>
+            <p:ph type="body" idx="1"/>
+          </p:nvPr>
+        </p:nvSpPr>
+        <p:spPr>
+          <a:xfrm>
+            <a:off x="685800" y="4343400"/>
+            <a:ext cx="5486400" cy="4114800"/>
+          </a:xfrm>
+          <a:prstGeom prst="rect">
+            <a:avLst/>
+          </a:prstGeom>
+          <a:noFill/>
+          <a:ln>
+            <a:noFill/>
+          </a:ln>
+        </p:spPr>
+        <p:txBody>
+          <a:bodyPr wrap="square" lIns="91425" tIns="91425" rIns="91425" bIns="91425" anchor="ctr" anchorCtr="0">
+            <a:noAutofit/>
+          </a:bodyPr>
+          <a:lstStyle/>
+          <a:p>
+            <a:pPr lvl="0" rtl="0">
+              <a:spcBef>
+                <a:spcPts val="0"/>
+              </a:spcBef>
+              <a:buNone/>
+            </a:pPr>
+            <a:endParaRPr dirty="0"/>
+          </a:p>
+        </p:txBody>
+      </p:sp>
+      <p:sp>
+        <p:nvSpPr>
+          <p:cNvPr id="155" name="Shape 155"/>
+          <p:cNvSpPr>
+            <a:spLocks noGrp="1" noRot="1" noChangeAspect="1"/>
+          </p:cNvSpPr>
+          <p:nvPr>
+            <p:ph type="sldImg" idx="2"/>
+          </p:nvPr>
+        </p:nvSpPr>
+        <p:spPr>
+          <a:xfrm>
+            <a:off x="381000" y="685800"/>
+            <a:ext cx="6096000" cy="3429000"/>
+          </a:xfrm>
+          <a:custGeom>
+            <a:avLst/>
+            <a:gdLst/>
+            <a:ahLst/>
+            <a:cxnLst/>
+            <a:rect l="0" t="0" r="0" b="0"/>
+            <a:pathLst>
+              <a:path w="120000" h="120000" extrusionOk="0">
+                <a:moveTo>
+                  <a:pt x="0" y="0"/>
+                </a:moveTo>
+                <a:lnTo>
+                  <a:pt x="120000" y="0"/>
+                </a:lnTo>
+                <a:lnTo>
+                  <a:pt x="120000" y="120000"/>
+                </a:lnTo>
+                <a:lnTo>
+                  <a:pt x="0" y="120000"/>
+                </a:lnTo>
+                <a:close/>
+              </a:path>
+            </a:pathLst>
+          </a:custGeom>
+        </p:spPr>
+      </p:sp>
+    </p:spTree>
+    <p:extLst>
+      <p:ext uri="{BB962C8B-B14F-4D97-AF65-F5344CB8AC3E}">
+        <p14:creationId xmlns:p14="http://schemas.microsoft.com/office/powerpoint/2010/main" val="3744380905"/>
+      </p:ext>
+    </p:extLst>
   </p:cSld>
   <p:clrMapOvr>
     <a:masterClrMapping/>
@@ -1918,6 +3047,221 @@
       <p:sp>
         <p:nvSpPr>
           <p:cNvPr id="142" name="Shape 142"/>
+          <p:cNvSpPr>
+            <a:spLocks noGrp="1" noRot="1" noChangeAspect="1"/>
+          </p:cNvSpPr>
+          <p:nvPr>
+            <p:ph type="sldImg" idx="2"/>
+          </p:nvPr>
+        </p:nvSpPr>
+        <p:spPr>
+          <a:xfrm>
+            <a:off x="381000" y="685800"/>
+            <a:ext cx="6096000" cy="3429000"/>
+          </a:xfrm>
+          <a:custGeom>
+            <a:avLst/>
+            <a:gdLst/>
+            <a:ahLst/>
+            <a:cxnLst/>
+            <a:rect l="0" t="0" r="0" b="0"/>
+            <a:pathLst>
+              <a:path w="120000" h="120000" extrusionOk="0">
+                <a:moveTo>
+                  <a:pt x="0" y="0"/>
+                </a:moveTo>
+                <a:lnTo>
+                  <a:pt x="120000" y="0"/>
+                </a:lnTo>
+                <a:lnTo>
+                  <a:pt x="120000" y="120000"/>
+                </a:lnTo>
+                <a:lnTo>
+                  <a:pt x="0" y="120000"/>
+                </a:lnTo>
+                <a:close/>
+              </a:path>
+            </a:pathLst>
+          </a:custGeom>
+        </p:spPr>
+      </p:sp>
+    </p:spTree>
+  </p:cSld>
+  <p:clrMapOvr>
+    <a:masterClrMapping/>
+  </p:clrMapOvr>
+</p:notes>
+</file>
+
+<file path=ppt/notesSlides/notesSlide30.xml><?xml version="1.0" encoding="utf-8"?>
+<p:notes xmlns:a="http://schemas.openxmlformats.org/drawingml/2006/main" xmlns:r="http://schemas.openxmlformats.org/officeDocument/2006/relationships" xmlns:p="http://schemas.openxmlformats.org/presentationml/2006/main" showMasterSp="0" showMasterPhAnim="0">
+  <p:cSld>
+    <p:spTree>
+      <p:nvGrpSpPr>
+        <p:cNvPr id="1" name="Shape 153"/>
+        <p:cNvGrpSpPr/>
+        <p:nvPr/>
+      </p:nvGrpSpPr>
+      <p:grpSpPr>
+        <a:xfrm>
+          <a:off x="0" y="0"/>
+          <a:ext cx="0" cy="0"/>
+          <a:chOff x="0" y="0"/>
+          <a:chExt cx="0" cy="0"/>
+        </a:xfrm>
+      </p:grpSpPr>
+      <p:sp>
+        <p:nvSpPr>
+          <p:cNvPr id="154" name="Shape 154"/>
+          <p:cNvSpPr txBox="1">
+            <a:spLocks noGrp="1"/>
+          </p:cNvSpPr>
+          <p:nvPr>
+            <p:ph type="body" idx="1"/>
+          </p:nvPr>
+        </p:nvSpPr>
+        <p:spPr>
+          <a:xfrm>
+            <a:off x="685800" y="4343400"/>
+            <a:ext cx="5486400" cy="4114800"/>
+          </a:xfrm>
+          <a:prstGeom prst="rect">
+            <a:avLst/>
+          </a:prstGeom>
+          <a:noFill/>
+          <a:ln>
+            <a:noFill/>
+          </a:ln>
+        </p:spPr>
+        <p:txBody>
+          <a:bodyPr wrap="square" lIns="91425" tIns="91425" rIns="91425" bIns="91425" anchor="ctr" anchorCtr="0">
+            <a:noAutofit/>
+          </a:bodyPr>
+          <a:lstStyle/>
+          <a:p>
+            <a:pPr lvl="0" rtl="0">
+              <a:spcBef>
+                <a:spcPts val="0"/>
+              </a:spcBef>
+              <a:buNone/>
+            </a:pPr>
+            <a:endParaRPr dirty="0"/>
+          </a:p>
+        </p:txBody>
+      </p:sp>
+      <p:sp>
+        <p:nvSpPr>
+          <p:cNvPr id="155" name="Shape 155"/>
+          <p:cNvSpPr>
+            <a:spLocks noGrp="1" noRot="1" noChangeAspect="1"/>
+          </p:cNvSpPr>
+          <p:nvPr>
+            <p:ph type="sldImg" idx="2"/>
+          </p:nvPr>
+        </p:nvSpPr>
+        <p:spPr>
+          <a:xfrm>
+            <a:off x="381000" y="685800"/>
+            <a:ext cx="6096000" cy="3429000"/>
+          </a:xfrm>
+          <a:custGeom>
+            <a:avLst/>
+            <a:gdLst/>
+            <a:ahLst/>
+            <a:cxnLst/>
+            <a:rect l="0" t="0" r="0" b="0"/>
+            <a:pathLst>
+              <a:path w="120000" h="120000" extrusionOk="0">
+                <a:moveTo>
+                  <a:pt x="0" y="0"/>
+                </a:moveTo>
+                <a:lnTo>
+                  <a:pt x="120000" y="0"/>
+                </a:lnTo>
+                <a:lnTo>
+                  <a:pt x="120000" y="120000"/>
+                </a:lnTo>
+                <a:lnTo>
+                  <a:pt x="0" y="120000"/>
+                </a:lnTo>
+                <a:close/>
+              </a:path>
+            </a:pathLst>
+          </a:custGeom>
+        </p:spPr>
+      </p:sp>
+    </p:spTree>
+    <p:extLst>
+      <p:ext uri="{BB962C8B-B14F-4D97-AF65-F5344CB8AC3E}">
+        <p14:creationId xmlns:p14="http://schemas.microsoft.com/office/powerpoint/2010/main" val="933249111"/>
+      </p:ext>
+    </p:extLst>
+  </p:cSld>
+  <p:clrMapOvr>
+    <a:masterClrMapping/>
+  </p:clrMapOvr>
+</p:notes>
+</file>
+
+<file path=ppt/notesSlides/notesSlide31.xml><?xml version="1.0" encoding="utf-8"?>
+<p:notes xmlns:a="http://schemas.openxmlformats.org/drawingml/2006/main" xmlns:r="http://schemas.openxmlformats.org/officeDocument/2006/relationships" xmlns:p="http://schemas.openxmlformats.org/presentationml/2006/main" showMasterSp="0" showMasterPhAnim="0">
+  <p:cSld>
+    <p:spTree>
+      <p:nvGrpSpPr>
+        <p:cNvPr id="1" name="Shape 234"/>
+        <p:cNvGrpSpPr/>
+        <p:nvPr/>
+      </p:nvGrpSpPr>
+      <p:grpSpPr>
+        <a:xfrm>
+          <a:off x="0" y="0"/>
+          <a:ext cx="0" cy="0"/>
+          <a:chOff x="0" y="0"/>
+          <a:chExt cx="0" cy="0"/>
+        </a:xfrm>
+      </p:grpSpPr>
+      <p:sp>
+        <p:nvSpPr>
+          <p:cNvPr id="235" name="Shape 235"/>
+          <p:cNvSpPr txBox="1">
+            <a:spLocks noGrp="1"/>
+          </p:cNvSpPr>
+          <p:nvPr>
+            <p:ph type="body" idx="1"/>
+          </p:nvPr>
+        </p:nvSpPr>
+        <p:spPr>
+          <a:xfrm>
+            <a:off x="685800" y="4343400"/>
+            <a:ext cx="5486400" cy="4114800"/>
+          </a:xfrm>
+          <a:prstGeom prst="rect">
+            <a:avLst/>
+          </a:prstGeom>
+          <a:noFill/>
+          <a:ln>
+            <a:noFill/>
+          </a:ln>
+        </p:spPr>
+        <p:txBody>
+          <a:bodyPr wrap="square" lIns="91425" tIns="91425" rIns="91425" bIns="91425" anchor="ctr" anchorCtr="0">
+            <a:noAutofit/>
+          </a:bodyPr>
+          <a:lstStyle/>
+          <a:p>
+            <a:pPr lvl="0" rtl="0">
+              <a:spcBef>
+                <a:spcPts val="0"/>
+              </a:spcBef>
+              <a:buNone/>
+            </a:pPr>
+            <a:endParaRPr/>
+          </a:p>
+        </p:txBody>
+      </p:sp>
+      <p:sp>
+        <p:nvSpPr>
+          <p:cNvPr id="236" name="Shape 236"/>
           <p:cNvSpPr>
             <a:spLocks noGrp="1" noRot="1" noChangeAspect="1"/>
           </p:cNvSpPr>
@@ -16048,42 +17392,6 @@
       </p:grpSpPr>
       <p:sp>
         <p:nvSpPr>
-          <p:cNvPr id="129" name="Shape 129"/>
-          <p:cNvSpPr txBox="1">
-            <a:spLocks noGrp="1"/>
-          </p:cNvSpPr>
-          <p:nvPr>
-            <p:ph type="ctrTitle"/>
-          </p:nvPr>
-        </p:nvSpPr>
-        <p:spPr>
-          <a:xfrm>
-            <a:off x="659672" y="1221600"/>
-            <a:ext cx="7772400" cy="1102500"/>
-          </a:xfrm>
-          <a:prstGeom prst="rect">
-            <a:avLst/>
-          </a:prstGeom>
-        </p:spPr>
-        <p:txBody>
-          <a:bodyPr wrap="square" lIns="91425" tIns="91425" rIns="91425" bIns="91425" anchor="ctr" anchorCtr="0">
-            <a:noAutofit/>
-          </a:bodyPr>
-          <a:lstStyle/>
-          <a:p>
-            <a:r>
-              <a:rPr lang="en-US" b="1" dirty="0">
-                <a:solidFill>
-                  <a:schemeClr val="bg1"/>
-                </a:solidFill>
-              </a:rPr>
-              <a:t>Create a robot rover to follow a fixed path using Raspberry Pi</a:t>
-            </a:r>
-          </a:p>
-        </p:txBody>
-      </p:sp>
-      <p:sp>
-        <p:nvSpPr>
           <p:cNvPr id="130" name="Shape 130"/>
           <p:cNvSpPr txBox="1">
             <a:spLocks noGrp="1"/>
@@ -16094,8 +17402,8 @@
         </p:nvSpPr>
         <p:spPr>
           <a:xfrm>
-            <a:off x="1371600" y="2914650"/>
-            <a:ext cx="6400800" cy="1314300"/>
+            <a:off x="1423768" y="3107566"/>
+            <a:ext cx="6400800" cy="1139484"/>
           </a:xfrm>
           <a:prstGeom prst="rect">
             <a:avLst/>
@@ -16173,6 +17481,29 @@
                 </a:solidFill>
               </a:rPr>
               <a:t>Pass:- WelcomeToIn5</a:t>
+            </a:r>
+          </a:p>
+          <a:p>
+            <a:pPr lvl="0">
+              <a:spcBef>
+                <a:spcPts val="0"/>
+              </a:spcBef>
+            </a:pPr>
+            <a:r>
+              <a:rPr lang="en-US" sz="1800" dirty="0" err="1">
+                <a:solidFill>
+                  <a:srgbClr val="FFFFFF"/>
+                </a:solidFill>
+              </a:rPr>
+              <a:t>Github</a:t>
+            </a:r>
+            <a:r>
+              <a:rPr lang="en-US" sz="1800" dirty="0">
+                <a:solidFill>
+                  <a:srgbClr val="FFFFFF"/>
+                </a:solidFill>
+              </a:rPr>
+              <a:t> :- https://github.com/The-Assembly/Line_following_Rover</a:t>
             </a:r>
             <a:endParaRPr lang="en" sz="1800" dirty="0">
               <a:solidFill>
@@ -16272,6 +17603,36 @@
           </a:p>
         </p:txBody>
       </p:sp>
+      <p:pic>
+        <p:nvPicPr>
+          <p:cNvPr id="5" name="Picture 4">
+            <a:extLst>
+              <a:ext uri="{FF2B5EF4-FFF2-40B4-BE49-F238E27FC236}">
+                <a16:creationId xmlns:a16="http://schemas.microsoft.com/office/drawing/2014/main" id="{95EE2648-8994-4DF5-AB84-94F7921FB35C}"/>
+              </a:ext>
+            </a:extLst>
+          </p:cNvPr>
+          <p:cNvPicPr>
+            <a:picLocks noChangeAspect="1"/>
+          </p:cNvPicPr>
+          <p:nvPr/>
+        </p:nvPicPr>
+        <p:blipFill>
+          <a:blip r:embed="rId4"/>
+          <a:stretch>
+            <a:fillRect/>
+          </a:stretch>
+        </p:blipFill>
+        <p:spPr>
+          <a:xfrm>
+            <a:off x="1850781" y="0"/>
+            <a:ext cx="5546774" cy="3173987"/>
+          </a:xfrm>
+          <a:prstGeom prst="rect">
+            <a:avLst/>
+          </a:prstGeom>
+        </p:spPr>
+      </p:pic>
     </p:spTree>
   </p:cSld>
   <p:clrMapOvr>
@@ -16508,6 +17869,119 @@
       </p:grpSpPr>
       <p:sp>
         <p:nvSpPr>
+          <p:cNvPr id="3" name="Title 2">
+            <a:extLst>
+              <a:ext uri="{FF2B5EF4-FFF2-40B4-BE49-F238E27FC236}">
+                <a16:creationId xmlns:a16="http://schemas.microsoft.com/office/drawing/2014/main" id="{1B18D505-7719-4EC4-B12B-81F6F59BA56C}"/>
+              </a:ext>
+            </a:extLst>
+          </p:cNvPr>
+          <p:cNvSpPr>
+            <a:spLocks noGrp="1"/>
+          </p:cNvSpPr>
+          <p:nvPr>
+            <p:ph type="title"/>
+          </p:nvPr>
+        </p:nvSpPr>
+        <p:spPr/>
+        <p:txBody>
+          <a:bodyPr/>
+          <a:lstStyle/>
+          <a:p>
+            <a:endParaRPr lang="en-US"/>
+          </a:p>
+        </p:txBody>
+      </p:sp>
+      <p:pic>
+        <p:nvPicPr>
+          <p:cNvPr id="5" name="Picture 2" descr="Image result for line following">
+            <a:extLst>
+              <a:ext uri="{FF2B5EF4-FFF2-40B4-BE49-F238E27FC236}">
+                <a16:creationId xmlns:a16="http://schemas.microsoft.com/office/drawing/2014/main" id="{1D327926-675E-4D39-B530-15764E371FD6}"/>
+              </a:ext>
+            </a:extLst>
+          </p:cNvPr>
+          <p:cNvPicPr>
+            <a:picLocks noChangeAspect="1" noChangeArrowheads="1"/>
+          </p:cNvPicPr>
+          <p:nvPr/>
+        </p:nvPicPr>
+        <p:blipFill rotWithShape="1">
+          <a:blip r:embed="rId4">
+            <a:extLst>
+              <a:ext uri="{28A0092B-C50C-407E-A947-70E740481C1C}">
+                <a14:useLocalDpi xmlns:a14="http://schemas.microsoft.com/office/drawing/2010/main" val="0"/>
+              </a:ext>
+            </a:extLst>
+          </a:blip>
+          <a:srcRect t="5555"/>
+          <a:stretch/>
+        </p:blipFill>
+        <p:spPr bwMode="auto">
+          <a:xfrm>
+            <a:off x="1243106" y="379525"/>
+            <a:ext cx="6657787" cy="4065866"/>
+          </a:xfrm>
+          <a:prstGeom prst="rect">
+            <a:avLst/>
+          </a:prstGeom>
+          <a:noFill/>
+          <a:extLst>
+            <a:ext uri="{909E8E84-426E-40DD-AFC4-6F175D3DCCD1}">
+              <a14:hiddenFill xmlns:a14="http://schemas.microsoft.com/office/drawing/2010/main">
+                <a:solidFill>
+                  <a:srgbClr val="FFFFFF"/>
+                </a:solidFill>
+              </a14:hiddenFill>
+            </a:ext>
+          </a:extLst>
+        </p:spPr>
+      </p:pic>
+    </p:spTree>
+    <p:extLst>
+      <p:ext uri="{BB962C8B-B14F-4D97-AF65-F5344CB8AC3E}">
+        <p14:creationId xmlns:p14="http://schemas.microsoft.com/office/powerpoint/2010/main" val="710789313"/>
+      </p:ext>
+    </p:extLst>
+  </p:cSld>
+  <p:clrMapOvr>
+    <a:masterClrMapping/>
+  </p:clrMapOvr>
+</p:sld>
+</file>
+
+<file path=ppt/slides/slide13.xml><?xml version="1.0" encoding="utf-8"?>
+<p:sld xmlns:a="http://schemas.openxmlformats.org/drawingml/2006/main" xmlns:r="http://schemas.openxmlformats.org/officeDocument/2006/relationships" xmlns:p="http://schemas.openxmlformats.org/presentationml/2006/main">
+  <p:cSld>
+    <p:bg>
+      <p:bgPr>
+        <a:blipFill>
+          <a:blip r:embed="rId3">
+            <a:alphaModFix/>
+          </a:blip>
+          <a:stretch>
+            <a:fillRect/>
+          </a:stretch>
+        </a:blipFill>
+        <a:effectLst/>
+      </p:bgPr>
+    </p:bg>
+    <p:spTree>
+      <p:nvGrpSpPr>
+        <p:cNvPr id="1" name="Shape 156"/>
+        <p:cNvGrpSpPr/>
+        <p:nvPr/>
+      </p:nvGrpSpPr>
+      <p:grpSpPr>
+        <a:xfrm>
+          <a:off x="0" y="0"/>
+          <a:ext cx="0" cy="0"/>
+          <a:chOff x="0" y="0"/>
+          <a:chExt cx="0" cy="0"/>
+        </a:xfrm>
+      </p:grpSpPr>
+      <p:sp>
+        <p:nvSpPr>
           <p:cNvPr id="4" name="Title 2">
             <a:extLst>
               <a:ext uri="{FF2B5EF4-FFF2-40B4-BE49-F238E27FC236}">
@@ -16551,7 +18025,7 @@
 </p:sld>
 </file>
 
-<file path=ppt/slides/slide13.xml><?xml version="1.0" encoding="utf-8"?>
+<file path=ppt/slides/slide14.xml><?xml version="1.0" encoding="utf-8"?>
 <p:sld xmlns:a="http://schemas.openxmlformats.org/drawingml/2006/main" xmlns:r="http://schemas.openxmlformats.org/officeDocument/2006/relationships" xmlns:p="http://schemas.openxmlformats.org/presentationml/2006/main">
   <p:cSld>
     <p:bg>
@@ -16757,7 +18231,7 @@
 </p:sld>
 </file>
 
-<file path=ppt/slides/slide14.xml><?xml version="1.0" encoding="utf-8"?>
+<file path=ppt/slides/slide15.xml><?xml version="1.0" encoding="utf-8"?>
 <p:sld xmlns:a="http://schemas.openxmlformats.org/drawingml/2006/main" xmlns:r="http://schemas.openxmlformats.org/officeDocument/2006/relationships" xmlns:p="http://schemas.openxmlformats.org/presentationml/2006/main">
   <p:cSld>
     <p:bg>
@@ -16846,7 +18320,7 @@
         </p:blipFill>
         <p:spPr>
           <a:xfrm>
-            <a:off x="2798445" y="1091954"/>
+            <a:off x="688291" y="1091954"/>
             <a:ext cx="3261360" cy="3261360"/>
           </a:xfrm>
           <a:prstGeom prst="rect">
@@ -16876,14 +18350,1210 @@
         </p:blipFill>
         <p:spPr>
           <a:xfrm>
-            <a:off x="6716228" y="3437009"/>
-            <a:ext cx="1827697" cy="705491"/>
+            <a:off x="5067742" y="3323246"/>
+            <a:ext cx="3007114" cy="1160746"/>
           </a:xfrm>
           <a:prstGeom prst="rect">
             <a:avLst/>
           </a:prstGeom>
         </p:spPr>
       </p:pic>
+      <p:graphicFrame>
+        <p:nvGraphicFramePr>
+          <p:cNvPr id="6" name="Table 5">
+            <a:extLst>
+              <a:ext uri="{FF2B5EF4-FFF2-40B4-BE49-F238E27FC236}">
+                <a16:creationId xmlns:a16="http://schemas.microsoft.com/office/drawing/2014/main" id="{EC9E6991-AC4A-4D3F-AA90-F156989CCBFB}"/>
+              </a:ext>
+            </a:extLst>
+          </p:cNvPr>
+          <p:cNvGraphicFramePr>
+            <a:graphicFrameLocks noGrp="1"/>
+          </p:cNvGraphicFramePr>
+          <p:nvPr>
+            <p:extLst>
+              <p:ext uri="{D42A27DB-BD31-4B8C-83A1-F6EECF244321}">
+                <p14:modId xmlns:p14="http://schemas.microsoft.com/office/powerpoint/2010/main" val="2824043175"/>
+              </p:ext>
+            </p:extLst>
+          </p:nvPr>
+        </p:nvGraphicFramePr>
+        <p:xfrm>
+          <a:off x="3868069" y="1091954"/>
+          <a:ext cx="5234901" cy="1997051"/>
+        </p:xfrm>
+        <a:graphic>
+          <a:graphicData uri="http://schemas.openxmlformats.org/drawingml/2006/table">
+            <a:tbl>
+              <a:tblPr>
+                <a:tableStyleId>{5C22544A-7EE6-4342-B048-85BDC9FD1C3A}</a:tableStyleId>
+              </a:tblPr>
+              <a:tblGrid>
+                <a:gridCol w="652863">
+                  <a:extLst>
+                    <a:ext uri="{9D8B030D-6E8A-4147-A177-3AD203B41FA5}">
+                      <a16:colId xmlns:a16="http://schemas.microsoft.com/office/drawing/2014/main" val="1127951288"/>
+                    </a:ext>
+                  </a:extLst>
+                </a:gridCol>
+                <a:gridCol w="613054">
+                  <a:extLst>
+                    <a:ext uri="{9D8B030D-6E8A-4147-A177-3AD203B41FA5}">
+                      <a16:colId xmlns:a16="http://schemas.microsoft.com/office/drawing/2014/main" val="1160954628"/>
+                    </a:ext>
+                  </a:extLst>
+                </a:gridCol>
+                <a:gridCol w="613054">
+                  <a:extLst>
+                    <a:ext uri="{9D8B030D-6E8A-4147-A177-3AD203B41FA5}">
+                      <a16:colId xmlns:a16="http://schemas.microsoft.com/office/drawing/2014/main" val="3485886882"/>
+                    </a:ext>
+                  </a:extLst>
+                </a:gridCol>
+                <a:gridCol w="644902">
+                  <a:extLst>
+                    <a:ext uri="{9D8B030D-6E8A-4147-A177-3AD203B41FA5}">
+                      <a16:colId xmlns:a16="http://schemas.microsoft.com/office/drawing/2014/main" val="2684302568"/>
+                    </a:ext>
+                  </a:extLst>
+                </a:gridCol>
+                <a:gridCol w="613054">
+                  <a:extLst>
+                    <a:ext uri="{9D8B030D-6E8A-4147-A177-3AD203B41FA5}">
+                      <a16:colId xmlns:a16="http://schemas.microsoft.com/office/drawing/2014/main" val="443983176"/>
+                    </a:ext>
+                  </a:extLst>
+                </a:gridCol>
+                <a:gridCol w="613054">
+                  <a:extLst>
+                    <a:ext uri="{9D8B030D-6E8A-4147-A177-3AD203B41FA5}">
+                      <a16:colId xmlns:a16="http://schemas.microsoft.com/office/drawing/2014/main" val="3847718485"/>
+                    </a:ext>
+                  </a:extLst>
+                </a:gridCol>
+                <a:gridCol w="1484920">
+                  <a:extLst>
+                    <a:ext uri="{9D8B030D-6E8A-4147-A177-3AD203B41FA5}">
+                      <a16:colId xmlns:a16="http://schemas.microsoft.com/office/drawing/2014/main" val="3978372320"/>
+                    </a:ext>
+                  </a:extLst>
+                </a:gridCol>
+              </a:tblGrid>
+              <a:tr h="103867">
+                <a:tc gridSpan="3">
+                  <a:txBody>
+                    <a:bodyPr/>
+                    <a:lstStyle/>
+                    <a:p>
+                      <a:pPr algn="ctr" fontAlgn="ctr"/>
+                      <a:r>
+                        <a:rPr lang="en-US" sz="1100" u="none" strike="noStrike" dirty="0">
+                          <a:effectLst/>
+                        </a:rPr>
+                        <a:t>MOTOR A</a:t>
+                      </a:r>
+                      <a:endParaRPr lang="en-US" sz="1100" b="1" i="0" u="none" strike="noStrike" dirty="0">
+                        <a:solidFill>
+                          <a:srgbClr val="FFFFFF"/>
+                        </a:solidFill>
+                        <a:effectLst/>
+                        <a:latin typeface="Calibri" panose="020F0502020204030204" pitchFamily="34" charset="0"/>
+                      </a:endParaRPr>
+                    </a:p>
+                  </a:txBody>
+                  <a:tcPr marL="9525" marR="9525" marT="9525" marB="0" anchor="ctr"/>
+                </a:tc>
+                <a:tc hMerge="1">
+                  <a:txBody>
+                    <a:bodyPr/>
+                    <a:lstStyle/>
+                    <a:p>
+                      <a:endParaRPr lang="en-US"/>
+                    </a:p>
+                  </a:txBody>
+                  <a:tcPr/>
+                </a:tc>
+                <a:tc hMerge="1">
+                  <a:txBody>
+                    <a:bodyPr/>
+                    <a:lstStyle/>
+                    <a:p>
+                      <a:endParaRPr lang="en-US"/>
+                    </a:p>
+                  </a:txBody>
+                  <a:tcPr/>
+                </a:tc>
+                <a:tc gridSpan="3">
+                  <a:txBody>
+                    <a:bodyPr/>
+                    <a:lstStyle/>
+                    <a:p>
+                      <a:pPr algn="ctr" fontAlgn="ctr"/>
+                      <a:r>
+                        <a:rPr lang="en-US" sz="1100" u="none" strike="noStrike" dirty="0">
+                          <a:effectLst/>
+                        </a:rPr>
+                        <a:t>MOTOR B</a:t>
+                      </a:r>
+                      <a:endParaRPr lang="en-US" sz="1100" b="1" i="0" u="none" strike="noStrike" dirty="0">
+                        <a:solidFill>
+                          <a:srgbClr val="000000"/>
+                        </a:solidFill>
+                        <a:effectLst/>
+                        <a:latin typeface="Calibri" panose="020F0502020204030204" pitchFamily="34" charset="0"/>
+                      </a:endParaRPr>
+                    </a:p>
+                  </a:txBody>
+                  <a:tcPr marL="9525" marR="9525" marT="9525" marB="0" anchor="ctr"/>
+                </a:tc>
+                <a:tc hMerge="1">
+                  <a:txBody>
+                    <a:bodyPr/>
+                    <a:lstStyle/>
+                    <a:p>
+                      <a:endParaRPr lang="en-US"/>
+                    </a:p>
+                  </a:txBody>
+                  <a:tcPr/>
+                </a:tc>
+                <a:tc hMerge="1">
+                  <a:txBody>
+                    <a:bodyPr/>
+                    <a:lstStyle/>
+                    <a:p>
+                      <a:endParaRPr lang="en-US"/>
+                    </a:p>
+                  </a:txBody>
+                  <a:tcPr/>
+                </a:tc>
+                <a:tc rowSpan="2">
+                  <a:txBody>
+                    <a:bodyPr/>
+                    <a:lstStyle/>
+                    <a:p>
+                      <a:pPr algn="ctr" fontAlgn="ctr"/>
+                      <a:r>
+                        <a:rPr lang="en-US" sz="1100" u="none" strike="noStrike" dirty="0">
+                          <a:effectLst/>
+                        </a:rPr>
+                        <a:t>Outcomes</a:t>
+                      </a:r>
+                      <a:endParaRPr lang="en-US" sz="1100" b="1" i="0" u="none" strike="noStrike" dirty="0">
+                        <a:solidFill>
+                          <a:srgbClr val="FFFFFF"/>
+                        </a:solidFill>
+                        <a:effectLst/>
+                        <a:latin typeface="Calibri" panose="020F0502020204030204" pitchFamily="34" charset="0"/>
+                      </a:endParaRPr>
+                    </a:p>
+                  </a:txBody>
+                  <a:tcPr marL="9525" marR="9525" marT="9525" marB="0" anchor="ctr"/>
+                </a:tc>
+                <a:extLst>
+                  <a:ext uri="{0D108BD9-81ED-4DB2-BD59-A6C34878D82A}">
+                    <a16:rowId xmlns:a16="http://schemas.microsoft.com/office/drawing/2014/main" val="2999567584"/>
+                  </a:ext>
+                </a:extLst>
+              </a:tr>
+              <a:tr h="148382">
+                <a:tc>
+                  <a:txBody>
+                    <a:bodyPr/>
+                    <a:lstStyle/>
+                    <a:p>
+                      <a:pPr algn="ctr" fontAlgn="ctr"/>
+                      <a:r>
+                        <a:rPr lang="en-US" sz="1100" u="none" strike="noStrike">
+                          <a:effectLst/>
+                        </a:rPr>
+                        <a:t>ENA</a:t>
+                      </a:r>
+                      <a:endParaRPr lang="en-US" sz="1100" b="1" i="0" u="none" strike="noStrike">
+                        <a:solidFill>
+                          <a:srgbClr val="000000"/>
+                        </a:solidFill>
+                        <a:effectLst/>
+                        <a:latin typeface="Calibri" panose="020F0502020204030204" pitchFamily="34" charset="0"/>
+                      </a:endParaRPr>
+                    </a:p>
+                  </a:txBody>
+                  <a:tcPr marL="9525" marR="9525" marT="9525" marB="0" anchor="ctr"/>
+                </a:tc>
+                <a:tc>
+                  <a:txBody>
+                    <a:bodyPr/>
+                    <a:lstStyle/>
+                    <a:p>
+                      <a:pPr algn="ctr" fontAlgn="ctr"/>
+                      <a:r>
+                        <a:rPr lang="en-US" sz="1100" u="none" strike="noStrike">
+                          <a:effectLst/>
+                        </a:rPr>
+                        <a:t>IN1</a:t>
+                      </a:r>
+                      <a:endParaRPr lang="en-US" sz="1100" b="1" i="0" u="none" strike="noStrike">
+                        <a:solidFill>
+                          <a:srgbClr val="000000"/>
+                        </a:solidFill>
+                        <a:effectLst/>
+                        <a:latin typeface="Calibri" panose="020F0502020204030204" pitchFamily="34" charset="0"/>
+                      </a:endParaRPr>
+                    </a:p>
+                  </a:txBody>
+                  <a:tcPr marL="9525" marR="9525" marT="9525" marB="0" anchor="ctr"/>
+                </a:tc>
+                <a:tc>
+                  <a:txBody>
+                    <a:bodyPr/>
+                    <a:lstStyle/>
+                    <a:p>
+                      <a:pPr algn="ctr" fontAlgn="ctr"/>
+                      <a:r>
+                        <a:rPr lang="en-US" sz="1100" u="none" strike="noStrike">
+                          <a:effectLst/>
+                        </a:rPr>
+                        <a:t>IN2</a:t>
+                      </a:r>
+                      <a:endParaRPr lang="en-US" sz="1100" b="1" i="0" u="none" strike="noStrike">
+                        <a:solidFill>
+                          <a:srgbClr val="000000"/>
+                        </a:solidFill>
+                        <a:effectLst/>
+                        <a:latin typeface="Calibri" panose="020F0502020204030204" pitchFamily="34" charset="0"/>
+                      </a:endParaRPr>
+                    </a:p>
+                  </a:txBody>
+                  <a:tcPr marL="9525" marR="9525" marT="9525" marB="0" anchor="ctr"/>
+                </a:tc>
+                <a:tc>
+                  <a:txBody>
+                    <a:bodyPr/>
+                    <a:lstStyle/>
+                    <a:p>
+                      <a:pPr algn="ctr" fontAlgn="ctr"/>
+                      <a:r>
+                        <a:rPr lang="en-US" sz="1100" u="none" strike="noStrike">
+                          <a:effectLst/>
+                        </a:rPr>
+                        <a:t>ENB</a:t>
+                      </a:r>
+                      <a:endParaRPr lang="en-US" sz="1100" b="1" i="0" u="none" strike="noStrike">
+                        <a:solidFill>
+                          <a:srgbClr val="000000"/>
+                        </a:solidFill>
+                        <a:effectLst/>
+                        <a:latin typeface="Calibri" panose="020F0502020204030204" pitchFamily="34" charset="0"/>
+                      </a:endParaRPr>
+                    </a:p>
+                  </a:txBody>
+                  <a:tcPr marL="9525" marR="9525" marT="9525" marB="0" anchor="ctr"/>
+                </a:tc>
+                <a:tc>
+                  <a:txBody>
+                    <a:bodyPr/>
+                    <a:lstStyle/>
+                    <a:p>
+                      <a:pPr algn="ctr" fontAlgn="ctr"/>
+                      <a:r>
+                        <a:rPr lang="en-US" sz="1100" u="none" strike="noStrike">
+                          <a:effectLst/>
+                        </a:rPr>
+                        <a:t>IN3</a:t>
+                      </a:r>
+                      <a:endParaRPr lang="en-US" sz="1100" b="1" i="0" u="none" strike="noStrike">
+                        <a:solidFill>
+                          <a:srgbClr val="000000"/>
+                        </a:solidFill>
+                        <a:effectLst/>
+                        <a:latin typeface="Calibri" panose="020F0502020204030204" pitchFamily="34" charset="0"/>
+                      </a:endParaRPr>
+                    </a:p>
+                  </a:txBody>
+                  <a:tcPr marL="9525" marR="9525" marT="9525" marB="0" anchor="ctr"/>
+                </a:tc>
+                <a:tc>
+                  <a:txBody>
+                    <a:bodyPr/>
+                    <a:lstStyle/>
+                    <a:p>
+                      <a:pPr algn="ctr" fontAlgn="ctr"/>
+                      <a:r>
+                        <a:rPr lang="en-US" sz="1100" u="none" strike="noStrike">
+                          <a:effectLst/>
+                        </a:rPr>
+                        <a:t>IN4</a:t>
+                      </a:r>
+                      <a:endParaRPr lang="en-US" sz="1100" b="1" i="0" u="none" strike="noStrike">
+                        <a:solidFill>
+                          <a:srgbClr val="000000"/>
+                        </a:solidFill>
+                        <a:effectLst/>
+                        <a:latin typeface="Calibri" panose="020F0502020204030204" pitchFamily="34" charset="0"/>
+                      </a:endParaRPr>
+                    </a:p>
+                  </a:txBody>
+                  <a:tcPr marL="9525" marR="9525" marT="9525" marB="0" anchor="ctr"/>
+                </a:tc>
+                <a:tc vMerge="1">
+                  <a:txBody>
+                    <a:bodyPr/>
+                    <a:lstStyle/>
+                    <a:p>
+                      <a:endParaRPr lang="en-US"/>
+                    </a:p>
+                  </a:txBody>
+                  <a:tcPr/>
+                </a:tc>
+                <a:extLst>
+                  <a:ext uri="{0D108BD9-81ED-4DB2-BD59-A6C34878D82A}">
+                    <a16:rowId xmlns:a16="http://schemas.microsoft.com/office/drawing/2014/main" val="350778219"/>
+                  </a:ext>
+                </a:extLst>
+              </a:tr>
+              <a:tr h="263501">
+                <a:tc>
+                  <a:txBody>
+                    <a:bodyPr/>
+                    <a:lstStyle/>
+                    <a:p>
+                      <a:pPr algn="ctr" fontAlgn="ctr"/>
+                      <a:r>
+                        <a:rPr lang="en-US" sz="1100" u="none" strike="noStrike">
+                          <a:effectLst/>
+                        </a:rPr>
+                        <a:t>0</a:t>
+                      </a:r>
+                      <a:endParaRPr lang="en-US" sz="1100" b="1" i="0" u="none" strike="noStrike">
+                        <a:solidFill>
+                          <a:srgbClr val="000000"/>
+                        </a:solidFill>
+                        <a:effectLst/>
+                        <a:latin typeface="Calibri" panose="020F0502020204030204" pitchFamily="34" charset="0"/>
+                      </a:endParaRPr>
+                    </a:p>
+                  </a:txBody>
+                  <a:tcPr marL="9525" marR="9525" marT="9525" marB="0" anchor="ctr"/>
+                </a:tc>
+                <a:tc>
+                  <a:txBody>
+                    <a:bodyPr/>
+                    <a:lstStyle/>
+                    <a:p>
+                      <a:pPr algn="ctr" fontAlgn="ctr"/>
+                      <a:r>
+                        <a:rPr lang="en-US" sz="1100" u="none" strike="noStrike">
+                          <a:effectLst/>
+                        </a:rPr>
+                        <a:t>N/A</a:t>
+                      </a:r>
+                      <a:endParaRPr lang="en-US" sz="1100" b="1" i="0" u="none" strike="noStrike">
+                        <a:solidFill>
+                          <a:srgbClr val="000000"/>
+                        </a:solidFill>
+                        <a:effectLst/>
+                        <a:latin typeface="Calibri" panose="020F0502020204030204" pitchFamily="34" charset="0"/>
+                      </a:endParaRPr>
+                    </a:p>
+                  </a:txBody>
+                  <a:tcPr marL="9525" marR="9525" marT="9525" marB="0" anchor="ctr"/>
+                </a:tc>
+                <a:tc>
+                  <a:txBody>
+                    <a:bodyPr/>
+                    <a:lstStyle/>
+                    <a:p>
+                      <a:pPr algn="ctr" fontAlgn="ctr"/>
+                      <a:r>
+                        <a:rPr lang="en-US" sz="1100" u="none" strike="noStrike">
+                          <a:effectLst/>
+                        </a:rPr>
+                        <a:t>N/A</a:t>
+                      </a:r>
+                      <a:endParaRPr lang="en-US" sz="1100" b="1" i="0" u="none" strike="noStrike">
+                        <a:solidFill>
+                          <a:srgbClr val="000000"/>
+                        </a:solidFill>
+                        <a:effectLst/>
+                        <a:latin typeface="Calibri" panose="020F0502020204030204" pitchFamily="34" charset="0"/>
+                      </a:endParaRPr>
+                    </a:p>
+                  </a:txBody>
+                  <a:tcPr marL="9525" marR="9525" marT="9525" marB="0" anchor="ctr"/>
+                </a:tc>
+                <a:tc>
+                  <a:txBody>
+                    <a:bodyPr/>
+                    <a:lstStyle/>
+                    <a:p>
+                      <a:pPr algn="ctr" fontAlgn="ctr"/>
+                      <a:r>
+                        <a:rPr lang="en-US" sz="1100" u="none" strike="noStrike">
+                          <a:effectLst/>
+                        </a:rPr>
+                        <a:t>0</a:t>
+                      </a:r>
+                      <a:endParaRPr lang="en-US" sz="1100" b="1" i="0" u="none" strike="noStrike">
+                        <a:solidFill>
+                          <a:srgbClr val="000000"/>
+                        </a:solidFill>
+                        <a:effectLst/>
+                        <a:latin typeface="Calibri" panose="020F0502020204030204" pitchFamily="34" charset="0"/>
+                      </a:endParaRPr>
+                    </a:p>
+                  </a:txBody>
+                  <a:tcPr marL="9525" marR="9525" marT="9525" marB="0" anchor="ctr"/>
+                </a:tc>
+                <a:tc>
+                  <a:txBody>
+                    <a:bodyPr/>
+                    <a:lstStyle/>
+                    <a:p>
+                      <a:pPr algn="ctr" fontAlgn="ctr"/>
+                      <a:r>
+                        <a:rPr lang="en-US" sz="1100" u="none" strike="noStrike">
+                          <a:effectLst/>
+                        </a:rPr>
+                        <a:t>N/A</a:t>
+                      </a:r>
+                      <a:endParaRPr lang="en-US" sz="1100" b="1" i="0" u="none" strike="noStrike">
+                        <a:solidFill>
+                          <a:srgbClr val="000000"/>
+                        </a:solidFill>
+                        <a:effectLst/>
+                        <a:latin typeface="Calibri" panose="020F0502020204030204" pitchFamily="34" charset="0"/>
+                      </a:endParaRPr>
+                    </a:p>
+                  </a:txBody>
+                  <a:tcPr marL="9525" marR="9525" marT="9525" marB="0" anchor="ctr"/>
+                </a:tc>
+                <a:tc>
+                  <a:txBody>
+                    <a:bodyPr/>
+                    <a:lstStyle/>
+                    <a:p>
+                      <a:pPr algn="ctr" fontAlgn="ctr"/>
+                      <a:r>
+                        <a:rPr lang="en-US" sz="1100" u="none" strike="noStrike">
+                          <a:effectLst/>
+                        </a:rPr>
+                        <a:t>N/A</a:t>
+                      </a:r>
+                      <a:endParaRPr lang="en-US" sz="1100" b="1" i="0" u="none" strike="noStrike">
+                        <a:solidFill>
+                          <a:srgbClr val="000000"/>
+                        </a:solidFill>
+                        <a:effectLst/>
+                        <a:latin typeface="Calibri" panose="020F0502020204030204" pitchFamily="34" charset="0"/>
+                      </a:endParaRPr>
+                    </a:p>
+                  </a:txBody>
+                  <a:tcPr marL="9525" marR="9525" marT="9525" marB="0" anchor="ctr"/>
+                </a:tc>
+                <a:tc>
+                  <a:txBody>
+                    <a:bodyPr/>
+                    <a:lstStyle/>
+                    <a:p>
+                      <a:pPr algn="ctr" fontAlgn="ctr"/>
+                      <a:r>
+                        <a:rPr lang="en-US" sz="1100" u="none" strike="noStrike">
+                          <a:effectLst/>
+                        </a:rPr>
+                        <a:t>Motors are off</a:t>
+                      </a:r>
+                      <a:endParaRPr lang="en-US" sz="1100" b="1" i="0" u="none" strike="noStrike">
+                        <a:solidFill>
+                          <a:srgbClr val="000000"/>
+                        </a:solidFill>
+                        <a:effectLst/>
+                        <a:latin typeface="Calibri" panose="020F0502020204030204" pitchFamily="34" charset="0"/>
+                      </a:endParaRPr>
+                    </a:p>
+                  </a:txBody>
+                  <a:tcPr marL="9525" marR="9525" marT="9525" marB="0" anchor="ctr"/>
+                </a:tc>
+                <a:extLst>
+                  <a:ext uri="{0D108BD9-81ED-4DB2-BD59-A6C34878D82A}">
+                    <a16:rowId xmlns:a16="http://schemas.microsoft.com/office/drawing/2014/main" val="1980035315"/>
+                  </a:ext>
+                </a:extLst>
+              </a:tr>
+              <a:tr h="187897">
+                <a:tc>
+                  <a:txBody>
+                    <a:bodyPr/>
+                    <a:lstStyle/>
+                    <a:p>
+                      <a:pPr algn="ctr" fontAlgn="ctr"/>
+                      <a:r>
+                        <a:rPr lang="en-US" sz="1100" u="none" strike="noStrike">
+                          <a:effectLst/>
+                        </a:rPr>
+                        <a:t>1</a:t>
+                      </a:r>
+                      <a:endParaRPr lang="en-US" sz="1100" b="1" i="0" u="none" strike="noStrike">
+                        <a:solidFill>
+                          <a:srgbClr val="000000"/>
+                        </a:solidFill>
+                        <a:effectLst/>
+                        <a:latin typeface="Calibri" panose="020F0502020204030204" pitchFamily="34" charset="0"/>
+                      </a:endParaRPr>
+                    </a:p>
+                  </a:txBody>
+                  <a:tcPr marL="9525" marR="9525" marT="9525" marB="0" anchor="ctr"/>
+                </a:tc>
+                <a:tc>
+                  <a:txBody>
+                    <a:bodyPr/>
+                    <a:lstStyle/>
+                    <a:p>
+                      <a:pPr algn="ctr" fontAlgn="ctr"/>
+                      <a:r>
+                        <a:rPr lang="en-US" sz="1100" u="none" strike="noStrike">
+                          <a:effectLst/>
+                        </a:rPr>
+                        <a:t>1</a:t>
+                      </a:r>
+                      <a:endParaRPr lang="en-US" sz="1100" b="1" i="0" u="none" strike="noStrike">
+                        <a:solidFill>
+                          <a:srgbClr val="000000"/>
+                        </a:solidFill>
+                        <a:effectLst/>
+                        <a:latin typeface="Calibri" panose="020F0502020204030204" pitchFamily="34" charset="0"/>
+                      </a:endParaRPr>
+                    </a:p>
+                  </a:txBody>
+                  <a:tcPr marL="9525" marR="9525" marT="9525" marB="0" anchor="ctr"/>
+                </a:tc>
+                <a:tc>
+                  <a:txBody>
+                    <a:bodyPr/>
+                    <a:lstStyle/>
+                    <a:p>
+                      <a:pPr algn="ctr" fontAlgn="ctr"/>
+                      <a:r>
+                        <a:rPr lang="en-US" sz="1100" u="none" strike="noStrike">
+                          <a:effectLst/>
+                        </a:rPr>
+                        <a:t>0</a:t>
+                      </a:r>
+                      <a:endParaRPr lang="en-US" sz="1100" b="1" i="0" u="none" strike="noStrike">
+                        <a:solidFill>
+                          <a:srgbClr val="000000"/>
+                        </a:solidFill>
+                        <a:effectLst/>
+                        <a:latin typeface="Calibri" panose="020F0502020204030204" pitchFamily="34" charset="0"/>
+                      </a:endParaRPr>
+                    </a:p>
+                  </a:txBody>
+                  <a:tcPr marL="9525" marR="9525" marT="9525" marB="0" anchor="ctr"/>
+                </a:tc>
+                <a:tc>
+                  <a:txBody>
+                    <a:bodyPr/>
+                    <a:lstStyle/>
+                    <a:p>
+                      <a:pPr algn="ctr" fontAlgn="ctr"/>
+                      <a:r>
+                        <a:rPr lang="en-US" sz="1100" u="none" strike="noStrike" dirty="0">
+                          <a:effectLst/>
+                        </a:rPr>
+                        <a:t>1</a:t>
+                      </a:r>
+                      <a:endParaRPr lang="en-US" sz="1100" b="1" i="0" u="none" strike="noStrike" dirty="0">
+                        <a:solidFill>
+                          <a:srgbClr val="000000"/>
+                        </a:solidFill>
+                        <a:effectLst/>
+                        <a:latin typeface="Calibri" panose="020F0502020204030204" pitchFamily="34" charset="0"/>
+                      </a:endParaRPr>
+                    </a:p>
+                  </a:txBody>
+                  <a:tcPr marL="9525" marR="9525" marT="9525" marB="0" anchor="ctr"/>
+                </a:tc>
+                <a:tc>
+                  <a:txBody>
+                    <a:bodyPr/>
+                    <a:lstStyle/>
+                    <a:p>
+                      <a:pPr algn="ctr" fontAlgn="ctr"/>
+                      <a:r>
+                        <a:rPr lang="en-US" sz="1100" u="none" strike="noStrike">
+                          <a:effectLst/>
+                        </a:rPr>
+                        <a:t>1</a:t>
+                      </a:r>
+                      <a:endParaRPr lang="en-US" sz="1100" b="1" i="0" u="none" strike="noStrike">
+                        <a:solidFill>
+                          <a:srgbClr val="000000"/>
+                        </a:solidFill>
+                        <a:effectLst/>
+                        <a:latin typeface="Calibri" panose="020F0502020204030204" pitchFamily="34" charset="0"/>
+                      </a:endParaRPr>
+                    </a:p>
+                  </a:txBody>
+                  <a:tcPr marL="9525" marR="9525" marT="9525" marB="0" anchor="ctr"/>
+                </a:tc>
+                <a:tc>
+                  <a:txBody>
+                    <a:bodyPr/>
+                    <a:lstStyle/>
+                    <a:p>
+                      <a:pPr algn="ctr" fontAlgn="ctr"/>
+                      <a:r>
+                        <a:rPr lang="en-US" sz="1100" u="none" strike="noStrike" dirty="0">
+                          <a:effectLst/>
+                        </a:rPr>
+                        <a:t>0</a:t>
+                      </a:r>
+                      <a:endParaRPr lang="en-US" sz="1100" b="1" i="0" u="none" strike="noStrike" dirty="0">
+                        <a:solidFill>
+                          <a:srgbClr val="000000"/>
+                        </a:solidFill>
+                        <a:effectLst/>
+                        <a:latin typeface="Calibri" panose="020F0502020204030204" pitchFamily="34" charset="0"/>
+                      </a:endParaRPr>
+                    </a:p>
+                  </a:txBody>
+                  <a:tcPr marL="9525" marR="9525" marT="9525" marB="0" anchor="ctr"/>
+                </a:tc>
+                <a:tc>
+                  <a:txBody>
+                    <a:bodyPr/>
+                    <a:lstStyle/>
+                    <a:p>
+                      <a:pPr algn="ctr" fontAlgn="ctr"/>
+                      <a:r>
+                        <a:rPr lang="en-US" sz="1100" u="none" strike="noStrike" dirty="0">
+                          <a:effectLst/>
+                        </a:rPr>
+                        <a:t>Both motors move forwards</a:t>
+                      </a:r>
+                      <a:endParaRPr lang="en-US" sz="1100" b="1" i="0" u="none" strike="noStrike" dirty="0">
+                        <a:solidFill>
+                          <a:srgbClr val="000000"/>
+                        </a:solidFill>
+                        <a:effectLst/>
+                        <a:latin typeface="Calibri" panose="020F0502020204030204" pitchFamily="34" charset="0"/>
+                      </a:endParaRPr>
+                    </a:p>
+                  </a:txBody>
+                  <a:tcPr marL="9525" marR="9525" marT="9525" marB="0" anchor="ctr"/>
+                </a:tc>
+                <a:extLst>
+                  <a:ext uri="{0D108BD9-81ED-4DB2-BD59-A6C34878D82A}">
+                    <a16:rowId xmlns:a16="http://schemas.microsoft.com/office/drawing/2014/main" val="2485314619"/>
+                  </a:ext>
+                </a:extLst>
+              </a:tr>
+              <a:tr h="288786">
+                <a:tc>
+                  <a:txBody>
+                    <a:bodyPr/>
+                    <a:lstStyle/>
+                    <a:p>
+                      <a:pPr algn="ctr" fontAlgn="ctr"/>
+                      <a:r>
+                        <a:rPr lang="en-US" sz="1100" u="none" strike="noStrike">
+                          <a:effectLst/>
+                        </a:rPr>
+                        <a:t>1</a:t>
+                      </a:r>
+                      <a:endParaRPr lang="en-US" sz="1100" b="1" i="0" u="none" strike="noStrike">
+                        <a:solidFill>
+                          <a:srgbClr val="000000"/>
+                        </a:solidFill>
+                        <a:effectLst/>
+                        <a:latin typeface="Calibri" panose="020F0502020204030204" pitchFamily="34" charset="0"/>
+                      </a:endParaRPr>
+                    </a:p>
+                  </a:txBody>
+                  <a:tcPr marL="9525" marR="9525" marT="9525" marB="0" anchor="ctr"/>
+                </a:tc>
+                <a:tc>
+                  <a:txBody>
+                    <a:bodyPr/>
+                    <a:lstStyle/>
+                    <a:p>
+                      <a:pPr algn="ctr" fontAlgn="ctr"/>
+                      <a:r>
+                        <a:rPr lang="en-US" sz="1100" u="none" strike="noStrike">
+                          <a:effectLst/>
+                        </a:rPr>
+                        <a:t>0</a:t>
+                      </a:r>
+                      <a:endParaRPr lang="en-US" sz="1100" b="1" i="0" u="none" strike="noStrike">
+                        <a:solidFill>
+                          <a:srgbClr val="000000"/>
+                        </a:solidFill>
+                        <a:effectLst/>
+                        <a:latin typeface="Calibri" panose="020F0502020204030204" pitchFamily="34" charset="0"/>
+                      </a:endParaRPr>
+                    </a:p>
+                  </a:txBody>
+                  <a:tcPr marL="9525" marR="9525" marT="9525" marB="0" anchor="ctr"/>
+                </a:tc>
+                <a:tc>
+                  <a:txBody>
+                    <a:bodyPr/>
+                    <a:lstStyle/>
+                    <a:p>
+                      <a:pPr algn="ctr" fontAlgn="ctr"/>
+                      <a:r>
+                        <a:rPr lang="en-US" sz="1100" u="none" strike="noStrike">
+                          <a:effectLst/>
+                        </a:rPr>
+                        <a:t>1</a:t>
+                      </a:r>
+                      <a:endParaRPr lang="en-US" sz="1100" b="1" i="0" u="none" strike="noStrike">
+                        <a:solidFill>
+                          <a:srgbClr val="000000"/>
+                        </a:solidFill>
+                        <a:effectLst/>
+                        <a:latin typeface="Calibri" panose="020F0502020204030204" pitchFamily="34" charset="0"/>
+                      </a:endParaRPr>
+                    </a:p>
+                  </a:txBody>
+                  <a:tcPr marL="9525" marR="9525" marT="9525" marB="0" anchor="ctr"/>
+                </a:tc>
+                <a:tc>
+                  <a:txBody>
+                    <a:bodyPr/>
+                    <a:lstStyle/>
+                    <a:p>
+                      <a:pPr algn="ctr" fontAlgn="ctr"/>
+                      <a:r>
+                        <a:rPr lang="en-US" sz="1100" u="none" strike="noStrike" dirty="0">
+                          <a:effectLst/>
+                        </a:rPr>
+                        <a:t>1</a:t>
+                      </a:r>
+                      <a:endParaRPr lang="en-US" sz="1100" b="1" i="0" u="none" strike="noStrike" dirty="0">
+                        <a:solidFill>
+                          <a:srgbClr val="000000"/>
+                        </a:solidFill>
+                        <a:effectLst/>
+                        <a:latin typeface="Calibri" panose="020F0502020204030204" pitchFamily="34" charset="0"/>
+                      </a:endParaRPr>
+                    </a:p>
+                  </a:txBody>
+                  <a:tcPr marL="9525" marR="9525" marT="9525" marB="0" anchor="ctr"/>
+                </a:tc>
+                <a:tc>
+                  <a:txBody>
+                    <a:bodyPr/>
+                    <a:lstStyle/>
+                    <a:p>
+                      <a:pPr algn="ctr" fontAlgn="ctr"/>
+                      <a:r>
+                        <a:rPr lang="en-US" sz="1100" u="none" strike="noStrike">
+                          <a:effectLst/>
+                        </a:rPr>
+                        <a:t>0</a:t>
+                      </a:r>
+                      <a:endParaRPr lang="en-US" sz="1100" b="1" i="0" u="none" strike="noStrike">
+                        <a:solidFill>
+                          <a:srgbClr val="000000"/>
+                        </a:solidFill>
+                        <a:effectLst/>
+                        <a:latin typeface="Calibri" panose="020F0502020204030204" pitchFamily="34" charset="0"/>
+                      </a:endParaRPr>
+                    </a:p>
+                  </a:txBody>
+                  <a:tcPr marL="9525" marR="9525" marT="9525" marB="0" anchor="ctr"/>
+                </a:tc>
+                <a:tc>
+                  <a:txBody>
+                    <a:bodyPr/>
+                    <a:lstStyle/>
+                    <a:p>
+                      <a:pPr algn="ctr" fontAlgn="ctr"/>
+                      <a:r>
+                        <a:rPr lang="en-US" sz="1100" u="none" strike="noStrike" dirty="0">
+                          <a:effectLst/>
+                        </a:rPr>
+                        <a:t>1</a:t>
+                      </a:r>
+                      <a:endParaRPr lang="en-US" sz="1100" b="1" i="0" u="none" strike="noStrike" dirty="0">
+                        <a:solidFill>
+                          <a:srgbClr val="000000"/>
+                        </a:solidFill>
+                        <a:effectLst/>
+                        <a:latin typeface="Calibri" panose="020F0502020204030204" pitchFamily="34" charset="0"/>
+                      </a:endParaRPr>
+                    </a:p>
+                  </a:txBody>
+                  <a:tcPr marL="9525" marR="9525" marT="9525" marB="0" anchor="ctr"/>
+                </a:tc>
+                <a:tc>
+                  <a:txBody>
+                    <a:bodyPr/>
+                    <a:lstStyle/>
+                    <a:p>
+                      <a:pPr algn="ctr" fontAlgn="ctr"/>
+                      <a:r>
+                        <a:rPr lang="en-US" sz="1100" u="none" strike="noStrike" dirty="0">
+                          <a:effectLst/>
+                        </a:rPr>
+                        <a:t>Both motors move backwards</a:t>
+                      </a:r>
+                      <a:endParaRPr lang="en-US" sz="1100" b="1" i="0" u="none" strike="noStrike" dirty="0">
+                        <a:solidFill>
+                          <a:srgbClr val="000000"/>
+                        </a:solidFill>
+                        <a:effectLst/>
+                        <a:latin typeface="Calibri" panose="020F0502020204030204" pitchFamily="34" charset="0"/>
+                      </a:endParaRPr>
+                    </a:p>
+                  </a:txBody>
+                  <a:tcPr marL="9525" marR="9525" marT="9525" marB="0" anchor="ctr"/>
+                </a:tc>
+                <a:extLst>
+                  <a:ext uri="{0D108BD9-81ED-4DB2-BD59-A6C34878D82A}">
+                    <a16:rowId xmlns:a16="http://schemas.microsoft.com/office/drawing/2014/main" val="2004506206"/>
+                  </a:ext>
+                </a:extLst>
+              </a:tr>
+              <a:tr h="336000">
+                <a:tc>
+                  <a:txBody>
+                    <a:bodyPr/>
+                    <a:lstStyle/>
+                    <a:p>
+                      <a:pPr algn="ctr" fontAlgn="ctr"/>
+                      <a:r>
+                        <a:rPr lang="en-US" sz="1100" u="none" strike="noStrike">
+                          <a:effectLst/>
+                        </a:rPr>
+                        <a:t>1</a:t>
+                      </a:r>
+                      <a:endParaRPr lang="en-US" sz="1100" b="1" i="0" u="none" strike="noStrike">
+                        <a:solidFill>
+                          <a:srgbClr val="000000"/>
+                        </a:solidFill>
+                        <a:effectLst/>
+                        <a:latin typeface="Calibri" panose="020F0502020204030204" pitchFamily="34" charset="0"/>
+                      </a:endParaRPr>
+                    </a:p>
+                  </a:txBody>
+                  <a:tcPr marL="9525" marR="9525" marT="9525" marB="0" anchor="ctr"/>
+                </a:tc>
+                <a:tc>
+                  <a:txBody>
+                    <a:bodyPr/>
+                    <a:lstStyle/>
+                    <a:p>
+                      <a:pPr algn="ctr" fontAlgn="ctr"/>
+                      <a:r>
+                        <a:rPr lang="en-US" sz="1100" u="none" strike="noStrike">
+                          <a:effectLst/>
+                        </a:rPr>
+                        <a:t>1</a:t>
+                      </a:r>
+                      <a:endParaRPr lang="en-US" sz="1100" b="1" i="0" u="none" strike="noStrike">
+                        <a:solidFill>
+                          <a:srgbClr val="000000"/>
+                        </a:solidFill>
+                        <a:effectLst/>
+                        <a:latin typeface="Calibri" panose="020F0502020204030204" pitchFamily="34" charset="0"/>
+                      </a:endParaRPr>
+                    </a:p>
+                  </a:txBody>
+                  <a:tcPr marL="9525" marR="9525" marT="9525" marB="0" anchor="ctr"/>
+                </a:tc>
+                <a:tc>
+                  <a:txBody>
+                    <a:bodyPr/>
+                    <a:lstStyle/>
+                    <a:p>
+                      <a:pPr algn="ctr" fontAlgn="ctr"/>
+                      <a:r>
+                        <a:rPr lang="en-US" sz="1100" u="none" strike="noStrike">
+                          <a:effectLst/>
+                        </a:rPr>
+                        <a:t>0</a:t>
+                      </a:r>
+                      <a:endParaRPr lang="en-US" sz="1100" b="1" i="0" u="none" strike="noStrike">
+                        <a:solidFill>
+                          <a:srgbClr val="000000"/>
+                        </a:solidFill>
+                        <a:effectLst/>
+                        <a:latin typeface="Calibri" panose="020F0502020204030204" pitchFamily="34" charset="0"/>
+                      </a:endParaRPr>
+                    </a:p>
+                  </a:txBody>
+                  <a:tcPr marL="9525" marR="9525" marT="9525" marB="0" anchor="ctr"/>
+                </a:tc>
+                <a:tc>
+                  <a:txBody>
+                    <a:bodyPr/>
+                    <a:lstStyle/>
+                    <a:p>
+                      <a:pPr algn="ctr" fontAlgn="ctr"/>
+                      <a:r>
+                        <a:rPr lang="en-US" sz="1100" u="none" strike="noStrike">
+                          <a:effectLst/>
+                        </a:rPr>
+                        <a:t>0</a:t>
+                      </a:r>
+                      <a:endParaRPr lang="en-US" sz="1100" b="1" i="0" u="none" strike="noStrike">
+                        <a:solidFill>
+                          <a:srgbClr val="000000"/>
+                        </a:solidFill>
+                        <a:effectLst/>
+                        <a:latin typeface="Calibri" panose="020F0502020204030204" pitchFamily="34" charset="0"/>
+                      </a:endParaRPr>
+                    </a:p>
+                  </a:txBody>
+                  <a:tcPr marL="9525" marR="9525" marT="9525" marB="0" anchor="ctr"/>
+                </a:tc>
+                <a:tc>
+                  <a:txBody>
+                    <a:bodyPr/>
+                    <a:lstStyle/>
+                    <a:p>
+                      <a:pPr algn="ctr" fontAlgn="ctr"/>
+                      <a:r>
+                        <a:rPr lang="en-US" sz="1100" u="none" strike="noStrike">
+                          <a:effectLst/>
+                        </a:rPr>
+                        <a:t>0</a:t>
+                      </a:r>
+                      <a:endParaRPr lang="en-US" sz="1100" b="1" i="0" u="none" strike="noStrike">
+                        <a:solidFill>
+                          <a:srgbClr val="000000"/>
+                        </a:solidFill>
+                        <a:effectLst/>
+                        <a:latin typeface="Calibri" panose="020F0502020204030204" pitchFamily="34" charset="0"/>
+                      </a:endParaRPr>
+                    </a:p>
+                  </a:txBody>
+                  <a:tcPr marL="9525" marR="9525" marT="9525" marB="0" anchor="ctr"/>
+                </a:tc>
+                <a:tc>
+                  <a:txBody>
+                    <a:bodyPr/>
+                    <a:lstStyle/>
+                    <a:p>
+                      <a:pPr algn="ctr" fontAlgn="ctr"/>
+                      <a:r>
+                        <a:rPr lang="en-US" sz="1100" u="none" strike="noStrike">
+                          <a:effectLst/>
+                        </a:rPr>
+                        <a:t>0</a:t>
+                      </a:r>
+                      <a:endParaRPr lang="en-US" sz="1100" b="1" i="0" u="none" strike="noStrike">
+                        <a:solidFill>
+                          <a:srgbClr val="000000"/>
+                        </a:solidFill>
+                        <a:effectLst/>
+                        <a:latin typeface="Calibri" panose="020F0502020204030204" pitchFamily="34" charset="0"/>
+                      </a:endParaRPr>
+                    </a:p>
+                  </a:txBody>
+                  <a:tcPr marL="9525" marR="9525" marT="9525" marB="0" anchor="ctr"/>
+                </a:tc>
+                <a:tc>
+                  <a:txBody>
+                    <a:bodyPr/>
+                    <a:lstStyle/>
+                    <a:p>
+                      <a:pPr algn="ctr" fontAlgn="ctr"/>
+                      <a:r>
+                        <a:rPr lang="en-US" sz="1100" u="none" strike="noStrike">
+                          <a:effectLst/>
+                        </a:rPr>
+                        <a:t>Motor A moves forward (simulate left turn)</a:t>
+                      </a:r>
+                      <a:endParaRPr lang="en-US" sz="1100" b="1" i="0" u="none" strike="noStrike">
+                        <a:solidFill>
+                          <a:srgbClr val="000000"/>
+                        </a:solidFill>
+                        <a:effectLst/>
+                        <a:latin typeface="Calibri" panose="020F0502020204030204" pitchFamily="34" charset="0"/>
+                      </a:endParaRPr>
+                    </a:p>
+                  </a:txBody>
+                  <a:tcPr marL="9525" marR="9525" marT="9525" marB="0" anchor="ctr"/>
+                </a:tc>
+                <a:extLst>
+                  <a:ext uri="{0D108BD9-81ED-4DB2-BD59-A6C34878D82A}">
+                    <a16:rowId xmlns:a16="http://schemas.microsoft.com/office/drawing/2014/main" val="2230403787"/>
+                  </a:ext>
+                </a:extLst>
+              </a:tr>
+              <a:tr h="288786">
+                <a:tc>
+                  <a:txBody>
+                    <a:bodyPr/>
+                    <a:lstStyle/>
+                    <a:p>
+                      <a:pPr algn="ctr" fontAlgn="ctr"/>
+                      <a:r>
+                        <a:rPr lang="en-US" sz="1100" u="none" strike="noStrike">
+                          <a:effectLst/>
+                        </a:rPr>
+                        <a:t>0</a:t>
+                      </a:r>
+                      <a:endParaRPr lang="en-US" sz="1100" b="1" i="0" u="none" strike="noStrike">
+                        <a:solidFill>
+                          <a:srgbClr val="000000"/>
+                        </a:solidFill>
+                        <a:effectLst/>
+                        <a:latin typeface="Calibri" panose="020F0502020204030204" pitchFamily="34" charset="0"/>
+                      </a:endParaRPr>
+                    </a:p>
+                  </a:txBody>
+                  <a:tcPr marL="9525" marR="9525" marT="9525" marB="0" anchor="ctr"/>
+                </a:tc>
+                <a:tc>
+                  <a:txBody>
+                    <a:bodyPr/>
+                    <a:lstStyle/>
+                    <a:p>
+                      <a:pPr algn="ctr" fontAlgn="ctr"/>
+                      <a:r>
+                        <a:rPr lang="en-US" sz="1100" u="none" strike="noStrike">
+                          <a:effectLst/>
+                        </a:rPr>
+                        <a:t>0</a:t>
+                      </a:r>
+                      <a:endParaRPr lang="en-US" sz="1100" b="1" i="0" u="none" strike="noStrike">
+                        <a:solidFill>
+                          <a:srgbClr val="000000"/>
+                        </a:solidFill>
+                        <a:effectLst/>
+                        <a:latin typeface="Calibri" panose="020F0502020204030204" pitchFamily="34" charset="0"/>
+                      </a:endParaRPr>
+                    </a:p>
+                  </a:txBody>
+                  <a:tcPr marL="9525" marR="9525" marT="9525" marB="0" anchor="ctr"/>
+                </a:tc>
+                <a:tc>
+                  <a:txBody>
+                    <a:bodyPr/>
+                    <a:lstStyle/>
+                    <a:p>
+                      <a:pPr algn="ctr" fontAlgn="ctr"/>
+                      <a:r>
+                        <a:rPr lang="en-US" sz="1100" u="none" strike="noStrike">
+                          <a:effectLst/>
+                        </a:rPr>
+                        <a:t>0</a:t>
+                      </a:r>
+                      <a:endParaRPr lang="en-US" sz="1100" b="1" i="0" u="none" strike="noStrike">
+                        <a:solidFill>
+                          <a:srgbClr val="000000"/>
+                        </a:solidFill>
+                        <a:effectLst/>
+                        <a:latin typeface="Calibri" panose="020F0502020204030204" pitchFamily="34" charset="0"/>
+                      </a:endParaRPr>
+                    </a:p>
+                  </a:txBody>
+                  <a:tcPr marL="9525" marR="9525" marT="9525" marB="0" anchor="ctr"/>
+                </a:tc>
+                <a:tc>
+                  <a:txBody>
+                    <a:bodyPr/>
+                    <a:lstStyle/>
+                    <a:p>
+                      <a:pPr algn="ctr" fontAlgn="ctr"/>
+                      <a:r>
+                        <a:rPr lang="en-US" sz="1100" u="none" strike="noStrike">
+                          <a:effectLst/>
+                        </a:rPr>
+                        <a:t>1</a:t>
+                      </a:r>
+                      <a:endParaRPr lang="en-US" sz="1100" b="1" i="0" u="none" strike="noStrike">
+                        <a:solidFill>
+                          <a:srgbClr val="000000"/>
+                        </a:solidFill>
+                        <a:effectLst/>
+                        <a:latin typeface="Calibri" panose="020F0502020204030204" pitchFamily="34" charset="0"/>
+                      </a:endParaRPr>
+                    </a:p>
+                  </a:txBody>
+                  <a:tcPr marL="9525" marR="9525" marT="9525" marB="0" anchor="ctr"/>
+                </a:tc>
+                <a:tc>
+                  <a:txBody>
+                    <a:bodyPr/>
+                    <a:lstStyle/>
+                    <a:p>
+                      <a:pPr algn="ctr" fontAlgn="ctr"/>
+                      <a:r>
+                        <a:rPr lang="en-US" sz="1100" u="none" strike="noStrike">
+                          <a:effectLst/>
+                        </a:rPr>
+                        <a:t>1</a:t>
+                      </a:r>
+                      <a:endParaRPr lang="en-US" sz="1100" b="1" i="0" u="none" strike="noStrike">
+                        <a:solidFill>
+                          <a:srgbClr val="000000"/>
+                        </a:solidFill>
+                        <a:effectLst/>
+                        <a:latin typeface="Calibri" panose="020F0502020204030204" pitchFamily="34" charset="0"/>
+                      </a:endParaRPr>
+                    </a:p>
+                  </a:txBody>
+                  <a:tcPr marL="9525" marR="9525" marT="9525" marB="0" anchor="ctr"/>
+                </a:tc>
+                <a:tc>
+                  <a:txBody>
+                    <a:bodyPr/>
+                    <a:lstStyle/>
+                    <a:p>
+                      <a:pPr algn="ctr" fontAlgn="ctr"/>
+                      <a:r>
+                        <a:rPr lang="en-US" sz="1100" u="none" strike="noStrike">
+                          <a:effectLst/>
+                        </a:rPr>
+                        <a:t>0</a:t>
+                      </a:r>
+                      <a:endParaRPr lang="en-US" sz="1100" b="1" i="0" u="none" strike="noStrike">
+                        <a:solidFill>
+                          <a:srgbClr val="000000"/>
+                        </a:solidFill>
+                        <a:effectLst/>
+                        <a:latin typeface="Calibri" panose="020F0502020204030204" pitchFamily="34" charset="0"/>
+                      </a:endParaRPr>
+                    </a:p>
+                  </a:txBody>
+                  <a:tcPr marL="9525" marR="9525" marT="9525" marB="0" anchor="ctr"/>
+                </a:tc>
+                <a:tc>
+                  <a:txBody>
+                    <a:bodyPr/>
+                    <a:lstStyle/>
+                    <a:p>
+                      <a:pPr algn="ctr" fontAlgn="ctr"/>
+                      <a:r>
+                        <a:rPr lang="en-US" sz="1100" u="none" strike="noStrike" dirty="0">
+                          <a:effectLst/>
+                        </a:rPr>
+                        <a:t>Motor B moves forward (simulate right turn)</a:t>
+                      </a:r>
+                      <a:endParaRPr lang="en-US" sz="1100" b="1" i="0" u="none" strike="noStrike" dirty="0">
+                        <a:solidFill>
+                          <a:srgbClr val="000000"/>
+                        </a:solidFill>
+                        <a:effectLst/>
+                        <a:latin typeface="Calibri" panose="020F0502020204030204" pitchFamily="34" charset="0"/>
+                      </a:endParaRPr>
+                    </a:p>
+                  </a:txBody>
+                  <a:tcPr marL="9525" marR="9525" marT="9525" marB="0" anchor="ctr"/>
+                </a:tc>
+                <a:extLst>
+                  <a:ext uri="{0D108BD9-81ED-4DB2-BD59-A6C34878D82A}">
+                    <a16:rowId xmlns:a16="http://schemas.microsoft.com/office/drawing/2014/main" val="3187459008"/>
+                  </a:ext>
+                </a:extLst>
+              </a:tr>
+            </a:tbl>
+          </a:graphicData>
+        </a:graphic>
+      </p:graphicFrame>
     </p:spTree>
   </p:cSld>
   <p:clrMapOvr>
@@ -16892,7 +19562,7 @@
 </p:sld>
 </file>
 
-<file path=ppt/slides/slide15.xml><?xml version="1.0" encoding="utf-8"?>
+<file path=ppt/slides/slide16.xml><?xml version="1.0" encoding="utf-8"?>
 <p:sld xmlns:a="http://schemas.openxmlformats.org/drawingml/2006/main" xmlns:r="http://schemas.openxmlformats.org/officeDocument/2006/relationships" xmlns:p="http://schemas.openxmlformats.org/presentationml/2006/main">
   <p:cSld>
     <p:bg>
@@ -17057,7 +19727,7 @@
 </p:sld>
 </file>
 
-<file path=ppt/slides/slide16.xml><?xml version="1.0" encoding="utf-8"?>
+<file path=ppt/slides/slide17.xml><?xml version="1.0" encoding="utf-8"?>
 <p:sld xmlns:a="http://schemas.openxmlformats.org/drawingml/2006/main" xmlns:r="http://schemas.openxmlformats.org/officeDocument/2006/relationships" xmlns:p="http://schemas.openxmlformats.org/presentationml/2006/main">
   <p:cSld>
     <p:bg>
@@ -17167,7 +19837,7 @@
 </p:sld>
 </file>
 
-<file path=ppt/slides/slide17.xml><?xml version="1.0" encoding="utf-8"?>
+<file path=ppt/slides/slide18.xml><?xml version="1.0" encoding="utf-8"?>
 <p:sld xmlns:a="http://schemas.openxmlformats.org/drawingml/2006/main" xmlns:r="http://schemas.openxmlformats.org/officeDocument/2006/relationships" xmlns:p="http://schemas.openxmlformats.org/presentationml/2006/main">
   <p:cSld>
     <p:bg>
@@ -17215,7 +19885,7 @@
         </p:nvSpPr>
         <p:spPr>
           <a:xfrm>
-            <a:off x="457200" y="1897816"/>
+            <a:off x="457200" y="1714350"/>
             <a:ext cx="8229600" cy="857400"/>
           </a:xfrm>
         </p:spPr>
@@ -17229,7 +19899,7 @@
                   <a:schemeClr val="bg1"/>
                 </a:solidFill>
               </a:rPr>
-              <a:t>Fritzing Diagram Goes Here</a:t>
+              <a:t>Connect</a:t>
             </a:r>
           </a:p>
         </p:txBody>
@@ -17238,49 +19908,6 @@
     <p:extLst>
       <p:ext uri="{BB962C8B-B14F-4D97-AF65-F5344CB8AC3E}">
         <p14:creationId xmlns:p14="http://schemas.microsoft.com/office/powerpoint/2010/main" val="2573781864"/>
-      </p:ext>
-    </p:extLst>
-  </p:cSld>
-  <p:clrMapOvr>
-    <a:masterClrMapping/>
-  </p:clrMapOvr>
-</p:sld>
-</file>
-
-<file path=ppt/slides/slide18.xml><?xml version="1.0" encoding="utf-8"?>
-<p:sld xmlns:a="http://schemas.openxmlformats.org/drawingml/2006/main" xmlns:r="http://schemas.openxmlformats.org/officeDocument/2006/relationships" xmlns:p="http://schemas.openxmlformats.org/presentationml/2006/main">
-  <p:cSld>
-    <p:bg>
-      <p:bgPr>
-        <a:blipFill>
-          <a:blip r:embed="rId3">
-            <a:alphaModFix/>
-          </a:blip>
-          <a:stretch>
-            <a:fillRect/>
-          </a:stretch>
-        </a:blipFill>
-        <a:effectLst/>
-      </p:bgPr>
-    </p:bg>
-    <p:spTree>
-      <p:nvGrpSpPr>
-        <p:cNvPr id="1" name="Shape 156"/>
-        <p:cNvGrpSpPr/>
-        <p:nvPr/>
-      </p:nvGrpSpPr>
-      <p:grpSpPr>
-        <a:xfrm>
-          <a:off x="0" y="0"/>
-          <a:ext cx="0" cy="0"/>
-          <a:chOff x="0" y="0"/>
-          <a:chExt cx="0" cy="0"/>
-        </a:xfrm>
-      </p:grpSpPr>
-    </p:spTree>
-    <p:extLst>
-      <p:ext uri="{BB962C8B-B14F-4D97-AF65-F5344CB8AC3E}">
-        <p14:creationId xmlns:p14="http://schemas.microsoft.com/office/powerpoint/2010/main" val="938174217"/>
       </p:ext>
     </p:extLst>
   </p:cSld>
@@ -17308,7 +19935,7 @@
     </p:bg>
     <p:spTree>
       <p:nvGrpSpPr>
-        <p:cNvPr id="1" name="Shape 237"/>
+        <p:cNvPr id="1" name="Shape 143"/>
         <p:cNvGrpSpPr/>
         <p:nvPr/>
       </p:nvGrpSpPr>
@@ -17320,214 +19947,67 @@
           <a:chExt cx="0" cy="0"/>
         </a:xfrm>
       </p:grpSpPr>
+      <p:pic>
+        <p:nvPicPr>
+          <p:cNvPr id="6" name="Picture 5">
+            <a:extLst>
+              <a:ext uri="{FF2B5EF4-FFF2-40B4-BE49-F238E27FC236}">
+                <a16:creationId xmlns:a16="http://schemas.microsoft.com/office/drawing/2014/main" id="{00400120-E78D-4F0B-9CE5-7512C5A3D94E}"/>
+              </a:ext>
+            </a:extLst>
+          </p:cNvPr>
+          <p:cNvPicPr>
+            <a:picLocks noChangeAspect="1"/>
+          </p:cNvPicPr>
+          <p:nvPr/>
+        </p:nvPicPr>
+        <p:blipFill>
+          <a:blip r:embed="rId4"/>
+          <a:stretch>
+            <a:fillRect/>
+          </a:stretch>
+        </p:blipFill>
+        <p:spPr>
+          <a:xfrm>
+            <a:off x="1414610" y="0"/>
+            <a:ext cx="6146775" cy="4677507"/>
+          </a:xfrm>
+          <a:prstGeom prst="rect">
+            <a:avLst/>
+          </a:prstGeom>
+        </p:spPr>
+      </p:pic>
       <p:sp>
         <p:nvSpPr>
-          <p:cNvPr id="238" name="Shape 238"/>
-          <p:cNvSpPr txBox="1">
+          <p:cNvPr id="3" name="Title 2">
+            <a:extLst>
+              <a:ext uri="{FF2B5EF4-FFF2-40B4-BE49-F238E27FC236}">
+                <a16:creationId xmlns:a16="http://schemas.microsoft.com/office/drawing/2014/main" id="{90E0E88F-E76E-4EE1-B6BA-D8807A6316E9}"/>
+              </a:ext>
+            </a:extLst>
+          </p:cNvPr>
+          <p:cNvSpPr>
             <a:spLocks noGrp="1"/>
           </p:cNvSpPr>
           <p:nvPr>
             <p:ph type="title"/>
           </p:nvPr>
         </p:nvSpPr>
-        <p:spPr>
-          <a:xfrm>
-            <a:off x="1259676" y="205979"/>
-            <a:ext cx="6770700" cy="857400"/>
-          </a:xfrm>
-          <a:prstGeom prst="rect">
-            <a:avLst/>
-          </a:prstGeom>
-          <a:noFill/>
-          <a:ln>
-            <a:noFill/>
-          </a:ln>
-        </p:spPr>
+        <p:spPr/>
         <p:txBody>
-          <a:bodyPr wrap="square" lIns="91425" tIns="45700" rIns="91425" bIns="45700" anchor="ctr" anchorCtr="0">
-            <a:noAutofit/>
-          </a:bodyPr>
+          <a:bodyPr/>
           <a:lstStyle/>
           <a:p>
-            <a:pPr marL="1828800" marR="0" lvl="0" indent="0" algn="l" rtl="0">
-              <a:spcBef>
-                <a:spcPts val="0"/>
-              </a:spcBef>
-              <a:buClr>
-                <a:schemeClr val="dk1"/>
-              </a:buClr>
-              <a:buSzPct val="25000"/>
-              <a:buFont typeface="Calibri"/>
-              <a:buNone/>
-            </a:pPr>
-            <a:r>
-              <a:rPr lang="en" dirty="0">
-                <a:solidFill>
-                  <a:srgbClr val="FFFFFF"/>
-                </a:solidFill>
-              </a:rPr>
-              <a:t> THANK YOU</a:t>
-            </a:r>
-          </a:p>
-        </p:txBody>
-      </p:sp>
-      <p:sp>
-        <p:nvSpPr>
-          <p:cNvPr id="239" name="Shape 239"/>
-          <p:cNvSpPr txBox="1">
-            <a:spLocks noGrp="1"/>
-          </p:cNvSpPr>
-          <p:nvPr>
-            <p:ph type="body" idx="1"/>
-          </p:nvPr>
-        </p:nvSpPr>
-        <p:spPr>
-          <a:xfrm>
-            <a:off x="457200" y="1151335"/>
-            <a:ext cx="4040100" cy="479700"/>
-          </a:xfrm>
-          <a:prstGeom prst="rect">
-            <a:avLst/>
-          </a:prstGeom>
-          <a:noFill/>
-          <a:ln>
-            <a:noFill/>
-          </a:ln>
-        </p:spPr>
-        <p:txBody>
-          <a:bodyPr wrap="square" lIns="91425" tIns="45700" rIns="91425" bIns="45700" anchor="b" anchorCtr="0">
-            <a:noAutofit/>
-          </a:bodyPr>
-          <a:lstStyle/>
-          <a:p>
-            <a:pPr marL="0" marR="0" lvl="0" indent="0" algn="l" rtl="0">
-              <a:spcBef>
-                <a:spcPts val="0"/>
-              </a:spcBef>
-              <a:buClr>
-                <a:schemeClr val="dk1"/>
-              </a:buClr>
-              <a:buSzPct val="25000"/>
-              <a:buFont typeface="Arial"/>
-              <a:buNone/>
-            </a:pPr>
-            <a:endParaRPr sz="2400" b="1" i="0" u="none" strike="noStrike" cap="none" dirty="0">
-              <a:solidFill>
-                <a:schemeClr val="dk1"/>
-              </a:solidFill>
-              <a:latin typeface="Calibri"/>
-              <a:ea typeface="Calibri"/>
-              <a:cs typeface="Calibri"/>
-              <a:sym typeface="Calibri"/>
-            </a:endParaRPr>
-          </a:p>
-        </p:txBody>
-      </p:sp>
-      <p:sp>
-        <p:nvSpPr>
-          <p:cNvPr id="240" name="Shape 240"/>
-          <p:cNvSpPr txBox="1">
-            <a:spLocks noGrp="1"/>
-          </p:cNvSpPr>
-          <p:nvPr>
-            <p:ph type="body" idx="2"/>
-          </p:nvPr>
-        </p:nvSpPr>
-        <p:spPr>
-          <a:xfrm>
-            <a:off x="457200" y="1631156"/>
-            <a:ext cx="4040100" cy="2963400"/>
-          </a:xfrm>
-          <a:prstGeom prst="rect">
-            <a:avLst/>
-          </a:prstGeom>
-          <a:noFill/>
-          <a:ln>
-            <a:noFill/>
-          </a:ln>
-        </p:spPr>
-        <p:txBody>
-          <a:bodyPr wrap="square" lIns="91425" tIns="45700" rIns="91425" bIns="45700" anchor="t" anchorCtr="0">
-            <a:noAutofit/>
-          </a:bodyPr>
-          <a:lstStyle/>
-          <a:p>
-            <a:pPr marL="342900" marR="0" lvl="0" indent="-342900" algn="l" rtl="0">
-              <a:spcBef>
-                <a:spcPts val="0"/>
-              </a:spcBef>
-              <a:buClr>
-                <a:schemeClr val="dk1"/>
-              </a:buClr>
-              <a:buSzPct val="100000"/>
-              <a:buFont typeface="Arial"/>
-              <a:buNone/>
-            </a:pPr>
-            <a:endParaRPr sz="2400" b="0" i="0" u="none" strike="noStrike" cap="none">
-              <a:solidFill>
-                <a:schemeClr val="dk1"/>
-              </a:solidFill>
-              <a:latin typeface="Calibri"/>
-              <a:ea typeface="Calibri"/>
-              <a:cs typeface="Calibri"/>
-              <a:sym typeface="Calibri"/>
-            </a:endParaRPr>
-          </a:p>
-        </p:txBody>
-      </p:sp>
-      <p:sp>
-        <p:nvSpPr>
-          <p:cNvPr id="241" name="Shape 241"/>
-          <p:cNvSpPr txBox="1">
-            <a:spLocks noGrp="1"/>
-          </p:cNvSpPr>
-          <p:nvPr>
-            <p:ph type="body" idx="3"/>
-          </p:nvPr>
-        </p:nvSpPr>
-        <p:spPr>
-          <a:xfrm>
-            <a:off x="4645026" y="1151335"/>
-            <a:ext cx="4041900" cy="479700"/>
-          </a:xfrm>
-          <a:prstGeom prst="rect">
-            <a:avLst/>
-          </a:prstGeom>
-          <a:noFill/>
-          <a:ln>
-            <a:noFill/>
-          </a:ln>
-        </p:spPr>
-        <p:txBody>
-          <a:bodyPr wrap="square" lIns="91425" tIns="45700" rIns="91425" bIns="45700" anchor="b" anchorCtr="0">
-            <a:noAutofit/>
-          </a:bodyPr>
-          <a:lstStyle/>
-          <a:p>
-            <a:pPr marL="0" marR="0" lvl="0" indent="0" algn="l" rtl="0">
-              <a:spcBef>
-                <a:spcPts val="0"/>
-              </a:spcBef>
-              <a:buClr>
-                <a:schemeClr val="dk1"/>
-              </a:buClr>
-              <a:buSzPct val="25000"/>
-              <a:buFont typeface="Arial"/>
-              <a:buNone/>
-            </a:pPr>
-            <a:endParaRPr sz="2400" b="1" i="0" u="none" strike="noStrike" cap="none">
-              <a:solidFill>
-                <a:schemeClr val="dk1"/>
-              </a:solidFill>
-              <a:latin typeface="Calibri"/>
-              <a:ea typeface="Calibri"/>
-              <a:cs typeface="Calibri"/>
-              <a:sym typeface="Calibri"/>
-            </a:endParaRPr>
+            <a:endParaRPr lang="en-US"/>
           </a:p>
         </p:txBody>
       </p:sp>
     </p:spTree>
+    <p:extLst>
+      <p:ext uri="{BB962C8B-B14F-4D97-AF65-F5344CB8AC3E}">
+        <p14:creationId xmlns:p14="http://schemas.microsoft.com/office/powerpoint/2010/main" val="1903581196"/>
+      </p:ext>
+    </p:extLst>
   </p:cSld>
   <p:clrMapOvr>
     <a:masterClrMapping/>
@@ -17717,6 +20197,2675 @@
   <p:clrMapOvr>
     <a:masterClrMapping/>
   </p:clrMapOvr>
+  <p:timing>
+    <p:tnLst>
+      <p:par>
+        <p:cTn id="1" dur="indefinite" restart="never" nodeType="tmRoot">
+          <p:childTnLst>
+            <p:seq concurrent="1" nextAc="seek">
+              <p:cTn id="2" dur="indefinite" nodeType="mainSeq">
+                <p:childTnLst>
+                  <p:par>
+                    <p:cTn id="3" fill="hold">
+                      <p:stCondLst>
+                        <p:cond delay="indefinite"/>
+                      </p:stCondLst>
+                      <p:childTnLst>
+                        <p:par>
+                          <p:cTn id="4" fill="hold">
+                            <p:stCondLst>
+                              <p:cond delay="0"/>
+                            </p:stCondLst>
+                            <p:childTnLst>
+                              <p:par>
+                                <p:cTn id="5" presetID="1" presetClass="entr" presetSubtype="0" fill="hold" grpId="0" nodeType="clickEffect">
+                                  <p:stCondLst>
+                                    <p:cond delay="0"/>
+                                  </p:stCondLst>
+                                  <p:childTnLst>
+                                    <p:set>
+                                      <p:cBhvr>
+                                        <p:cTn id="6" dur="1" fill="hold">
+                                          <p:stCondLst>
+                                            <p:cond delay="0"/>
+                                          </p:stCondLst>
+                                        </p:cTn>
+                                        <p:tgtEl>
+                                          <p:spTgt spid="3"/>
+                                        </p:tgtEl>
+                                        <p:attrNameLst>
+                                          <p:attrName>style.visibility</p:attrName>
+                                        </p:attrNameLst>
+                                      </p:cBhvr>
+                                      <p:to>
+                                        <p:strVal val="visible"/>
+                                      </p:to>
+                                    </p:set>
+                                  </p:childTnLst>
+                                </p:cTn>
+                              </p:par>
+                            </p:childTnLst>
+                          </p:cTn>
+                        </p:par>
+                      </p:childTnLst>
+                    </p:cTn>
+                  </p:par>
+                  <p:par>
+                    <p:cTn id="7" fill="hold">
+                      <p:stCondLst>
+                        <p:cond delay="indefinite"/>
+                      </p:stCondLst>
+                      <p:childTnLst>
+                        <p:par>
+                          <p:cTn id="8" fill="hold">
+                            <p:stCondLst>
+                              <p:cond delay="0"/>
+                            </p:stCondLst>
+                            <p:childTnLst>
+                              <p:par>
+                                <p:cTn id="9" presetID="2" presetClass="entr" presetSubtype="2" fill="hold" grpId="0" nodeType="clickEffect">
+                                  <p:stCondLst>
+                                    <p:cond delay="0"/>
+                                  </p:stCondLst>
+                                  <p:childTnLst>
+                                    <p:set>
+                                      <p:cBhvr>
+                                        <p:cTn id="10" dur="1" fill="hold">
+                                          <p:stCondLst>
+                                            <p:cond delay="0"/>
+                                          </p:stCondLst>
+                                        </p:cTn>
+                                        <p:tgtEl>
+                                          <p:spTgt spid="5">
+                                            <p:txEl>
+                                              <p:pRg st="0" end="0"/>
+                                            </p:txEl>
+                                          </p:spTgt>
+                                        </p:tgtEl>
+                                        <p:attrNameLst>
+                                          <p:attrName>style.visibility</p:attrName>
+                                        </p:attrNameLst>
+                                      </p:cBhvr>
+                                      <p:to>
+                                        <p:strVal val="visible"/>
+                                      </p:to>
+                                    </p:set>
+                                    <p:anim calcmode="lin" valueType="num">
+                                      <p:cBhvr additive="base">
+                                        <p:cTn id="11" dur="500" fill="hold"/>
+                                        <p:tgtEl>
+                                          <p:spTgt spid="5">
+                                            <p:txEl>
+                                              <p:pRg st="0" end="0"/>
+                                            </p:txEl>
+                                          </p:spTgt>
+                                        </p:tgtEl>
+                                        <p:attrNameLst>
+                                          <p:attrName>ppt_x</p:attrName>
+                                        </p:attrNameLst>
+                                      </p:cBhvr>
+                                      <p:tavLst>
+                                        <p:tav tm="0">
+                                          <p:val>
+                                            <p:strVal val="1+#ppt_w/2"/>
+                                          </p:val>
+                                        </p:tav>
+                                        <p:tav tm="100000">
+                                          <p:val>
+                                            <p:strVal val="#ppt_x"/>
+                                          </p:val>
+                                        </p:tav>
+                                      </p:tavLst>
+                                    </p:anim>
+                                    <p:anim calcmode="lin" valueType="num">
+                                      <p:cBhvr additive="base">
+                                        <p:cTn id="12" dur="500" fill="hold"/>
+                                        <p:tgtEl>
+                                          <p:spTgt spid="5">
+                                            <p:txEl>
+                                              <p:pRg st="0" end="0"/>
+                                            </p:txEl>
+                                          </p:spTgt>
+                                        </p:tgtEl>
+                                        <p:attrNameLst>
+                                          <p:attrName>ppt_y</p:attrName>
+                                        </p:attrNameLst>
+                                      </p:cBhvr>
+                                      <p:tavLst>
+                                        <p:tav tm="0">
+                                          <p:val>
+                                            <p:strVal val="#ppt_y"/>
+                                          </p:val>
+                                        </p:tav>
+                                        <p:tav tm="100000">
+                                          <p:val>
+                                            <p:strVal val="#ppt_y"/>
+                                          </p:val>
+                                        </p:tav>
+                                      </p:tavLst>
+                                    </p:anim>
+                                  </p:childTnLst>
+                                </p:cTn>
+                              </p:par>
+                            </p:childTnLst>
+                          </p:cTn>
+                        </p:par>
+                      </p:childTnLst>
+                    </p:cTn>
+                  </p:par>
+                  <p:par>
+                    <p:cTn id="13" fill="hold">
+                      <p:stCondLst>
+                        <p:cond delay="indefinite"/>
+                      </p:stCondLst>
+                      <p:childTnLst>
+                        <p:par>
+                          <p:cTn id="14" fill="hold">
+                            <p:stCondLst>
+                              <p:cond delay="0"/>
+                            </p:stCondLst>
+                            <p:childTnLst>
+                              <p:par>
+                                <p:cTn id="15" presetID="2" presetClass="entr" presetSubtype="2" fill="hold" grpId="0" nodeType="clickEffect">
+                                  <p:stCondLst>
+                                    <p:cond delay="0"/>
+                                  </p:stCondLst>
+                                  <p:childTnLst>
+                                    <p:set>
+                                      <p:cBhvr>
+                                        <p:cTn id="16" dur="1" fill="hold">
+                                          <p:stCondLst>
+                                            <p:cond delay="0"/>
+                                          </p:stCondLst>
+                                        </p:cTn>
+                                        <p:tgtEl>
+                                          <p:spTgt spid="5">
+                                            <p:txEl>
+                                              <p:pRg st="1" end="1"/>
+                                            </p:txEl>
+                                          </p:spTgt>
+                                        </p:tgtEl>
+                                        <p:attrNameLst>
+                                          <p:attrName>style.visibility</p:attrName>
+                                        </p:attrNameLst>
+                                      </p:cBhvr>
+                                      <p:to>
+                                        <p:strVal val="visible"/>
+                                      </p:to>
+                                    </p:set>
+                                    <p:anim calcmode="lin" valueType="num">
+                                      <p:cBhvr additive="base">
+                                        <p:cTn id="17" dur="500" fill="hold"/>
+                                        <p:tgtEl>
+                                          <p:spTgt spid="5">
+                                            <p:txEl>
+                                              <p:pRg st="1" end="1"/>
+                                            </p:txEl>
+                                          </p:spTgt>
+                                        </p:tgtEl>
+                                        <p:attrNameLst>
+                                          <p:attrName>ppt_x</p:attrName>
+                                        </p:attrNameLst>
+                                      </p:cBhvr>
+                                      <p:tavLst>
+                                        <p:tav tm="0">
+                                          <p:val>
+                                            <p:strVal val="1+#ppt_w/2"/>
+                                          </p:val>
+                                        </p:tav>
+                                        <p:tav tm="100000">
+                                          <p:val>
+                                            <p:strVal val="#ppt_x"/>
+                                          </p:val>
+                                        </p:tav>
+                                      </p:tavLst>
+                                    </p:anim>
+                                    <p:anim calcmode="lin" valueType="num">
+                                      <p:cBhvr additive="base">
+                                        <p:cTn id="18" dur="500" fill="hold"/>
+                                        <p:tgtEl>
+                                          <p:spTgt spid="5">
+                                            <p:txEl>
+                                              <p:pRg st="1" end="1"/>
+                                            </p:txEl>
+                                          </p:spTgt>
+                                        </p:tgtEl>
+                                        <p:attrNameLst>
+                                          <p:attrName>ppt_y</p:attrName>
+                                        </p:attrNameLst>
+                                      </p:cBhvr>
+                                      <p:tavLst>
+                                        <p:tav tm="0">
+                                          <p:val>
+                                            <p:strVal val="#ppt_y"/>
+                                          </p:val>
+                                        </p:tav>
+                                        <p:tav tm="100000">
+                                          <p:val>
+                                            <p:strVal val="#ppt_y"/>
+                                          </p:val>
+                                        </p:tav>
+                                      </p:tavLst>
+                                    </p:anim>
+                                  </p:childTnLst>
+                                </p:cTn>
+                              </p:par>
+                            </p:childTnLst>
+                          </p:cTn>
+                        </p:par>
+                      </p:childTnLst>
+                    </p:cTn>
+                  </p:par>
+                  <p:par>
+                    <p:cTn id="19" fill="hold">
+                      <p:stCondLst>
+                        <p:cond delay="indefinite"/>
+                      </p:stCondLst>
+                      <p:childTnLst>
+                        <p:par>
+                          <p:cTn id="20" fill="hold">
+                            <p:stCondLst>
+                              <p:cond delay="0"/>
+                            </p:stCondLst>
+                            <p:childTnLst>
+                              <p:par>
+                                <p:cTn id="21" presetID="2" presetClass="entr" presetSubtype="2" fill="hold" grpId="0" nodeType="clickEffect">
+                                  <p:stCondLst>
+                                    <p:cond delay="0"/>
+                                  </p:stCondLst>
+                                  <p:childTnLst>
+                                    <p:set>
+                                      <p:cBhvr>
+                                        <p:cTn id="22" dur="1" fill="hold">
+                                          <p:stCondLst>
+                                            <p:cond delay="0"/>
+                                          </p:stCondLst>
+                                        </p:cTn>
+                                        <p:tgtEl>
+                                          <p:spTgt spid="5">
+                                            <p:txEl>
+                                              <p:pRg st="2" end="2"/>
+                                            </p:txEl>
+                                          </p:spTgt>
+                                        </p:tgtEl>
+                                        <p:attrNameLst>
+                                          <p:attrName>style.visibility</p:attrName>
+                                        </p:attrNameLst>
+                                      </p:cBhvr>
+                                      <p:to>
+                                        <p:strVal val="visible"/>
+                                      </p:to>
+                                    </p:set>
+                                    <p:anim calcmode="lin" valueType="num">
+                                      <p:cBhvr additive="base">
+                                        <p:cTn id="23" dur="500" fill="hold"/>
+                                        <p:tgtEl>
+                                          <p:spTgt spid="5">
+                                            <p:txEl>
+                                              <p:pRg st="2" end="2"/>
+                                            </p:txEl>
+                                          </p:spTgt>
+                                        </p:tgtEl>
+                                        <p:attrNameLst>
+                                          <p:attrName>ppt_x</p:attrName>
+                                        </p:attrNameLst>
+                                      </p:cBhvr>
+                                      <p:tavLst>
+                                        <p:tav tm="0">
+                                          <p:val>
+                                            <p:strVal val="1+#ppt_w/2"/>
+                                          </p:val>
+                                        </p:tav>
+                                        <p:tav tm="100000">
+                                          <p:val>
+                                            <p:strVal val="#ppt_x"/>
+                                          </p:val>
+                                        </p:tav>
+                                      </p:tavLst>
+                                    </p:anim>
+                                    <p:anim calcmode="lin" valueType="num">
+                                      <p:cBhvr additive="base">
+                                        <p:cTn id="24" dur="500" fill="hold"/>
+                                        <p:tgtEl>
+                                          <p:spTgt spid="5">
+                                            <p:txEl>
+                                              <p:pRg st="2" end="2"/>
+                                            </p:txEl>
+                                          </p:spTgt>
+                                        </p:tgtEl>
+                                        <p:attrNameLst>
+                                          <p:attrName>ppt_y</p:attrName>
+                                        </p:attrNameLst>
+                                      </p:cBhvr>
+                                      <p:tavLst>
+                                        <p:tav tm="0">
+                                          <p:val>
+                                            <p:strVal val="#ppt_y"/>
+                                          </p:val>
+                                        </p:tav>
+                                        <p:tav tm="100000">
+                                          <p:val>
+                                            <p:strVal val="#ppt_y"/>
+                                          </p:val>
+                                        </p:tav>
+                                      </p:tavLst>
+                                    </p:anim>
+                                  </p:childTnLst>
+                                </p:cTn>
+                              </p:par>
+                            </p:childTnLst>
+                          </p:cTn>
+                        </p:par>
+                      </p:childTnLst>
+                    </p:cTn>
+                  </p:par>
+                  <p:par>
+                    <p:cTn id="25" fill="hold">
+                      <p:stCondLst>
+                        <p:cond delay="indefinite"/>
+                      </p:stCondLst>
+                      <p:childTnLst>
+                        <p:par>
+                          <p:cTn id="26" fill="hold">
+                            <p:stCondLst>
+                              <p:cond delay="0"/>
+                            </p:stCondLst>
+                            <p:childTnLst>
+                              <p:par>
+                                <p:cTn id="27" presetID="2" presetClass="entr" presetSubtype="2" fill="hold" grpId="0" nodeType="clickEffect">
+                                  <p:stCondLst>
+                                    <p:cond delay="0"/>
+                                  </p:stCondLst>
+                                  <p:childTnLst>
+                                    <p:set>
+                                      <p:cBhvr>
+                                        <p:cTn id="28" dur="1" fill="hold">
+                                          <p:stCondLst>
+                                            <p:cond delay="0"/>
+                                          </p:stCondLst>
+                                        </p:cTn>
+                                        <p:tgtEl>
+                                          <p:spTgt spid="5">
+                                            <p:txEl>
+                                              <p:pRg st="3" end="3"/>
+                                            </p:txEl>
+                                          </p:spTgt>
+                                        </p:tgtEl>
+                                        <p:attrNameLst>
+                                          <p:attrName>style.visibility</p:attrName>
+                                        </p:attrNameLst>
+                                      </p:cBhvr>
+                                      <p:to>
+                                        <p:strVal val="visible"/>
+                                      </p:to>
+                                    </p:set>
+                                    <p:anim calcmode="lin" valueType="num">
+                                      <p:cBhvr additive="base">
+                                        <p:cTn id="29" dur="500" fill="hold"/>
+                                        <p:tgtEl>
+                                          <p:spTgt spid="5">
+                                            <p:txEl>
+                                              <p:pRg st="3" end="3"/>
+                                            </p:txEl>
+                                          </p:spTgt>
+                                        </p:tgtEl>
+                                        <p:attrNameLst>
+                                          <p:attrName>ppt_x</p:attrName>
+                                        </p:attrNameLst>
+                                      </p:cBhvr>
+                                      <p:tavLst>
+                                        <p:tav tm="0">
+                                          <p:val>
+                                            <p:strVal val="1+#ppt_w/2"/>
+                                          </p:val>
+                                        </p:tav>
+                                        <p:tav tm="100000">
+                                          <p:val>
+                                            <p:strVal val="#ppt_x"/>
+                                          </p:val>
+                                        </p:tav>
+                                      </p:tavLst>
+                                    </p:anim>
+                                    <p:anim calcmode="lin" valueType="num">
+                                      <p:cBhvr additive="base">
+                                        <p:cTn id="30" dur="500" fill="hold"/>
+                                        <p:tgtEl>
+                                          <p:spTgt spid="5">
+                                            <p:txEl>
+                                              <p:pRg st="3" end="3"/>
+                                            </p:txEl>
+                                          </p:spTgt>
+                                        </p:tgtEl>
+                                        <p:attrNameLst>
+                                          <p:attrName>ppt_y</p:attrName>
+                                        </p:attrNameLst>
+                                      </p:cBhvr>
+                                      <p:tavLst>
+                                        <p:tav tm="0">
+                                          <p:val>
+                                            <p:strVal val="#ppt_y"/>
+                                          </p:val>
+                                        </p:tav>
+                                        <p:tav tm="100000">
+                                          <p:val>
+                                            <p:strVal val="#ppt_y"/>
+                                          </p:val>
+                                        </p:tav>
+                                      </p:tavLst>
+                                    </p:anim>
+                                  </p:childTnLst>
+                                </p:cTn>
+                              </p:par>
+                            </p:childTnLst>
+                          </p:cTn>
+                        </p:par>
+                      </p:childTnLst>
+                    </p:cTn>
+                  </p:par>
+                  <p:par>
+                    <p:cTn id="31" fill="hold">
+                      <p:stCondLst>
+                        <p:cond delay="indefinite"/>
+                      </p:stCondLst>
+                      <p:childTnLst>
+                        <p:par>
+                          <p:cTn id="32" fill="hold">
+                            <p:stCondLst>
+                              <p:cond delay="0"/>
+                            </p:stCondLst>
+                            <p:childTnLst>
+                              <p:par>
+                                <p:cTn id="33" presetID="2" presetClass="entr" presetSubtype="2" fill="hold" grpId="0" nodeType="clickEffect">
+                                  <p:stCondLst>
+                                    <p:cond delay="0"/>
+                                  </p:stCondLst>
+                                  <p:childTnLst>
+                                    <p:set>
+                                      <p:cBhvr>
+                                        <p:cTn id="34" dur="1" fill="hold">
+                                          <p:stCondLst>
+                                            <p:cond delay="0"/>
+                                          </p:stCondLst>
+                                        </p:cTn>
+                                        <p:tgtEl>
+                                          <p:spTgt spid="5">
+                                            <p:txEl>
+                                              <p:pRg st="4" end="4"/>
+                                            </p:txEl>
+                                          </p:spTgt>
+                                        </p:tgtEl>
+                                        <p:attrNameLst>
+                                          <p:attrName>style.visibility</p:attrName>
+                                        </p:attrNameLst>
+                                      </p:cBhvr>
+                                      <p:to>
+                                        <p:strVal val="visible"/>
+                                      </p:to>
+                                    </p:set>
+                                    <p:anim calcmode="lin" valueType="num">
+                                      <p:cBhvr additive="base">
+                                        <p:cTn id="35" dur="500" fill="hold"/>
+                                        <p:tgtEl>
+                                          <p:spTgt spid="5">
+                                            <p:txEl>
+                                              <p:pRg st="4" end="4"/>
+                                            </p:txEl>
+                                          </p:spTgt>
+                                        </p:tgtEl>
+                                        <p:attrNameLst>
+                                          <p:attrName>ppt_x</p:attrName>
+                                        </p:attrNameLst>
+                                      </p:cBhvr>
+                                      <p:tavLst>
+                                        <p:tav tm="0">
+                                          <p:val>
+                                            <p:strVal val="1+#ppt_w/2"/>
+                                          </p:val>
+                                        </p:tav>
+                                        <p:tav tm="100000">
+                                          <p:val>
+                                            <p:strVal val="#ppt_x"/>
+                                          </p:val>
+                                        </p:tav>
+                                      </p:tavLst>
+                                    </p:anim>
+                                    <p:anim calcmode="lin" valueType="num">
+                                      <p:cBhvr additive="base">
+                                        <p:cTn id="36" dur="500" fill="hold"/>
+                                        <p:tgtEl>
+                                          <p:spTgt spid="5">
+                                            <p:txEl>
+                                              <p:pRg st="4" end="4"/>
+                                            </p:txEl>
+                                          </p:spTgt>
+                                        </p:tgtEl>
+                                        <p:attrNameLst>
+                                          <p:attrName>ppt_y</p:attrName>
+                                        </p:attrNameLst>
+                                      </p:cBhvr>
+                                      <p:tavLst>
+                                        <p:tav tm="0">
+                                          <p:val>
+                                            <p:strVal val="#ppt_y"/>
+                                          </p:val>
+                                        </p:tav>
+                                        <p:tav tm="100000">
+                                          <p:val>
+                                            <p:strVal val="#ppt_y"/>
+                                          </p:val>
+                                        </p:tav>
+                                      </p:tavLst>
+                                    </p:anim>
+                                  </p:childTnLst>
+                                </p:cTn>
+                              </p:par>
+                            </p:childTnLst>
+                          </p:cTn>
+                        </p:par>
+                      </p:childTnLst>
+                    </p:cTn>
+                  </p:par>
+                </p:childTnLst>
+              </p:cTn>
+              <p:prevCondLst>
+                <p:cond evt="onPrev" delay="0">
+                  <p:tgtEl>
+                    <p:sldTgt/>
+                  </p:tgtEl>
+                </p:cond>
+              </p:prevCondLst>
+              <p:nextCondLst>
+                <p:cond evt="onNext" delay="0">
+                  <p:tgtEl>
+                    <p:sldTgt/>
+                  </p:tgtEl>
+                </p:cond>
+              </p:nextCondLst>
+            </p:seq>
+          </p:childTnLst>
+        </p:cTn>
+      </p:par>
+    </p:tnLst>
+    <p:bldLst>
+      <p:bldP spid="3" grpId="0"/>
+      <p:bldP spid="5" grpId="0" build="p"/>
+    </p:bldLst>
+  </p:timing>
+</p:sld>
+</file>
+
+<file path=ppt/slides/slide20.xml><?xml version="1.0" encoding="utf-8"?>
+<p:sld xmlns:a="http://schemas.openxmlformats.org/drawingml/2006/main" xmlns:r="http://schemas.openxmlformats.org/officeDocument/2006/relationships" xmlns:p="http://schemas.openxmlformats.org/presentationml/2006/main">
+  <p:cSld>
+    <p:bg>
+      <p:bgPr>
+        <a:blipFill>
+          <a:blip r:embed="rId3">
+            <a:alphaModFix/>
+          </a:blip>
+          <a:stretch>
+            <a:fillRect/>
+          </a:stretch>
+        </a:blipFill>
+        <a:effectLst/>
+      </p:bgPr>
+    </p:bg>
+    <p:spTree>
+      <p:nvGrpSpPr>
+        <p:cNvPr id="1" name="Shape 156"/>
+        <p:cNvGrpSpPr/>
+        <p:nvPr/>
+      </p:nvGrpSpPr>
+      <p:grpSpPr>
+        <a:xfrm>
+          <a:off x="0" y="0"/>
+          <a:ext cx="0" cy="0"/>
+          <a:chOff x="0" y="0"/>
+          <a:chExt cx="0" cy="0"/>
+        </a:xfrm>
+      </p:grpSpPr>
+      <p:pic>
+        <p:nvPicPr>
+          <p:cNvPr id="3" name="Picture 2">
+            <a:extLst>
+              <a:ext uri="{FF2B5EF4-FFF2-40B4-BE49-F238E27FC236}">
+                <a16:creationId xmlns:a16="http://schemas.microsoft.com/office/drawing/2014/main" id="{D47E793E-F722-4C14-BCB8-C9C33BE58B3D}"/>
+              </a:ext>
+            </a:extLst>
+          </p:cNvPr>
+          <p:cNvPicPr>
+            <a:picLocks noChangeAspect="1"/>
+          </p:cNvPicPr>
+          <p:nvPr/>
+        </p:nvPicPr>
+        <p:blipFill>
+          <a:blip r:embed="rId4"/>
+          <a:stretch>
+            <a:fillRect/>
+          </a:stretch>
+        </p:blipFill>
+        <p:spPr>
+          <a:xfrm>
+            <a:off x="1617784" y="82394"/>
+            <a:ext cx="5613010" cy="4488743"/>
+          </a:xfrm>
+          <a:prstGeom prst="rect">
+            <a:avLst/>
+          </a:prstGeom>
+        </p:spPr>
+      </p:pic>
+    </p:spTree>
+    <p:extLst>
+      <p:ext uri="{BB962C8B-B14F-4D97-AF65-F5344CB8AC3E}">
+        <p14:creationId xmlns:p14="http://schemas.microsoft.com/office/powerpoint/2010/main" val="938174217"/>
+      </p:ext>
+    </p:extLst>
+  </p:cSld>
+  <p:clrMapOvr>
+    <a:masterClrMapping/>
+  </p:clrMapOvr>
+</p:sld>
+</file>
+
+<file path=ppt/slides/slide21.xml><?xml version="1.0" encoding="utf-8"?>
+<p:sld xmlns:a="http://schemas.openxmlformats.org/drawingml/2006/main" xmlns:r="http://schemas.openxmlformats.org/officeDocument/2006/relationships" xmlns:p="http://schemas.openxmlformats.org/presentationml/2006/main">
+  <p:cSld>
+    <p:bg>
+      <p:bgPr>
+        <a:blipFill>
+          <a:blip r:embed="rId3">
+            <a:alphaModFix/>
+          </a:blip>
+          <a:stretch>
+            <a:fillRect/>
+          </a:stretch>
+        </a:blipFill>
+        <a:effectLst/>
+      </p:bgPr>
+    </p:bg>
+    <p:spTree>
+      <p:nvGrpSpPr>
+        <p:cNvPr id="1" name="Shape 156"/>
+        <p:cNvGrpSpPr/>
+        <p:nvPr/>
+      </p:nvGrpSpPr>
+      <p:grpSpPr>
+        <a:xfrm>
+          <a:off x="0" y="0"/>
+          <a:ext cx="0" cy="0"/>
+          <a:chOff x="0" y="0"/>
+          <a:chExt cx="0" cy="0"/>
+        </a:xfrm>
+      </p:grpSpPr>
+      <p:pic>
+        <p:nvPicPr>
+          <p:cNvPr id="4" name="Picture 3">
+            <a:extLst>
+              <a:ext uri="{FF2B5EF4-FFF2-40B4-BE49-F238E27FC236}">
+                <a16:creationId xmlns:a16="http://schemas.microsoft.com/office/drawing/2014/main" id="{9EC54929-5BD0-4307-B8F0-A10B84CE676A}"/>
+              </a:ext>
+            </a:extLst>
+          </p:cNvPr>
+          <p:cNvPicPr>
+            <a:picLocks noChangeAspect="1"/>
+          </p:cNvPicPr>
+          <p:nvPr/>
+        </p:nvPicPr>
+        <p:blipFill>
+          <a:blip r:embed="rId4"/>
+          <a:stretch>
+            <a:fillRect/>
+          </a:stretch>
+        </p:blipFill>
+        <p:spPr>
+          <a:xfrm>
+            <a:off x="1079931" y="103232"/>
+            <a:ext cx="6984137" cy="4618237"/>
+          </a:xfrm>
+          <a:prstGeom prst="rect">
+            <a:avLst/>
+          </a:prstGeom>
+        </p:spPr>
+      </p:pic>
+    </p:spTree>
+    <p:extLst>
+      <p:ext uri="{BB962C8B-B14F-4D97-AF65-F5344CB8AC3E}">
+        <p14:creationId xmlns:p14="http://schemas.microsoft.com/office/powerpoint/2010/main" val="1267650477"/>
+      </p:ext>
+    </p:extLst>
+  </p:cSld>
+  <p:clrMapOvr>
+    <a:masterClrMapping/>
+  </p:clrMapOvr>
+</p:sld>
+</file>
+
+<file path=ppt/slides/slide22.xml><?xml version="1.0" encoding="utf-8"?>
+<p:sld xmlns:a="http://schemas.openxmlformats.org/drawingml/2006/main" xmlns:r="http://schemas.openxmlformats.org/officeDocument/2006/relationships" xmlns:p="http://schemas.openxmlformats.org/presentationml/2006/main">
+  <p:cSld>
+    <p:bg>
+      <p:bgPr>
+        <a:blipFill>
+          <a:blip r:embed="rId3">
+            <a:alphaModFix/>
+          </a:blip>
+          <a:stretch>
+            <a:fillRect/>
+          </a:stretch>
+        </a:blipFill>
+        <a:effectLst/>
+      </p:bgPr>
+    </p:bg>
+    <p:spTree>
+      <p:nvGrpSpPr>
+        <p:cNvPr id="1" name="Shape 156"/>
+        <p:cNvGrpSpPr/>
+        <p:nvPr/>
+      </p:nvGrpSpPr>
+      <p:grpSpPr>
+        <a:xfrm>
+          <a:off x="0" y="0"/>
+          <a:ext cx="0" cy="0"/>
+          <a:chOff x="0" y="0"/>
+          <a:chExt cx="0" cy="0"/>
+        </a:xfrm>
+      </p:grpSpPr>
+      <p:sp>
+        <p:nvSpPr>
+          <p:cNvPr id="4" name="Title 3">
+            <a:extLst>
+              <a:ext uri="{FF2B5EF4-FFF2-40B4-BE49-F238E27FC236}">
+                <a16:creationId xmlns:a16="http://schemas.microsoft.com/office/drawing/2014/main" id="{06F0BFA1-3F70-4F61-9602-1604E1443CE2}"/>
+              </a:ext>
+            </a:extLst>
+          </p:cNvPr>
+          <p:cNvSpPr>
+            <a:spLocks noGrp="1"/>
+          </p:cNvSpPr>
+          <p:nvPr>
+            <p:ph type="title"/>
+          </p:nvPr>
+        </p:nvSpPr>
+        <p:spPr>
+          <a:xfrm>
+            <a:off x="457200" y="1840960"/>
+            <a:ext cx="8229600" cy="857400"/>
+          </a:xfrm>
+        </p:spPr>
+        <p:txBody>
+          <a:bodyPr/>
+          <a:lstStyle/>
+          <a:p>
+            <a:r>
+              <a:rPr lang="en-US" dirty="0">
+                <a:solidFill>
+                  <a:schemeClr val="bg1"/>
+                </a:solidFill>
+              </a:rPr>
+              <a:t>Code</a:t>
+            </a:r>
+          </a:p>
+        </p:txBody>
+      </p:sp>
+    </p:spTree>
+    <p:extLst>
+      <p:ext uri="{BB962C8B-B14F-4D97-AF65-F5344CB8AC3E}">
+        <p14:creationId xmlns:p14="http://schemas.microsoft.com/office/powerpoint/2010/main" val="1796220284"/>
+      </p:ext>
+    </p:extLst>
+  </p:cSld>
+  <p:clrMapOvr>
+    <a:masterClrMapping/>
+  </p:clrMapOvr>
+</p:sld>
+</file>
+
+<file path=ppt/slides/slide23.xml><?xml version="1.0" encoding="utf-8"?>
+<p:sld xmlns:a="http://schemas.openxmlformats.org/drawingml/2006/main" xmlns:r="http://schemas.openxmlformats.org/officeDocument/2006/relationships" xmlns:p="http://schemas.openxmlformats.org/presentationml/2006/main">
+  <p:cSld>
+    <p:bg>
+      <p:bgPr>
+        <a:blipFill>
+          <a:blip r:embed="rId3">
+            <a:alphaModFix/>
+          </a:blip>
+          <a:stretch>
+            <a:fillRect/>
+          </a:stretch>
+        </a:blipFill>
+        <a:effectLst/>
+      </p:bgPr>
+    </p:bg>
+    <p:spTree>
+      <p:nvGrpSpPr>
+        <p:cNvPr id="1" name="Shape 156"/>
+        <p:cNvGrpSpPr/>
+        <p:nvPr/>
+      </p:nvGrpSpPr>
+      <p:grpSpPr>
+        <a:xfrm>
+          <a:off x="0" y="0"/>
+          <a:ext cx="0" cy="0"/>
+          <a:chOff x="0" y="0"/>
+          <a:chExt cx="0" cy="0"/>
+        </a:xfrm>
+      </p:grpSpPr>
+      <p:sp>
+        <p:nvSpPr>
+          <p:cNvPr id="4" name="Title 3">
+            <a:extLst>
+              <a:ext uri="{FF2B5EF4-FFF2-40B4-BE49-F238E27FC236}">
+                <a16:creationId xmlns:a16="http://schemas.microsoft.com/office/drawing/2014/main" id="{06F0BFA1-3F70-4F61-9602-1604E1443CE2}"/>
+              </a:ext>
+            </a:extLst>
+          </p:cNvPr>
+          <p:cNvSpPr>
+            <a:spLocks noGrp="1"/>
+          </p:cNvSpPr>
+          <p:nvPr>
+            <p:ph type="title"/>
+          </p:nvPr>
+        </p:nvSpPr>
+        <p:spPr/>
+        <p:txBody>
+          <a:bodyPr/>
+          <a:lstStyle/>
+          <a:p>
+            <a:endParaRPr lang="en-US"/>
+          </a:p>
+        </p:txBody>
+      </p:sp>
+      <p:pic>
+        <p:nvPicPr>
+          <p:cNvPr id="7" name="Picture 6">
+            <a:extLst>
+              <a:ext uri="{FF2B5EF4-FFF2-40B4-BE49-F238E27FC236}">
+                <a16:creationId xmlns:a16="http://schemas.microsoft.com/office/drawing/2014/main" id="{EF1AA903-E0EB-440E-B973-EEE9A60DCFA0}"/>
+              </a:ext>
+            </a:extLst>
+          </p:cNvPr>
+          <p:cNvPicPr>
+            <a:picLocks noChangeAspect="1"/>
+          </p:cNvPicPr>
+          <p:nvPr/>
+        </p:nvPicPr>
+        <p:blipFill>
+          <a:blip r:embed="rId4"/>
+          <a:stretch>
+            <a:fillRect/>
+          </a:stretch>
+        </p:blipFill>
+        <p:spPr>
+          <a:xfrm>
+            <a:off x="374073" y="1745566"/>
+            <a:ext cx="8170818" cy="1550788"/>
+          </a:xfrm>
+          <a:prstGeom prst="rect">
+            <a:avLst/>
+          </a:prstGeom>
+        </p:spPr>
+      </p:pic>
+    </p:spTree>
+    <p:extLst>
+      <p:ext uri="{BB962C8B-B14F-4D97-AF65-F5344CB8AC3E}">
+        <p14:creationId xmlns:p14="http://schemas.microsoft.com/office/powerpoint/2010/main" val="3193199870"/>
+      </p:ext>
+    </p:extLst>
+  </p:cSld>
+  <p:clrMapOvr>
+    <a:masterClrMapping/>
+  </p:clrMapOvr>
+</p:sld>
+</file>
+
+<file path=ppt/slides/slide24.xml><?xml version="1.0" encoding="utf-8"?>
+<p:sld xmlns:a="http://schemas.openxmlformats.org/drawingml/2006/main" xmlns:r="http://schemas.openxmlformats.org/officeDocument/2006/relationships" xmlns:p="http://schemas.openxmlformats.org/presentationml/2006/main">
+  <p:cSld>
+    <p:bg>
+      <p:bgPr>
+        <a:blipFill>
+          <a:blip r:embed="rId3">
+            <a:alphaModFix/>
+          </a:blip>
+          <a:stretch>
+            <a:fillRect/>
+          </a:stretch>
+        </a:blipFill>
+        <a:effectLst/>
+      </p:bgPr>
+    </p:bg>
+    <p:spTree>
+      <p:nvGrpSpPr>
+        <p:cNvPr id="1" name="Shape 156"/>
+        <p:cNvGrpSpPr/>
+        <p:nvPr/>
+      </p:nvGrpSpPr>
+      <p:grpSpPr>
+        <a:xfrm>
+          <a:off x="0" y="0"/>
+          <a:ext cx="0" cy="0"/>
+          <a:chOff x="0" y="0"/>
+          <a:chExt cx="0" cy="0"/>
+        </a:xfrm>
+      </p:grpSpPr>
+      <p:sp>
+        <p:nvSpPr>
+          <p:cNvPr id="4" name="Title 3">
+            <a:extLst>
+              <a:ext uri="{FF2B5EF4-FFF2-40B4-BE49-F238E27FC236}">
+                <a16:creationId xmlns:a16="http://schemas.microsoft.com/office/drawing/2014/main" id="{06F0BFA1-3F70-4F61-9602-1604E1443CE2}"/>
+              </a:ext>
+            </a:extLst>
+          </p:cNvPr>
+          <p:cNvSpPr>
+            <a:spLocks noGrp="1"/>
+          </p:cNvSpPr>
+          <p:nvPr>
+            <p:ph type="title"/>
+          </p:nvPr>
+        </p:nvSpPr>
+        <p:spPr/>
+        <p:txBody>
+          <a:bodyPr/>
+          <a:lstStyle/>
+          <a:p>
+            <a:endParaRPr lang="en-US"/>
+          </a:p>
+        </p:txBody>
+      </p:sp>
+      <p:pic>
+        <p:nvPicPr>
+          <p:cNvPr id="5" name="Picture 4" descr="A screenshot of a cell phone&#10;&#10;Description generated with high confidence">
+            <a:extLst>
+              <a:ext uri="{FF2B5EF4-FFF2-40B4-BE49-F238E27FC236}">
+                <a16:creationId xmlns:a16="http://schemas.microsoft.com/office/drawing/2014/main" id="{995397F2-6819-474B-A22C-6118FD6582B5}"/>
+              </a:ext>
+            </a:extLst>
+          </p:cNvPr>
+          <p:cNvPicPr>
+            <a:picLocks noChangeAspect="1"/>
+          </p:cNvPicPr>
+          <p:nvPr/>
+        </p:nvPicPr>
+        <p:blipFill>
+          <a:blip r:embed="rId4"/>
+          <a:stretch>
+            <a:fillRect/>
+          </a:stretch>
+        </p:blipFill>
+        <p:spPr>
+          <a:xfrm>
+            <a:off x="7228779" y="0"/>
+            <a:ext cx="1805697" cy="5143500"/>
+          </a:xfrm>
+          <a:prstGeom prst="rect">
+            <a:avLst/>
+          </a:prstGeom>
+        </p:spPr>
+      </p:pic>
+      <p:pic>
+        <p:nvPicPr>
+          <p:cNvPr id="6" name="Picture 5">
+            <a:extLst>
+              <a:ext uri="{FF2B5EF4-FFF2-40B4-BE49-F238E27FC236}">
+                <a16:creationId xmlns:a16="http://schemas.microsoft.com/office/drawing/2014/main" id="{76357F74-0D41-406A-B190-DA5EEE961529}"/>
+              </a:ext>
+            </a:extLst>
+          </p:cNvPr>
+          <p:cNvPicPr>
+            <a:picLocks noChangeAspect="1"/>
+          </p:cNvPicPr>
+          <p:nvPr/>
+        </p:nvPicPr>
+        <p:blipFill>
+          <a:blip r:embed="rId5"/>
+          <a:stretch>
+            <a:fillRect/>
+          </a:stretch>
+        </p:blipFill>
+        <p:spPr>
+          <a:xfrm>
+            <a:off x="683070" y="1644831"/>
+            <a:ext cx="6225132" cy="2628239"/>
+          </a:xfrm>
+          <a:prstGeom prst="rect">
+            <a:avLst/>
+          </a:prstGeom>
+        </p:spPr>
+      </p:pic>
+    </p:spTree>
+    <p:extLst>
+      <p:ext uri="{BB962C8B-B14F-4D97-AF65-F5344CB8AC3E}">
+        <p14:creationId xmlns:p14="http://schemas.microsoft.com/office/powerpoint/2010/main" val="3163342949"/>
+      </p:ext>
+    </p:extLst>
+  </p:cSld>
+  <p:clrMapOvr>
+    <a:masterClrMapping/>
+  </p:clrMapOvr>
+</p:sld>
+</file>
+
+<file path=ppt/slides/slide25.xml><?xml version="1.0" encoding="utf-8"?>
+<p:sld xmlns:a="http://schemas.openxmlformats.org/drawingml/2006/main" xmlns:r="http://schemas.openxmlformats.org/officeDocument/2006/relationships" xmlns:p="http://schemas.openxmlformats.org/presentationml/2006/main">
+  <p:cSld>
+    <p:bg>
+      <p:bgPr>
+        <a:blipFill>
+          <a:blip r:embed="rId3">
+            <a:alphaModFix/>
+          </a:blip>
+          <a:stretch>
+            <a:fillRect/>
+          </a:stretch>
+        </a:blipFill>
+        <a:effectLst/>
+      </p:bgPr>
+    </p:bg>
+    <p:spTree>
+      <p:nvGrpSpPr>
+        <p:cNvPr id="1" name="Shape 156"/>
+        <p:cNvGrpSpPr/>
+        <p:nvPr/>
+      </p:nvGrpSpPr>
+      <p:grpSpPr>
+        <a:xfrm>
+          <a:off x="0" y="0"/>
+          <a:ext cx="0" cy="0"/>
+          <a:chOff x="0" y="0"/>
+          <a:chExt cx="0" cy="0"/>
+        </a:xfrm>
+      </p:grpSpPr>
+      <p:sp>
+        <p:nvSpPr>
+          <p:cNvPr id="4" name="Title 3">
+            <a:extLst>
+              <a:ext uri="{FF2B5EF4-FFF2-40B4-BE49-F238E27FC236}">
+                <a16:creationId xmlns:a16="http://schemas.microsoft.com/office/drawing/2014/main" id="{06F0BFA1-3F70-4F61-9602-1604E1443CE2}"/>
+              </a:ext>
+            </a:extLst>
+          </p:cNvPr>
+          <p:cNvSpPr>
+            <a:spLocks noGrp="1"/>
+          </p:cNvSpPr>
+          <p:nvPr>
+            <p:ph type="title"/>
+          </p:nvPr>
+        </p:nvSpPr>
+        <p:spPr/>
+        <p:txBody>
+          <a:bodyPr/>
+          <a:lstStyle/>
+          <a:p>
+            <a:endParaRPr lang="en-US"/>
+          </a:p>
+        </p:txBody>
+      </p:sp>
+      <p:pic>
+        <p:nvPicPr>
+          <p:cNvPr id="7" name="Picture 6">
+            <a:extLst>
+              <a:ext uri="{FF2B5EF4-FFF2-40B4-BE49-F238E27FC236}">
+                <a16:creationId xmlns:a16="http://schemas.microsoft.com/office/drawing/2014/main" id="{E27209F7-BA32-4241-93F5-3A929F858912}"/>
+              </a:ext>
+            </a:extLst>
+          </p:cNvPr>
+          <p:cNvPicPr>
+            <a:picLocks noChangeAspect="1"/>
+          </p:cNvPicPr>
+          <p:nvPr/>
+        </p:nvPicPr>
+        <p:blipFill>
+          <a:blip r:embed="rId4"/>
+          <a:stretch>
+            <a:fillRect/>
+          </a:stretch>
+        </p:blipFill>
+        <p:spPr>
+          <a:xfrm>
+            <a:off x="842553" y="1517432"/>
+            <a:ext cx="7210697" cy="1795434"/>
+          </a:xfrm>
+          <a:prstGeom prst="rect">
+            <a:avLst/>
+          </a:prstGeom>
+        </p:spPr>
+      </p:pic>
+    </p:spTree>
+    <p:extLst>
+      <p:ext uri="{BB962C8B-B14F-4D97-AF65-F5344CB8AC3E}">
+        <p14:creationId xmlns:p14="http://schemas.microsoft.com/office/powerpoint/2010/main" val="1639290300"/>
+      </p:ext>
+    </p:extLst>
+  </p:cSld>
+  <p:clrMapOvr>
+    <a:masterClrMapping/>
+  </p:clrMapOvr>
+</p:sld>
+</file>
+
+<file path=ppt/slides/slide26.xml><?xml version="1.0" encoding="utf-8"?>
+<p:sld xmlns:a="http://schemas.openxmlformats.org/drawingml/2006/main" xmlns:r="http://schemas.openxmlformats.org/officeDocument/2006/relationships" xmlns:p="http://schemas.openxmlformats.org/presentationml/2006/main">
+  <p:cSld>
+    <p:bg>
+      <p:bgPr>
+        <a:blipFill>
+          <a:blip r:embed="rId3">
+            <a:alphaModFix/>
+          </a:blip>
+          <a:stretch>
+            <a:fillRect/>
+          </a:stretch>
+        </a:blipFill>
+        <a:effectLst/>
+      </p:bgPr>
+    </p:bg>
+    <p:spTree>
+      <p:nvGrpSpPr>
+        <p:cNvPr id="1" name="Shape 156"/>
+        <p:cNvGrpSpPr/>
+        <p:nvPr/>
+      </p:nvGrpSpPr>
+      <p:grpSpPr>
+        <a:xfrm>
+          <a:off x="0" y="0"/>
+          <a:ext cx="0" cy="0"/>
+          <a:chOff x="0" y="0"/>
+          <a:chExt cx="0" cy="0"/>
+        </a:xfrm>
+      </p:grpSpPr>
+      <p:sp>
+        <p:nvSpPr>
+          <p:cNvPr id="4" name="Title 3">
+            <a:extLst>
+              <a:ext uri="{FF2B5EF4-FFF2-40B4-BE49-F238E27FC236}">
+                <a16:creationId xmlns:a16="http://schemas.microsoft.com/office/drawing/2014/main" id="{06F0BFA1-3F70-4F61-9602-1604E1443CE2}"/>
+              </a:ext>
+            </a:extLst>
+          </p:cNvPr>
+          <p:cNvSpPr>
+            <a:spLocks noGrp="1"/>
+          </p:cNvSpPr>
+          <p:nvPr>
+            <p:ph type="title"/>
+          </p:nvPr>
+        </p:nvSpPr>
+        <p:spPr/>
+        <p:txBody>
+          <a:bodyPr/>
+          <a:lstStyle/>
+          <a:p>
+            <a:endParaRPr lang="en-US"/>
+          </a:p>
+        </p:txBody>
+      </p:sp>
+      <p:pic>
+        <p:nvPicPr>
+          <p:cNvPr id="7" name="Picture 6">
+            <a:extLst>
+              <a:ext uri="{FF2B5EF4-FFF2-40B4-BE49-F238E27FC236}">
+                <a16:creationId xmlns:a16="http://schemas.microsoft.com/office/drawing/2014/main" id="{4C59A664-871E-4C7E-9A59-4C7708F6EF3F}"/>
+              </a:ext>
+            </a:extLst>
+          </p:cNvPr>
+          <p:cNvPicPr>
+            <a:picLocks noChangeAspect="1"/>
+          </p:cNvPicPr>
+          <p:nvPr/>
+        </p:nvPicPr>
+        <p:blipFill>
+          <a:blip r:embed="rId4"/>
+          <a:stretch>
+            <a:fillRect/>
+          </a:stretch>
+        </p:blipFill>
+        <p:spPr>
+          <a:xfrm>
+            <a:off x="374073" y="1745566"/>
+            <a:ext cx="8170818" cy="1550788"/>
+          </a:xfrm>
+          <a:prstGeom prst="rect">
+            <a:avLst/>
+          </a:prstGeom>
+        </p:spPr>
+      </p:pic>
+    </p:spTree>
+    <p:extLst>
+      <p:ext uri="{BB962C8B-B14F-4D97-AF65-F5344CB8AC3E}">
+        <p14:creationId xmlns:p14="http://schemas.microsoft.com/office/powerpoint/2010/main" val="310090598"/>
+      </p:ext>
+    </p:extLst>
+  </p:cSld>
+  <p:clrMapOvr>
+    <a:masterClrMapping/>
+  </p:clrMapOvr>
+</p:sld>
+</file>
+
+<file path=ppt/slides/slide27.xml><?xml version="1.0" encoding="utf-8"?>
+<p:sld xmlns:a="http://schemas.openxmlformats.org/drawingml/2006/main" xmlns:r="http://schemas.openxmlformats.org/officeDocument/2006/relationships" xmlns:p="http://schemas.openxmlformats.org/presentationml/2006/main">
+  <p:cSld>
+    <p:bg>
+      <p:bgPr>
+        <a:blipFill>
+          <a:blip r:embed="rId3">
+            <a:alphaModFix/>
+          </a:blip>
+          <a:stretch>
+            <a:fillRect/>
+          </a:stretch>
+        </a:blipFill>
+        <a:effectLst/>
+      </p:bgPr>
+    </p:bg>
+    <p:spTree>
+      <p:nvGrpSpPr>
+        <p:cNvPr id="1" name="Shape 156"/>
+        <p:cNvGrpSpPr/>
+        <p:nvPr/>
+      </p:nvGrpSpPr>
+      <p:grpSpPr>
+        <a:xfrm>
+          <a:off x="0" y="0"/>
+          <a:ext cx="0" cy="0"/>
+          <a:chOff x="0" y="0"/>
+          <a:chExt cx="0" cy="0"/>
+        </a:xfrm>
+      </p:grpSpPr>
+      <p:sp>
+        <p:nvSpPr>
+          <p:cNvPr id="4" name="Title 3">
+            <a:extLst>
+              <a:ext uri="{FF2B5EF4-FFF2-40B4-BE49-F238E27FC236}">
+                <a16:creationId xmlns:a16="http://schemas.microsoft.com/office/drawing/2014/main" id="{06F0BFA1-3F70-4F61-9602-1604E1443CE2}"/>
+              </a:ext>
+            </a:extLst>
+          </p:cNvPr>
+          <p:cNvSpPr>
+            <a:spLocks noGrp="1"/>
+          </p:cNvSpPr>
+          <p:nvPr>
+            <p:ph type="title"/>
+          </p:nvPr>
+        </p:nvSpPr>
+        <p:spPr/>
+        <p:txBody>
+          <a:bodyPr/>
+          <a:lstStyle/>
+          <a:p>
+            <a:endParaRPr lang="en-US" dirty="0"/>
+          </a:p>
+        </p:txBody>
+      </p:sp>
+      <p:pic>
+        <p:nvPicPr>
+          <p:cNvPr id="3" name="Picture 2">
+            <a:extLst>
+              <a:ext uri="{FF2B5EF4-FFF2-40B4-BE49-F238E27FC236}">
+                <a16:creationId xmlns:a16="http://schemas.microsoft.com/office/drawing/2014/main" id="{76F73C5E-BC02-4F19-9DD0-643302FEB4D0}"/>
+              </a:ext>
+            </a:extLst>
+          </p:cNvPr>
+          <p:cNvPicPr>
+            <a:picLocks noChangeAspect="1"/>
+          </p:cNvPicPr>
+          <p:nvPr/>
+        </p:nvPicPr>
+        <p:blipFill>
+          <a:blip r:embed="rId4"/>
+          <a:stretch>
+            <a:fillRect/>
+          </a:stretch>
+        </p:blipFill>
+        <p:spPr>
+          <a:xfrm>
+            <a:off x="1371290" y="687690"/>
+            <a:ext cx="4888833" cy="3768120"/>
+          </a:xfrm>
+          <a:prstGeom prst="rect">
+            <a:avLst/>
+          </a:prstGeom>
+        </p:spPr>
+      </p:pic>
+      <p:pic>
+        <p:nvPicPr>
+          <p:cNvPr id="5" name="Picture 4" descr="A picture containing screenshot&#10;&#10;Description generated with high confidence">
+            <a:extLst>
+              <a:ext uri="{FF2B5EF4-FFF2-40B4-BE49-F238E27FC236}">
+                <a16:creationId xmlns:a16="http://schemas.microsoft.com/office/drawing/2014/main" id="{5F6038A4-A1CD-406F-A5FE-556A8CF4AE76}"/>
+              </a:ext>
+            </a:extLst>
+          </p:cNvPr>
+          <p:cNvPicPr>
+            <a:picLocks noChangeAspect="1"/>
+          </p:cNvPicPr>
+          <p:nvPr/>
+        </p:nvPicPr>
+        <p:blipFill>
+          <a:blip r:embed="rId5"/>
+          <a:stretch>
+            <a:fillRect/>
+          </a:stretch>
+        </p:blipFill>
+        <p:spPr>
+          <a:xfrm>
+            <a:off x="6548510" y="1"/>
+            <a:ext cx="2426677" cy="5064368"/>
+          </a:xfrm>
+          <a:prstGeom prst="rect">
+            <a:avLst/>
+          </a:prstGeom>
+        </p:spPr>
+      </p:pic>
+    </p:spTree>
+    <p:extLst>
+      <p:ext uri="{BB962C8B-B14F-4D97-AF65-F5344CB8AC3E}">
+        <p14:creationId xmlns:p14="http://schemas.microsoft.com/office/powerpoint/2010/main" val="1414009588"/>
+      </p:ext>
+    </p:extLst>
+  </p:cSld>
+  <p:clrMapOvr>
+    <a:masterClrMapping/>
+  </p:clrMapOvr>
+</p:sld>
+</file>
+
+<file path=ppt/slides/slide28.xml><?xml version="1.0" encoding="utf-8"?>
+<p:sld xmlns:a="http://schemas.openxmlformats.org/drawingml/2006/main" xmlns:r="http://schemas.openxmlformats.org/officeDocument/2006/relationships" xmlns:p="http://schemas.openxmlformats.org/presentationml/2006/main">
+  <p:cSld>
+    <p:bg>
+      <p:bgPr>
+        <a:blipFill>
+          <a:blip r:embed="rId3">
+            <a:alphaModFix/>
+          </a:blip>
+          <a:stretch>
+            <a:fillRect/>
+          </a:stretch>
+        </a:blipFill>
+        <a:effectLst/>
+      </p:bgPr>
+    </p:bg>
+    <p:spTree>
+      <p:nvGrpSpPr>
+        <p:cNvPr id="1" name="Shape 156"/>
+        <p:cNvGrpSpPr/>
+        <p:nvPr/>
+      </p:nvGrpSpPr>
+      <p:grpSpPr>
+        <a:xfrm>
+          <a:off x="0" y="0"/>
+          <a:ext cx="0" cy="0"/>
+          <a:chOff x="0" y="0"/>
+          <a:chExt cx="0" cy="0"/>
+        </a:xfrm>
+      </p:grpSpPr>
+      <p:sp>
+        <p:nvSpPr>
+          <p:cNvPr id="4" name="Title 3">
+            <a:extLst>
+              <a:ext uri="{FF2B5EF4-FFF2-40B4-BE49-F238E27FC236}">
+                <a16:creationId xmlns:a16="http://schemas.microsoft.com/office/drawing/2014/main" id="{06F0BFA1-3F70-4F61-9602-1604E1443CE2}"/>
+              </a:ext>
+            </a:extLst>
+          </p:cNvPr>
+          <p:cNvSpPr>
+            <a:spLocks noGrp="1"/>
+          </p:cNvSpPr>
+          <p:nvPr>
+            <p:ph type="title"/>
+          </p:nvPr>
+        </p:nvSpPr>
+        <p:spPr/>
+        <p:txBody>
+          <a:bodyPr/>
+          <a:lstStyle/>
+          <a:p>
+            <a:endParaRPr lang="en-US"/>
+          </a:p>
+        </p:txBody>
+      </p:sp>
+      <p:sp>
+        <p:nvSpPr>
+          <p:cNvPr id="3" name="Title 2">
+            <a:extLst>
+              <a:ext uri="{FF2B5EF4-FFF2-40B4-BE49-F238E27FC236}">
+                <a16:creationId xmlns:a16="http://schemas.microsoft.com/office/drawing/2014/main" id="{992C69B5-22F4-4A52-9A16-CB9FE3F6B794}"/>
+              </a:ext>
+            </a:extLst>
+          </p:cNvPr>
+          <p:cNvSpPr txBox="1">
+            <a:spLocks/>
+          </p:cNvSpPr>
+          <p:nvPr/>
+        </p:nvSpPr>
+        <p:spPr>
+          <a:xfrm>
+            <a:off x="362493" y="66798"/>
+            <a:ext cx="8170818" cy="540626"/>
+          </a:xfrm>
+          <a:prstGeom prst="rect">
+            <a:avLst/>
+          </a:prstGeom>
+          <a:noFill/>
+          <a:ln>
+            <a:noFill/>
+          </a:ln>
+        </p:spPr>
+        <p:txBody>
+          <a:bodyPr wrap="square" lIns="91425" tIns="91425" rIns="91425" bIns="91425" anchor="ctr" anchorCtr="0"/>
+          <a:lstStyle>
+            <a:defPPr marR="0" lvl="0" algn="l" rtl="0">
+              <a:lnSpc>
+                <a:spcPct val="100000"/>
+              </a:lnSpc>
+              <a:spcBef>
+                <a:spcPts val="0"/>
+              </a:spcBef>
+              <a:spcAft>
+                <a:spcPts val="0"/>
+              </a:spcAft>
+            </a:defPPr>
+            <a:lvl1pPr marL="0" marR="0" lvl="0" indent="0" algn="ctr" rtl="0">
+              <a:lnSpc>
+                <a:spcPct val="100000"/>
+              </a:lnSpc>
+              <a:spcBef>
+                <a:spcPts val="0"/>
+              </a:spcBef>
+              <a:spcAft>
+                <a:spcPts val="0"/>
+              </a:spcAft>
+              <a:buClr>
+                <a:schemeClr val="dk1"/>
+              </a:buClr>
+              <a:buFont typeface="Calibri"/>
+              <a:buNone/>
+              <a:defRPr sz="4400" b="0" i="0" u="none" strike="noStrike" cap="none">
+                <a:solidFill>
+                  <a:schemeClr val="dk1"/>
+                </a:solidFill>
+                <a:latin typeface="Calibri"/>
+                <a:ea typeface="Calibri"/>
+                <a:cs typeface="Calibri"/>
+                <a:sym typeface="Calibri"/>
+              </a:defRPr>
+            </a:lvl1pPr>
+            <a:lvl2pPr lvl="1" indent="0" rtl="0">
+              <a:spcBef>
+                <a:spcPts val="0"/>
+              </a:spcBef>
+              <a:buNone/>
+              <a:defRPr sz="1800"/>
+            </a:lvl2pPr>
+            <a:lvl3pPr lvl="2" indent="0" rtl="0">
+              <a:spcBef>
+                <a:spcPts val="0"/>
+              </a:spcBef>
+              <a:buNone/>
+              <a:defRPr sz="1800"/>
+            </a:lvl3pPr>
+            <a:lvl4pPr lvl="3" indent="0" rtl="0">
+              <a:spcBef>
+                <a:spcPts val="0"/>
+              </a:spcBef>
+              <a:buNone/>
+              <a:defRPr sz="1800"/>
+            </a:lvl4pPr>
+            <a:lvl5pPr lvl="4" indent="0" rtl="0">
+              <a:spcBef>
+                <a:spcPts val="0"/>
+              </a:spcBef>
+              <a:buNone/>
+              <a:defRPr sz="1800"/>
+            </a:lvl5pPr>
+            <a:lvl6pPr lvl="5" indent="0" rtl="0">
+              <a:spcBef>
+                <a:spcPts val="0"/>
+              </a:spcBef>
+              <a:buNone/>
+              <a:defRPr sz="1800"/>
+            </a:lvl6pPr>
+            <a:lvl7pPr lvl="6" indent="0" rtl="0">
+              <a:spcBef>
+                <a:spcPts val="0"/>
+              </a:spcBef>
+              <a:buNone/>
+              <a:defRPr sz="1800"/>
+            </a:lvl7pPr>
+            <a:lvl8pPr lvl="7" indent="0" rtl="0">
+              <a:spcBef>
+                <a:spcPts val="0"/>
+              </a:spcBef>
+              <a:buNone/>
+              <a:defRPr sz="1800"/>
+            </a:lvl8pPr>
+            <a:lvl9pPr lvl="8" indent="0" rtl="0">
+              <a:spcBef>
+                <a:spcPts val="0"/>
+              </a:spcBef>
+              <a:buNone/>
+              <a:defRPr sz="1800"/>
+            </a:lvl9pPr>
+          </a:lstStyle>
+          <a:p>
+            <a:r>
+              <a:rPr lang="en-US" sz="3200">
+                <a:solidFill>
+                  <a:schemeClr val="bg1"/>
+                </a:solidFill>
+              </a:rPr>
+              <a:t>Python script – motor driver test</a:t>
+            </a:r>
+            <a:endParaRPr lang="en-US" sz="3200" dirty="0">
+              <a:solidFill>
+                <a:schemeClr val="bg1"/>
+              </a:solidFill>
+            </a:endParaRPr>
+          </a:p>
+        </p:txBody>
+      </p:sp>
+      <p:sp>
+        <p:nvSpPr>
+          <p:cNvPr id="5" name="TextBox 4">
+            <a:extLst>
+              <a:ext uri="{FF2B5EF4-FFF2-40B4-BE49-F238E27FC236}">
+                <a16:creationId xmlns:a16="http://schemas.microsoft.com/office/drawing/2014/main" id="{C901FC8F-B2F3-456A-B868-B232C41B12B0}"/>
+              </a:ext>
+            </a:extLst>
+          </p:cNvPr>
+          <p:cNvSpPr txBox="1"/>
+          <p:nvPr/>
+        </p:nvSpPr>
+        <p:spPr>
+          <a:xfrm>
+            <a:off x="1074351" y="747594"/>
+            <a:ext cx="6995297" cy="369332"/>
+          </a:xfrm>
+          <a:prstGeom prst="rect">
+            <a:avLst/>
+          </a:prstGeom>
+          <a:noFill/>
+        </p:spPr>
+        <p:txBody>
+          <a:bodyPr wrap="square" rtlCol="0">
+            <a:spAutoFit/>
+          </a:bodyPr>
+          <a:lstStyle/>
+          <a:p>
+            <a:r>
+              <a:rPr lang="en-US" sz="1800" b="1" dirty="0">
+                <a:solidFill>
+                  <a:schemeClr val="bg1">
+                    <a:lumMod val="95000"/>
+                  </a:schemeClr>
+                </a:solidFill>
+              </a:rPr>
+              <a:t>Defining functions for motors to move in a certain direction</a:t>
+            </a:r>
+          </a:p>
+        </p:txBody>
+      </p:sp>
+      <p:pic>
+        <p:nvPicPr>
+          <p:cNvPr id="6" name="Picture 5">
+            <a:extLst>
+              <a:ext uri="{FF2B5EF4-FFF2-40B4-BE49-F238E27FC236}">
+                <a16:creationId xmlns:a16="http://schemas.microsoft.com/office/drawing/2014/main" id="{51697A9D-CF67-4692-8963-F4F12B736804}"/>
+              </a:ext>
+            </a:extLst>
+          </p:cNvPr>
+          <p:cNvPicPr>
+            <a:picLocks noChangeAspect="1"/>
+          </p:cNvPicPr>
+          <p:nvPr/>
+        </p:nvPicPr>
+        <p:blipFill>
+          <a:blip r:embed="rId4"/>
+          <a:stretch>
+            <a:fillRect/>
+          </a:stretch>
+        </p:blipFill>
+        <p:spPr>
+          <a:xfrm>
+            <a:off x="881063" y="1937343"/>
+            <a:ext cx="5429111" cy="2942000"/>
+          </a:xfrm>
+          <a:prstGeom prst="rect">
+            <a:avLst/>
+          </a:prstGeom>
+        </p:spPr>
+      </p:pic>
+      <p:graphicFrame>
+        <p:nvGraphicFramePr>
+          <p:cNvPr id="7" name="Table 6">
+            <a:extLst>
+              <a:ext uri="{FF2B5EF4-FFF2-40B4-BE49-F238E27FC236}">
+                <a16:creationId xmlns:a16="http://schemas.microsoft.com/office/drawing/2014/main" id="{CDA80F3F-9878-49A7-9066-3CA0681619F5}"/>
+              </a:ext>
+            </a:extLst>
+          </p:cNvPr>
+          <p:cNvGraphicFramePr>
+            <a:graphicFrameLocks noGrp="1"/>
+          </p:cNvGraphicFramePr>
+          <p:nvPr>
+            <p:extLst>
+              <p:ext uri="{D42A27DB-BD31-4B8C-83A1-F6EECF244321}">
+                <p14:modId xmlns:p14="http://schemas.microsoft.com/office/powerpoint/2010/main" val="974869922"/>
+              </p:ext>
+            </p:extLst>
+          </p:nvPr>
+        </p:nvGraphicFramePr>
+        <p:xfrm>
+          <a:off x="881063" y="1175343"/>
+          <a:ext cx="6350000" cy="762000"/>
+        </p:xfrm>
+        <a:graphic>
+          <a:graphicData uri="http://schemas.openxmlformats.org/drawingml/2006/table">
+            <a:tbl>
+              <a:tblPr>
+                <a:tableStyleId>{5C22544A-7EE6-4342-B048-85BDC9FD1C3A}</a:tableStyleId>
+              </a:tblPr>
+              <a:tblGrid>
+                <a:gridCol w="783793">
+                  <a:extLst>
+                    <a:ext uri="{9D8B030D-6E8A-4147-A177-3AD203B41FA5}">
+                      <a16:colId xmlns:a16="http://schemas.microsoft.com/office/drawing/2014/main" val="1872031434"/>
+                    </a:ext>
+                  </a:extLst>
+                </a:gridCol>
+                <a:gridCol w="736001">
+                  <a:extLst>
+                    <a:ext uri="{9D8B030D-6E8A-4147-A177-3AD203B41FA5}">
+                      <a16:colId xmlns:a16="http://schemas.microsoft.com/office/drawing/2014/main" val="884650276"/>
+                    </a:ext>
+                  </a:extLst>
+                </a:gridCol>
+                <a:gridCol w="736001">
+                  <a:extLst>
+                    <a:ext uri="{9D8B030D-6E8A-4147-A177-3AD203B41FA5}">
+                      <a16:colId xmlns:a16="http://schemas.microsoft.com/office/drawing/2014/main" val="3015049748"/>
+                    </a:ext>
+                  </a:extLst>
+                </a:gridCol>
+                <a:gridCol w="774235">
+                  <a:extLst>
+                    <a:ext uri="{9D8B030D-6E8A-4147-A177-3AD203B41FA5}">
+                      <a16:colId xmlns:a16="http://schemas.microsoft.com/office/drawing/2014/main" val="3933029687"/>
+                    </a:ext>
+                  </a:extLst>
+                </a:gridCol>
+                <a:gridCol w="736001">
+                  <a:extLst>
+                    <a:ext uri="{9D8B030D-6E8A-4147-A177-3AD203B41FA5}">
+                      <a16:colId xmlns:a16="http://schemas.microsoft.com/office/drawing/2014/main" val="1900800829"/>
+                    </a:ext>
+                  </a:extLst>
+                </a:gridCol>
+                <a:gridCol w="736001">
+                  <a:extLst>
+                    <a:ext uri="{9D8B030D-6E8A-4147-A177-3AD203B41FA5}">
+                      <a16:colId xmlns:a16="http://schemas.microsoft.com/office/drawing/2014/main" val="817432201"/>
+                    </a:ext>
+                  </a:extLst>
+                </a:gridCol>
+                <a:gridCol w="1847968">
+                  <a:extLst>
+                    <a:ext uri="{9D8B030D-6E8A-4147-A177-3AD203B41FA5}">
+                      <a16:colId xmlns:a16="http://schemas.microsoft.com/office/drawing/2014/main" val="3858967170"/>
+                    </a:ext>
+                  </a:extLst>
+                </a:gridCol>
+              </a:tblGrid>
+              <a:tr h="190500">
+                <a:tc gridSpan="3">
+                  <a:txBody>
+                    <a:bodyPr/>
+                    <a:lstStyle/>
+                    <a:p>
+                      <a:pPr algn="ctr" fontAlgn="ctr"/>
+                      <a:r>
+                        <a:rPr lang="en-US" sz="1100" u="none" strike="noStrike">
+                          <a:effectLst/>
+                        </a:rPr>
+                        <a:t>MOTOR A</a:t>
+                      </a:r>
+                      <a:endParaRPr lang="en-US" sz="1100" b="1" i="0" u="none" strike="noStrike">
+                        <a:solidFill>
+                          <a:srgbClr val="FFFFFF"/>
+                        </a:solidFill>
+                        <a:effectLst/>
+                        <a:latin typeface="Calibri" panose="020F0502020204030204" pitchFamily="34" charset="0"/>
+                      </a:endParaRPr>
+                    </a:p>
+                  </a:txBody>
+                  <a:tcPr marL="9525" marR="9525" marT="9525" marB="0" anchor="ctr"/>
+                </a:tc>
+                <a:tc hMerge="1">
+                  <a:txBody>
+                    <a:bodyPr/>
+                    <a:lstStyle/>
+                    <a:p>
+                      <a:endParaRPr lang="en-US"/>
+                    </a:p>
+                  </a:txBody>
+                  <a:tcPr/>
+                </a:tc>
+                <a:tc hMerge="1">
+                  <a:txBody>
+                    <a:bodyPr/>
+                    <a:lstStyle/>
+                    <a:p>
+                      <a:endParaRPr lang="en-US"/>
+                    </a:p>
+                  </a:txBody>
+                  <a:tcPr/>
+                </a:tc>
+                <a:tc gridSpan="3">
+                  <a:txBody>
+                    <a:bodyPr/>
+                    <a:lstStyle/>
+                    <a:p>
+                      <a:pPr algn="ctr" fontAlgn="ctr"/>
+                      <a:r>
+                        <a:rPr lang="en-US" sz="1100" u="none" strike="noStrike">
+                          <a:effectLst/>
+                        </a:rPr>
+                        <a:t>MOTOR B</a:t>
+                      </a:r>
+                      <a:endParaRPr lang="en-US" sz="1100" b="1" i="0" u="none" strike="noStrike">
+                        <a:solidFill>
+                          <a:srgbClr val="000000"/>
+                        </a:solidFill>
+                        <a:effectLst/>
+                        <a:latin typeface="Calibri" panose="020F0502020204030204" pitchFamily="34" charset="0"/>
+                      </a:endParaRPr>
+                    </a:p>
+                  </a:txBody>
+                  <a:tcPr marL="9525" marR="9525" marT="9525" marB="0" anchor="ctr"/>
+                </a:tc>
+                <a:tc hMerge="1">
+                  <a:txBody>
+                    <a:bodyPr/>
+                    <a:lstStyle/>
+                    <a:p>
+                      <a:endParaRPr lang="en-US"/>
+                    </a:p>
+                  </a:txBody>
+                  <a:tcPr/>
+                </a:tc>
+                <a:tc hMerge="1">
+                  <a:txBody>
+                    <a:bodyPr/>
+                    <a:lstStyle/>
+                    <a:p>
+                      <a:endParaRPr lang="en-US"/>
+                    </a:p>
+                  </a:txBody>
+                  <a:tcPr/>
+                </a:tc>
+                <a:tc rowSpan="2">
+                  <a:txBody>
+                    <a:bodyPr/>
+                    <a:lstStyle/>
+                    <a:p>
+                      <a:pPr algn="ctr" fontAlgn="ctr"/>
+                      <a:r>
+                        <a:rPr lang="en-US" sz="1100" u="none" strike="noStrike" dirty="0">
+                          <a:effectLst/>
+                        </a:rPr>
+                        <a:t>Outcomes</a:t>
+                      </a:r>
+                      <a:endParaRPr lang="en-US" sz="1100" b="1" i="0" u="none" strike="noStrike" dirty="0">
+                        <a:solidFill>
+                          <a:srgbClr val="FFFFFF"/>
+                        </a:solidFill>
+                        <a:effectLst/>
+                        <a:latin typeface="Calibri" panose="020F0502020204030204" pitchFamily="34" charset="0"/>
+                      </a:endParaRPr>
+                    </a:p>
+                  </a:txBody>
+                  <a:tcPr marL="9525" marR="9525" marT="9525" marB="0" anchor="ctr"/>
+                </a:tc>
+                <a:extLst>
+                  <a:ext uri="{0D108BD9-81ED-4DB2-BD59-A6C34878D82A}">
+                    <a16:rowId xmlns:a16="http://schemas.microsoft.com/office/drawing/2014/main" val="3075791045"/>
+                  </a:ext>
+                </a:extLst>
+              </a:tr>
+              <a:tr h="190500">
+                <a:tc>
+                  <a:txBody>
+                    <a:bodyPr/>
+                    <a:lstStyle/>
+                    <a:p>
+                      <a:pPr algn="ctr" fontAlgn="ctr"/>
+                      <a:r>
+                        <a:rPr lang="en-US" sz="1100" u="none" strike="noStrike">
+                          <a:effectLst/>
+                        </a:rPr>
+                        <a:t>ENA</a:t>
+                      </a:r>
+                      <a:endParaRPr lang="en-US" sz="1100" b="1" i="0" u="none" strike="noStrike">
+                        <a:solidFill>
+                          <a:srgbClr val="000000"/>
+                        </a:solidFill>
+                        <a:effectLst/>
+                        <a:latin typeface="Calibri" panose="020F0502020204030204" pitchFamily="34" charset="0"/>
+                      </a:endParaRPr>
+                    </a:p>
+                  </a:txBody>
+                  <a:tcPr marL="9525" marR="9525" marT="9525" marB="0" anchor="ctr"/>
+                </a:tc>
+                <a:tc>
+                  <a:txBody>
+                    <a:bodyPr/>
+                    <a:lstStyle/>
+                    <a:p>
+                      <a:pPr algn="ctr" fontAlgn="ctr"/>
+                      <a:r>
+                        <a:rPr lang="en-US" sz="1100" u="none" strike="noStrike">
+                          <a:effectLst/>
+                        </a:rPr>
+                        <a:t>IN1</a:t>
+                      </a:r>
+                      <a:endParaRPr lang="en-US" sz="1100" b="1" i="0" u="none" strike="noStrike">
+                        <a:solidFill>
+                          <a:srgbClr val="000000"/>
+                        </a:solidFill>
+                        <a:effectLst/>
+                        <a:latin typeface="Calibri" panose="020F0502020204030204" pitchFamily="34" charset="0"/>
+                      </a:endParaRPr>
+                    </a:p>
+                  </a:txBody>
+                  <a:tcPr marL="9525" marR="9525" marT="9525" marB="0" anchor="ctr"/>
+                </a:tc>
+                <a:tc>
+                  <a:txBody>
+                    <a:bodyPr/>
+                    <a:lstStyle/>
+                    <a:p>
+                      <a:pPr algn="ctr" fontAlgn="ctr"/>
+                      <a:r>
+                        <a:rPr lang="en-US" sz="1100" u="none" strike="noStrike">
+                          <a:effectLst/>
+                        </a:rPr>
+                        <a:t>IN2</a:t>
+                      </a:r>
+                      <a:endParaRPr lang="en-US" sz="1100" b="1" i="0" u="none" strike="noStrike">
+                        <a:solidFill>
+                          <a:srgbClr val="000000"/>
+                        </a:solidFill>
+                        <a:effectLst/>
+                        <a:latin typeface="Calibri" panose="020F0502020204030204" pitchFamily="34" charset="0"/>
+                      </a:endParaRPr>
+                    </a:p>
+                  </a:txBody>
+                  <a:tcPr marL="9525" marR="9525" marT="9525" marB="0" anchor="ctr"/>
+                </a:tc>
+                <a:tc>
+                  <a:txBody>
+                    <a:bodyPr/>
+                    <a:lstStyle/>
+                    <a:p>
+                      <a:pPr algn="ctr" fontAlgn="ctr"/>
+                      <a:r>
+                        <a:rPr lang="en-US" sz="1100" u="none" strike="noStrike">
+                          <a:effectLst/>
+                        </a:rPr>
+                        <a:t>ENB</a:t>
+                      </a:r>
+                      <a:endParaRPr lang="en-US" sz="1100" b="1" i="0" u="none" strike="noStrike">
+                        <a:solidFill>
+                          <a:srgbClr val="000000"/>
+                        </a:solidFill>
+                        <a:effectLst/>
+                        <a:latin typeface="Calibri" panose="020F0502020204030204" pitchFamily="34" charset="0"/>
+                      </a:endParaRPr>
+                    </a:p>
+                  </a:txBody>
+                  <a:tcPr marL="9525" marR="9525" marT="9525" marB="0" anchor="ctr"/>
+                </a:tc>
+                <a:tc>
+                  <a:txBody>
+                    <a:bodyPr/>
+                    <a:lstStyle/>
+                    <a:p>
+                      <a:pPr algn="ctr" fontAlgn="ctr"/>
+                      <a:r>
+                        <a:rPr lang="en-US" sz="1100" u="none" strike="noStrike">
+                          <a:effectLst/>
+                        </a:rPr>
+                        <a:t>IN3</a:t>
+                      </a:r>
+                      <a:endParaRPr lang="en-US" sz="1100" b="1" i="0" u="none" strike="noStrike">
+                        <a:solidFill>
+                          <a:srgbClr val="000000"/>
+                        </a:solidFill>
+                        <a:effectLst/>
+                        <a:latin typeface="Calibri" panose="020F0502020204030204" pitchFamily="34" charset="0"/>
+                      </a:endParaRPr>
+                    </a:p>
+                  </a:txBody>
+                  <a:tcPr marL="9525" marR="9525" marT="9525" marB="0" anchor="ctr"/>
+                </a:tc>
+                <a:tc>
+                  <a:txBody>
+                    <a:bodyPr/>
+                    <a:lstStyle/>
+                    <a:p>
+                      <a:pPr algn="ctr" fontAlgn="ctr"/>
+                      <a:r>
+                        <a:rPr lang="en-US" sz="1100" u="none" strike="noStrike">
+                          <a:effectLst/>
+                        </a:rPr>
+                        <a:t>IN4</a:t>
+                      </a:r>
+                      <a:endParaRPr lang="en-US" sz="1100" b="1" i="0" u="none" strike="noStrike">
+                        <a:solidFill>
+                          <a:srgbClr val="000000"/>
+                        </a:solidFill>
+                        <a:effectLst/>
+                        <a:latin typeface="Calibri" panose="020F0502020204030204" pitchFamily="34" charset="0"/>
+                      </a:endParaRPr>
+                    </a:p>
+                  </a:txBody>
+                  <a:tcPr marL="9525" marR="9525" marT="9525" marB="0" anchor="ctr"/>
+                </a:tc>
+                <a:tc vMerge="1">
+                  <a:txBody>
+                    <a:bodyPr/>
+                    <a:lstStyle/>
+                    <a:p>
+                      <a:endParaRPr lang="en-US"/>
+                    </a:p>
+                  </a:txBody>
+                  <a:tcPr/>
+                </a:tc>
+                <a:extLst>
+                  <a:ext uri="{0D108BD9-81ED-4DB2-BD59-A6C34878D82A}">
+                    <a16:rowId xmlns:a16="http://schemas.microsoft.com/office/drawing/2014/main" val="158617822"/>
+                  </a:ext>
+                </a:extLst>
+              </a:tr>
+              <a:tr h="190500">
+                <a:tc>
+                  <a:txBody>
+                    <a:bodyPr/>
+                    <a:lstStyle/>
+                    <a:p>
+                      <a:pPr algn="ctr" fontAlgn="ctr"/>
+                      <a:r>
+                        <a:rPr lang="en-US" sz="1100" u="none" strike="noStrike">
+                          <a:effectLst/>
+                        </a:rPr>
+                        <a:t>0</a:t>
+                      </a:r>
+                      <a:endParaRPr lang="en-US" sz="1100" b="1" i="0" u="none" strike="noStrike">
+                        <a:solidFill>
+                          <a:srgbClr val="000000"/>
+                        </a:solidFill>
+                        <a:effectLst/>
+                        <a:latin typeface="Calibri" panose="020F0502020204030204" pitchFamily="34" charset="0"/>
+                      </a:endParaRPr>
+                    </a:p>
+                  </a:txBody>
+                  <a:tcPr marL="9525" marR="9525" marT="9525" marB="0" anchor="ctr"/>
+                </a:tc>
+                <a:tc>
+                  <a:txBody>
+                    <a:bodyPr/>
+                    <a:lstStyle/>
+                    <a:p>
+                      <a:pPr algn="ctr" fontAlgn="ctr"/>
+                      <a:r>
+                        <a:rPr lang="en-US" sz="1100" u="none" strike="noStrike">
+                          <a:effectLst/>
+                        </a:rPr>
+                        <a:t>N/A</a:t>
+                      </a:r>
+                      <a:endParaRPr lang="en-US" sz="1100" b="1" i="0" u="none" strike="noStrike">
+                        <a:solidFill>
+                          <a:srgbClr val="000000"/>
+                        </a:solidFill>
+                        <a:effectLst/>
+                        <a:latin typeface="Calibri" panose="020F0502020204030204" pitchFamily="34" charset="0"/>
+                      </a:endParaRPr>
+                    </a:p>
+                  </a:txBody>
+                  <a:tcPr marL="9525" marR="9525" marT="9525" marB="0" anchor="ctr"/>
+                </a:tc>
+                <a:tc>
+                  <a:txBody>
+                    <a:bodyPr/>
+                    <a:lstStyle/>
+                    <a:p>
+                      <a:pPr algn="ctr" fontAlgn="ctr"/>
+                      <a:r>
+                        <a:rPr lang="en-US" sz="1100" u="none" strike="noStrike">
+                          <a:effectLst/>
+                        </a:rPr>
+                        <a:t>N/A</a:t>
+                      </a:r>
+                      <a:endParaRPr lang="en-US" sz="1100" b="1" i="0" u="none" strike="noStrike">
+                        <a:solidFill>
+                          <a:srgbClr val="000000"/>
+                        </a:solidFill>
+                        <a:effectLst/>
+                        <a:latin typeface="Calibri" panose="020F0502020204030204" pitchFamily="34" charset="0"/>
+                      </a:endParaRPr>
+                    </a:p>
+                  </a:txBody>
+                  <a:tcPr marL="9525" marR="9525" marT="9525" marB="0" anchor="ctr"/>
+                </a:tc>
+                <a:tc>
+                  <a:txBody>
+                    <a:bodyPr/>
+                    <a:lstStyle/>
+                    <a:p>
+                      <a:pPr algn="ctr" fontAlgn="ctr"/>
+                      <a:r>
+                        <a:rPr lang="en-US" sz="1100" u="none" strike="noStrike">
+                          <a:effectLst/>
+                        </a:rPr>
+                        <a:t>0</a:t>
+                      </a:r>
+                      <a:endParaRPr lang="en-US" sz="1100" b="1" i="0" u="none" strike="noStrike">
+                        <a:solidFill>
+                          <a:srgbClr val="000000"/>
+                        </a:solidFill>
+                        <a:effectLst/>
+                        <a:latin typeface="Calibri" panose="020F0502020204030204" pitchFamily="34" charset="0"/>
+                      </a:endParaRPr>
+                    </a:p>
+                  </a:txBody>
+                  <a:tcPr marL="9525" marR="9525" marT="9525" marB="0" anchor="ctr"/>
+                </a:tc>
+                <a:tc>
+                  <a:txBody>
+                    <a:bodyPr/>
+                    <a:lstStyle/>
+                    <a:p>
+                      <a:pPr algn="ctr" fontAlgn="ctr"/>
+                      <a:r>
+                        <a:rPr lang="en-US" sz="1100" u="none" strike="noStrike">
+                          <a:effectLst/>
+                        </a:rPr>
+                        <a:t>N/A</a:t>
+                      </a:r>
+                      <a:endParaRPr lang="en-US" sz="1100" b="1" i="0" u="none" strike="noStrike">
+                        <a:solidFill>
+                          <a:srgbClr val="000000"/>
+                        </a:solidFill>
+                        <a:effectLst/>
+                        <a:latin typeface="Calibri" panose="020F0502020204030204" pitchFamily="34" charset="0"/>
+                      </a:endParaRPr>
+                    </a:p>
+                  </a:txBody>
+                  <a:tcPr marL="9525" marR="9525" marT="9525" marB="0" anchor="ctr"/>
+                </a:tc>
+                <a:tc>
+                  <a:txBody>
+                    <a:bodyPr/>
+                    <a:lstStyle/>
+                    <a:p>
+                      <a:pPr algn="ctr" fontAlgn="ctr"/>
+                      <a:r>
+                        <a:rPr lang="en-US" sz="1100" u="none" strike="noStrike">
+                          <a:effectLst/>
+                        </a:rPr>
+                        <a:t>N/A</a:t>
+                      </a:r>
+                      <a:endParaRPr lang="en-US" sz="1100" b="1" i="0" u="none" strike="noStrike">
+                        <a:solidFill>
+                          <a:srgbClr val="000000"/>
+                        </a:solidFill>
+                        <a:effectLst/>
+                        <a:latin typeface="Calibri" panose="020F0502020204030204" pitchFamily="34" charset="0"/>
+                      </a:endParaRPr>
+                    </a:p>
+                  </a:txBody>
+                  <a:tcPr marL="9525" marR="9525" marT="9525" marB="0" anchor="ctr"/>
+                </a:tc>
+                <a:tc>
+                  <a:txBody>
+                    <a:bodyPr/>
+                    <a:lstStyle/>
+                    <a:p>
+                      <a:pPr algn="ctr" fontAlgn="ctr"/>
+                      <a:r>
+                        <a:rPr lang="en-US" sz="1100" u="none" strike="noStrike">
+                          <a:effectLst/>
+                        </a:rPr>
+                        <a:t>Motors are off</a:t>
+                      </a:r>
+                      <a:endParaRPr lang="en-US" sz="1100" b="1" i="0" u="none" strike="noStrike">
+                        <a:solidFill>
+                          <a:srgbClr val="000000"/>
+                        </a:solidFill>
+                        <a:effectLst/>
+                        <a:latin typeface="Calibri" panose="020F0502020204030204" pitchFamily="34" charset="0"/>
+                      </a:endParaRPr>
+                    </a:p>
+                  </a:txBody>
+                  <a:tcPr marL="9525" marR="9525" marT="9525" marB="0" anchor="ctr"/>
+                </a:tc>
+                <a:extLst>
+                  <a:ext uri="{0D108BD9-81ED-4DB2-BD59-A6C34878D82A}">
+                    <a16:rowId xmlns:a16="http://schemas.microsoft.com/office/drawing/2014/main" val="3409469534"/>
+                  </a:ext>
+                </a:extLst>
+              </a:tr>
+              <a:tr h="190500">
+                <a:tc>
+                  <a:txBody>
+                    <a:bodyPr/>
+                    <a:lstStyle/>
+                    <a:p>
+                      <a:pPr algn="ctr" fontAlgn="ctr"/>
+                      <a:r>
+                        <a:rPr lang="en-US" sz="1100" u="none" strike="noStrike">
+                          <a:effectLst/>
+                        </a:rPr>
+                        <a:t>1</a:t>
+                      </a:r>
+                      <a:endParaRPr lang="en-US" sz="1100" b="1" i="0" u="none" strike="noStrike">
+                        <a:solidFill>
+                          <a:srgbClr val="000000"/>
+                        </a:solidFill>
+                        <a:effectLst/>
+                        <a:latin typeface="Calibri" panose="020F0502020204030204" pitchFamily="34" charset="0"/>
+                      </a:endParaRPr>
+                    </a:p>
+                  </a:txBody>
+                  <a:tcPr marL="9525" marR="9525" marT="9525" marB="0" anchor="ctr"/>
+                </a:tc>
+                <a:tc>
+                  <a:txBody>
+                    <a:bodyPr/>
+                    <a:lstStyle/>
+                    <a:p>
+                      <a:pPr algn="ctr" fontAlgn="ctr"/>
+                      <a:r>
+                        <a:rPr lang="en-US" sz="1100" u="none" strike="noStrike">
+                          <a:effectLst/>
+                        </a:rPr>
+                        <a:t>1</a:t>
+                      </a:r>
+                      <a:endParaRPr lang="en-US" sz="1100" b="1" i="0" u="none" strike="noStrike">
+                        <a:solidFill>
+                          <a:srgbClr val="000000"/>
+                        </a:solidFill>
+                        <a:effectLst/>
+                        <a:latin typeface="Calibri" panose="020F0502020204030204" pitchFamily="34" charset="0"/>
+                      </a:endParaRPr>
+                    </a:p>
+                  </a:txBody>
+                  <a:tcPr marL="9525" marR="9525" marT="9525" marB="0" anchor="ctr"/>
+                </a:tc>
+                <a:tc>
+                  <a:txBody>
+                    <a:bodyPr/>
+                    <a:lstStyle/>
+                    <a:p>
+                      <a:pPr algn="ctr" fontAlgn="ctr"/>
+                      <a:r>
+                        <a:rPr lang="en-US" sz="1100" u="none" strike="noStrike">
+                          <a:effectLst/>
+                        </a:rPr>
+                        <a:t>0</a:t>
+                      </a:r>
+                      <a:endParaRPr lang="en-US" sz="1100" b="1" i="0" u="none" strike="noStrike">
+                        <a:solidFill>
+                          <a:srgbClr val="000000"/>
+                        </a:solidFill>
+                        <a:effectLst/>
+                        <a:latin typeface="Calibri" panose="020F0502020204030204" pitchFamily="34" charset="0"/>
+                      </a:endParaRPr>
+                    </a:p>
+                  </a:txBody>
+                  <a:tcPr marL="9525" marR="9525" marT="9525" marB="0" anchor="ctr"/>
+                </a:tc>
+                <a:tc>
+                  <a:txBody>
+                    <a:bodyPr/>
+                    <a:lstStyle/>
+                    <a:p>
+                      <a:pPr algn="ctr" fontAlgn="ctr"/>
+                      <a:r>
+                        <a:rPr lang="en-US" sz="1100" u="none" strike="noStrike">
+                          <a:effectLst/>
+                        </a:rPr>
+                        <a:t>1</a:t>
+                      </a:r>
+                      <a:endParaRPr lang="en-US" sz="1100" b="1" i="0" u="none" strike="noStrike">
+                        <a:solidFill>
+                          <a:srgbClr val="000000"/>
+                        </a:solidFill>
+                        <a:effectLst/>
+                        <a:latin typeface="Calibri" panose="020F0502020204030204" pitchFamily="34" charset="0"/>
+                      </a:endParaRPr>
+                    </a:p>
+                  </a:txBody>
+                  <a:tcPr marL="9525" marR="9525" marT="9525" marB="0" anchor="ctr"/>
+                </a:tc>
+                <a:tc>
+                  <a:txBody>
+                    <a:bodyPr/>
+                    <a:lstStyle/>
+                    <a:p>
+                      <a:pPr algn="ctr" fontAlgn="ctr"/>
+                      <a:r>
+                        <a:rPr lang="en-US" sz="1100" u="none" strike="noStrike">
+                          <a:effectLst/>
+                        </a:rPr>
+                        <a:t>1</a:t>
+                      </a:r>
+                      <a:endParaRPr lang="en-US" sz="1100" b="1" i="0" u="none" strike="noStrike">
+                        <a:solidFill>
+                          <a:srgbClr val="000000"/>
+                        </a:solidFill>
+                        <a:effectLst/>
+                        <a:latin typeface="Calibri" panose="020F0502020204030204" pitchFamily="34" charset="0"/>
+                      </a:endParaRPr>
+                    </a:p>
+                  </a:txBody>
+                  <a:tcPr marL="9525" marR="9525" marT="9525" marB="0" anchor="ctr"/>
+                </a:tc>
+                <a:tc>
+                  <a:txBody>
+                    <a:bodyPr/>
+                    <a:lstStyle/>
+                    <a:p>
+                      <a:pPr algn="ctr" fontAlgn="ctr"/>
+                      <a:r>
+                        <a:rPr lang="en-US" sz="1100" u="none" strike="noStrike">
+                          <a:effectLst/>
+                        </a:rPr>
+                        <a:t>0</a:t>
+                      </a:r>
+                      <a:endParaRPr lang="en-US" sz="1100" b="1" i="0" u="none" strike="noStrike">
+                        <a:solidFill>
+                          <a:srgbClr val="000000"/>
+                        </a:solidFill>
+                        <a:effectLst/>
+                        <a:latin typeface="Calibri" panose="020F0502020204030204" pitchFamily="34" charset="0"/>
+                      </a:endParaRPr>
+                    </a:p>
+                  </a:txBody>
+                  <a:tcPr marL="9525" marR="9525" marT="9525" marB="0" anchor="ctr"/>
+                </a:tc>
+                <a:tc>
+                  <a:txBody>
+                    <a:bodyPr/>
+                    <a:lstStyle/>
+                    <a:p>
+                      <a:pPr algn="ctr" fontAlgn="ctr"/>
+                      <a:r>
+                        <a:rPr lang="en-US" sz="1100" u="none" strike="noStrike" dirty="0">
+                          <a:effectLst/>
+                        </a:rPr>
+                        <a:t>Both motors move forwards</a:t>
+                      </a:r>
+                      <a:endParaRPr lang="en-US" sz="1100" b="1" i="0" u="none" strike="noStrike" dirty="0">
+                        <a:solidFill>
+                          <a:srgbClr val="000000"/>
+                        </a:solidFill>
+                        <a:effectLst/>
+                        <a:latin typeface="Calibri" panose="020F0502020204030204" pitchFamily="34" charset="0"/>
+                      </a:endParaRPr>
+                    </a:p>
+                  </a:txBody>
+                  <a:tcPr marL="9525" marR="9525" marT="9525" marB="0" anchor="ctr"/>
+                </a:tc>
+                <a:extLst>
+                  <a:ext uri="{0D108BD9-81ED-4DB2-BD59-A6C34878D82A}">
+                    <a16:rowId xmlns:a16="http://schemas.microsoft.com/office/drawing/2014/main" val="2394414950"/>
+                  </a:ext>
+                </a:extLst>
+              </a:tr>
+            </a:tbl>
+          </a:graphicData>
+        </a:graphic>
+      </p:graphicFrame>
+    </p:spTree>
+    <p:extLst>
+      <p:ext uri="{BB962C8B-B14F-4D97-AF65-F5344CB8AC3E}">
+        <p14:creationId xmlns:p14="http://schemas.microsoft.com/office/powerpoint/2010/main" val="100287758"/>
+      </p:ext>
+    </p:extLst>
+  </p:cSld>
+  <p:clrMapOvr>
+    <a:masterClrMapping/>
+  </p:clrMapOvr>
+</p:sld>
+</file>
+
+<file path=ppt/slides/slide29.xml><?xml version="1.0" encoding="utf-8"?>
+<p:sld xmlns:a="http://schemas.openxmlformats.org/drawingml/2006/main" xmlns:r="http://schemas.openxmlformats.org/officeDocument/2006/relationships" xmlns:p="http://schemas.openxmlformats.org/presentationml/2006/main">
+  <p:cSld>
+    <p:bg>
+      <p:bgPr>
+        <a:blipFill>
+          <a:blip r:embed="rId3">
+            <a:alphaModFix/>
+          </a:blip>
+          <a:stretch>
+            <a:fillRect/>
+          </a:stretch>
+        </a:blipFill>
+        <a:effectLst/>
+      </p:bgPr>
+    </p:bg>
+    <p:spTree>
+      <p:nvGrpSpPr>
+        <p:cNvPr id="1" name="Shape 156"/>
+        <p:cNvGrpSpPr/>
+        <p:nvPr/>
+      </p:nvGrpSpPr>
+      <p:grpSpPr>
+        <a:xfrm>
+          <a:off x="0" y="0"/>
+          <a:ext cx="0" cy="0"/>
+          <a:chOff x="0" y="0"/>
+          <a:chExt cx="0" cy="0"/>
+        </a:xfrm>
+      </p:grpSpPr>
+      <p:sp>
+        <p:nvSpPr>
+          <p:cNvPr id="4" name="Title 3">
+            <a:extLst>
+              <a:ext uri="{FF2B5EF4-FFF2-40B4-BE49-F238E27FC236}">
+                <a16:creationId xmlns:a16="http://schemas.microsoft.com/office/drawing/2014/main" id="{06F0BFA1-3F70-4F61-9602-1604E1443CE2}"/>
+              </a:ext>
+            </a:extLst>
+          </p:cNvPr>
+          <p:cNvSpPr>
+            <a:spLocks noGrp="1"/>
+          </p:cNvSpPr>
+          <p:nvPr>
+            <p:ph type="title"/>
+          </p:nvPr>
+        </p:nvSpPr>
+        <p:spPr/>
+        <p:txBody>
+          <a:bodyPr/>
+          <a:lstStyle/>
+          <a:p>
+            <a:endParaRPr lang="en-US"/>
+          </a:p>
+        </p:txBody>
+      </p:sp>
+      <p:sp>
+        <p:nvSpPr>
+          <p:cNvPr id="3" name="Title 2">
+            <a:extLst>
+              <a:ext uri="{FF2B5EF4-FFF2-40B4-BE49-F238E27FC236}">
+                <a16:creationId xmlns:a16="http://schemas.microsoft.com/office/drawing/2014/main" id="{1A9970CB-C462-4016-A952-FEB1BDE4A78B}"/>
+              </a:ext>
+            </a:extLst>
+          </p:cNvPr>
+          <p:cNvSpPr txBox="1">
+            <a:spLocks/>
+          </p:cNvSpPr>
+          <p:nvPr/>
+        </p:nvSpPr>
+        <p:spPr>
+          <a:xfrm>
+            <a:off x="362493" y="66798"/>
+            <a:ext cx="8170818" cy="540626"/>
+          </a:xfrm>
+          <a:prstGeom prst="rect">
+            <a:avLst/>
+          </a:prstGeom>
+          <a:noFill/>
+          <a:ln>
+            <a:noFill/>
+          </a:ln>
+        </p:spPr>
+        <p:txBody>
+          <a:bodyPr wrap="square" lIns="91425" tIns="91425" rIns="91425" bIns="91425" anchor="ctr" anchorCtr="0"/>
+          <a:lstStyle>
+            <a:defPPr marR="0" lvl="0" algn="l" rtl="0">
+              <a:lnSpc>
+                <a:spcPct val="100000"/>
+              </a:lnSpc>
+              <a:spcBef>
+                <a:spcPts val="0"/>
+              </a:spcBef>
+              <a:spcAft>
+                <a:spcPts val="0"/>
+              </a:spcAft>
+            </a:defPPr>
+            <a:lvl1pPr marL="0" marR="0" lvl="0" indent="0" algn="ctr" rtl="0">
+              <a:lnSpc>
+                <a:spcPct val="100000"/>
+              </a:lnSpc>
+              <a:spcBef>
+                <a:spcPts val="0"/>
+              </a:spcBef>
+              <a:spcAft>
+                <a:spcPts val="0"/>
+              </a:spcAft>
+              <a:buClr>
+                <a:schemeClr val="dk1"/>
+              </a:buClr>
+              <a:buFont typeface="Calibri"/>
+              <a:buNone/>
+              <a:defRPr sz="4400" b="0" i="0" u="none" strike="noStrike" cap="none">
+                <a:solidFill>
+                  <a:schemeClr val="dk1"/>
+                </a:solidFill>
+                <a:latin typeface="Calibri"/>
+                <a:ea typeface="Calibri"/>
+                <a:cs typeface="Calibri"/>
+                <a:sym typeface="Calibri"/>
+              </a:defRPr>
+            </a:lvl1pPr>
+            <a:lvl2pPr lvl="1" indent="0" rtl="0">
+              <a:spcBef>
+                <a:spcPts val="0"/>
+              </a:spcBef>
+              <a:buNone/>
+              <a:defRPr sz="1800"/>
+            </a:lvl2pPr>
+            <a:lvl3pPr lvl="2" indent="0" rtl="0">
+              <a:spcBef>
+                <a:spcPts val="0"/>
+              </a:spcBef>
+              <a:buNone/>
+              <a:defRPr sz="1800"/>
+            </a:lvl3pPr>
+            <a:lvl4pPr lvl="3" indent="0" rtl="0">
+              <a:spcBef>
+                <a:spcPts val="0"/>
+              </a:spcBef>
+              <a:buNone/>
+              <a:defRPr sz="1800"/>
+            </a:lvl4pPr>
+            <a:lvl5pPr lvl="4" indent="0" rtl="0">
+              <a:spcBef>
+                <a:spcPts val="0"/>
+              </a:spcBef>
+              <a:buNone/>
+              <a:defRPr sz="1800"/>
+            </a:lvl5pPr>
+            <a:lvl6pPr lvl="5" indent="0" rtl="0">
+              <a:spcBef>
+                <a:spcPts val="0"/>
+              </a:spcBef>
+              <a:buNone/>
+              <a:defRPr sz="1800"/>
+            </a:lvl6pPr>
+            <a:lvl7pPr lvl="6" indent="0" rtl="0">
+              <a:spcBef>
+                <a:spcPts val="0"/>
+              </a:spcBef>
+              <a:buNone/>
+              <a:defRPr sz="1800"/>
+            </a:lvl7pPr>
+            <a:lvl8pPr lvl="7" indent="0" rtl="0">
+              <a:spcBef>
+                <a:spcPts val="0"/>
+              </a:spcBef>
+              <a:buNone/>
+              <a:defRPr sz="1800"/>
+            </a:lvl8pPr>
+            <a:lvl9pPr lvl="8" indent="0" rtl="0">
+              <a:spcBef>
+                <a:spcPts val="0"/>
+              </a:spcBef>
+              <a:buNone/>
+              <a:defRPr sz="1800"/>
+            </a:lvl9pPr>
+          </a:lstStyle>
+          <a:p>
+            <a:r>
+              <a:rPr lang="en-US" sz="3200">
+                <a:solidFill>
+                  <a:schemeClr val="bg1"/>
+                </a:solidFill>
+              </a:rPr>
+              <a:t>Python script – motor driver test</a:t>
+            </a:r>
+            <a:endParaRPr lang="en-US" sz="3200" dirty="0">
+              <a:solidFill>
+                <a:schemeClr val="bg1"/>
+              </a:solidFill>
+            </a:endParaRPr>
+          </a:p>
+        </p:txBody>
+      </p:sp>
+      <p:pic>
+        <p:nvPicPr>
+          <p:cNvPr id="5" name="Picture 4">
+            <a:extLst>
+              <a:ext uri="{FF2B5EF4-FFF2-40B4-BE49-F238E27FC236}">
+                <a16:creationId xmlns:a16="http://schemas.microsoft.com/office/drawing/2014/main" id="{F76064F4-EAA1-48EF-B111-0CFBD3C7D94A}"/>
+              </a:ext>
+            </a:extLst>
+          </p:cNvPr>
+          <p:cNvPicPr>
+            <a:picLocks noChangeAspect="1"/>
+          </p:cNvPicPr>
+          <p:nvPr/>
+        </p:nvPicPr>
+        <p:blipFill>
+          <a:blip r:embed="rId4"/>
+          <a:stretch>
+            <a:fillRect/>
+          </a:stretch>
+        </p:blipFill>
+        <p:spPr>
+          <a:xfrm>
+            <a:off x="1276566" y="803416"/>
+            <a:ext cx="2667015" cy="1885924"/>
+          </a:xfrm>
+          <a:prstGeom prst="rect">
+            <a:avLst/>
+          </a:prstGeom>
+        </p:spPr>
+      </p:pic>
+      <p:pic>
+        <p:nvPicPr>
+          <p:cNvPr id="6" name="Picture 5">
+            <a:extLst>
+              <a:ext uri="{FF2B5EF4-FFF2-40B4-BE49-F238E27FC236}">
+                <a16:creationId xmlns:a16="http://schemas.microsoft.com/office/drawing/2014/main" id="{6007658C-B382-4DE4-9B80-C508A1A3371F}"/>
+              </a:ext>
+            </a:extLst>
+          </p:cNvPr>
+          <p:cNvPicPr>
+            <a:picLocks noChangeAspect="1"/>
+          </p:cNvPicPr>
+          <p:nvPr/>
+        </p:nvPicPr>
+        <p:blipFill>
+          <a:blip r:embed="rId5"/>
+          <a:stretch>
+            <a:fillRect/>
+          </a:stretch>
+        </p:blipFill>
+        <p:spPr>
+          <a:xfrm>
+            <a:off x="5200419" y="803417"/>
+            <a:ext cx="2667015" cy="1885923"/>
+          </a:xfrm>
+          <a:prstGeom prst="rect">
+            <a:avLst/>
+          </a:prstGeom>
+        </p:spPr>
+      </p:pic>
+      <p:pic>
+        <p:nvPicPr>
+          <p:cNvPr id="7" name="Picture 6">
+            <a:extLst>
+              <a:ext uri="{FF2B5EF4-FFF2-40B4-BE49-F238E27FC236}">
+                <a16:creationId xmlns:a16="http://schemas.microsoft.com/office/drawing/2014/main" id="{00123B93-2C71-4054-9FA8-372E2DDC5BD3}"/>
+              </a:ext>
+            </a:extLst>
+          </p:cNvPr>
+          <p:cNvPicPr>
+            <a:picLocks noChangeAspect="1"/>
+          </p:cNvPicPr>
+          <p:nvPr/>
+        </p:nvPicPr>
+        <p:blipFill>
+          <a:blip r:embed="rId6"/>
+          <a:stretch>
+            <a:fillRect/>
+          </a:stretch>
+        </p:blipFill>
+        <p:spPr>
+          <a:xfrm>
+            <a:off x="1266002" y="3058367"/>
+            <a:ext cx="2603861" cy="1885924"/>
+          </a:xfrm>
+          <a:prstGeom prst="rect">
+            <a:avLst/>
+          </a:prstGeom>
+        </p:spPr>
+      </p:pic>
+      <p:pic>
+        <p:nvPicPr>
+          <p:cNvPr id="8" name="Picture 7">
+            <a:extLst>
+              <a:ext uri="{FF2B5EF4-FFF2-40B4-BE49-F238E27FC236}">
+                <a16:creationId xmlns:a16="http://schemas.microsoft.com/office/drawing/2014/main" id="{CD275E15-A4ED-4484-8636-472B3B07273A}"/>
+              </a:ext>
+            </a:extLst>
+          </p:cNvPr>
+          <p:cNvPicPr>
+            <a:picLocks noChangeAspect="1"/>
+          </p:cNvPicPr>
+          <p:nvPr/>
+        </p:nvPicPr>
+        <p:blipFill>
+          <a:blip r:embed="rId7"/>
+          <a:stretch>
+            <a:fillRect/>
+          </a:stretch>
+        </p:blipFill>
+        <p:spPr>
+          <a:xfrm>
+            <a:off x="5204957" y="3058367"/>
+            <a:ext cx="2657937" cy="1885923"/>
+          </a:xfrm>
+          <a:prstGeom prst="rect">
+            <a:avLst/>
+          </a:prstGeom>
+        </p:spPr>
+      </p:pic>
+    </p:spTree>
+    <p:extLst>
+      <p:ext uri="{BB962C8B-B14F-4D97-AF65-F5344CB8AC3E}">
+        <p14:creationId xmlns:p14="http://schemas.microsoft.com/office/powerpoint/2010/main" val="3840724039"/>
+      </p:ext>
+    </p:extLst>
+  </p:cSld>
+  <p:clrMapOvr>
+    <a:masterClrMapping/>
+  </p:clrMapOvr>
 </p:sld>
 </file>
 
@@ -17784,6 +22933,1150 @@
               </a:rPr>
               <a:t>Introduction To Robotics</a:t>
             </a:r>
+          </a:p>
+        </p:txBody>
+      </p:sp>
+    </p:spTree>
+  </p:cSld>
+  <p:clrMapOvr>
+    <a:masterClrMapping/>
+  </p:clrMapOvr>
+</p:sld>
+</file>
+
+<file path=ppt/slides/slide30.xml><?xml version="1.0" encoding="utf-8"?>
+<p:sld xmlns:a="http://schemas.openxmlformats.org/drawingml/2006/main" xmlns:r="http://schemas.openxmlformats.org/officeDocument/2006/relationships" xmlns:p="http://schemas.openxmlformats.org/presentationml/2006/main">
+  <p:cSld>
+    <p:bg>
+      <p:bgPr>
+        <a:blipFill>
+          <a:blip r:embed="rId3">
+            <a:alphaModFix/>
+          </a:blip>
+          <a:stretch>
+            <a:fillRect/>
+          </a:stretch>
+        </a:blipFill>
+        <a:effectLst/>
+      </p:bgPr>
+    </p:bg>
+    <p:spTree>
+      <p:nvGrpSpPr>
+        <p:cNvPr id="1" name="Shape 156"/>
+        <p:cNvGrpSpPr/>
+        <p:nvPr/>
+      </p:nvGrpSpPr>
+      <p:grpSpPr>
+        <a:xfrm>
+          <a:off x="0" y="0"/>
+          <a:ext cx="0" cy="0"/>
+          <a:chOff x="0" y="0"/>
+          <a:chExt cx="0" cy="0"/>
+        </a:xfrm>
+      </p:grpSpPr>
+      <p:sp>
+        <p:nvSpPr>
+          <p:cNvPr id="4" name="Title 3">
+            <a:extLst>
+              <a:ext uri="{FF2B5EF4-FFF2-40B4-BE49-F238E27FC236}">
+                <a16:creationId xmlns:a16="http://schemas.microsoft.com/office/drawing/2014/main" id="{06F0BFA1-3F70-4F61-9602-1604E1443CE2}"/>
+              </a:ext>
+            </a:extLst>
+          </p:cNvPr>
+          <p:cNvSpPr>
+            <a:spLocks noGrp="1"/>
+          </p:cNvSpPr>
+          <p:nvPr>
+            <p:ph type="title"/>
+          </p:nvPr>
+        </p:nvSpPr>
+        <p:spPr/>
+        <p:txBody>
+          <a:bodyPr/>
+          <a:lstStyle/>
+          <a:p>
+            <a:endParaRPr lang="en-US"/>
+          </a:p>
+        </p:txBody>
+      </p:sp>
+      <p:sp>
+        <p:nvSpPr>
+          <p:cNvPr id="3" name="Title 2">
+            <a:extLst>
+              <a:ext uri="{FF2B5EF4-FFF2-40B4-BE49-F238E27FC236}">
+                <a16:creationId xmlns:a16="http://schemas.microsoft.com/office/drawing/2014/main" id="{D85E1EA3-0DFC-484A-91A4-324C8B9EF95A}"/>
+              </a:ext>
+            </a:extLst>
+          </p:cNvPr>
+          <p:cNvSpPr txBox="1">
+            <a:spLocks/>
+          </p:cNvSpPr>
+          <p:nvPr/>
+        </p:nvSpPr>
+        <p:spPr>
+          <a:xfrm>
+            <a:off x="362493" y="66798"/>
+            <a:ext cx="8170818" cy="540626"/>
+          </a:xfrm>
+          <a:prstGeom prst="rect">
+            <a:avLst/>
+          </a:prstGeom>
+          <a:noFill/>
+          <a:ln>
+            <a:noFill/>
+          </a:ln>
+        </p:spPr>
+        <p:txBody>
+          <a:bodyPr wrap="square" lIns="91425" tIns="91425" rIns="91425" bIns="91425" anchor="ctr" anchorCtr="0"/>
+          <a:lstStyle>
+            <a:defPPr marR="0" lvl="0" algn="l" rtl="0">
+              <a:lnSpc>
+                <a:spcPct val="100000"/>
+              </a:lnSpc>
+              <a:spcBef>
+                <a:spcPts val="0"/>
+              </a:spcBef>
+              <a:spcAft>
+                <a:spcPts val="0"/>
+              </a:spcAft>
+            </a:defPPr>
+            <a:lvl1pPr marL="0" marR="0" lvl="0" indent="0" algn="ctr" rtl="0">
+              <a:lnSpc>
+                <a:spcPct val="100000"/>
+              </a:lnSpc>
+              <a:spcBef>
+                <a:spcPts val="0"/>
+              </a:spcBef>
+              <a:spcAft>
+                <a:spcPts val="0"/>
+              </a:spcAft>
+              <a:buClr>
+                <a:schemeClr val="dk1"/>
+              </a:buClr>
+              <a:buFont typeface="Calibri"/>
+              <a:buNone/>
+              <a:defRPr sz="4400" b="0" i="0" u="none" strike="noStrike" cap="none">
+                <a:solidFill>
+                  <a:schemeClr val="dk1"/>
+                </a:solidFill>
+                <a:latin typeface="Calibri"/>
+                <a:ea typeface="Calibri"/>
+                <a:cs typeface="Calibri"/>
+                <a:sym typeface="Calibri"/>
+              </a:defRPr>
+            </a:lvl1pPr>
+            <a:lvl2pPr lvl="1" indent="0" rtl="0">
+              <a:spcBef>
+                <a:spcPts val="0"/>
+              </a:spcBef>
+              <a:buNone/>
+              <a:defRPr sz="1800"/>
+            </a:lvl2pPr>
+            <a:lvl3pPr lvl="2" indent="0" rtl="0">
+              <a:spcBef>
+                <a:spcPts val="0"/>
+              </a:spcBef>
+              <a:buNone/>
+              <a:defRPr sz="1800"/>
+            </a:lvl3pPr>
+            <a:lvl4pPr lvl="3" indent="0" rtl="0">
+              <a:spcBef>
+                <a:spcPts val="0"/>
+              </a:spcBef>
+              <a:buNone/>
+              <a:defRPr sz="1800"/>
+            </a:lvl4pPr>
+            <a:lvl5pPr lvl="4" indent="0" rtl="0">
+              <a:spcBef>
+                <a:spcPts val="0"/>
+              </a:spcBef>
+              <a:buNone/>
+              <a:defRPr sz="1800"/>
+            </a:lvl5pPr>
+            <a:lvl6pPr lvl="5" indent="0" rtl="0">
+              <a:spcBef>
+                <a:spcPts val="0"/>
+              </a:spcBef>
+              <a:buNone/>
+              <a:defRPr sz="1800"/>
+            </a:lvl6pPr>
+            <a:lvl7pPr lvl="6" indent="0" rtl="0">
+              <a:spcBef>
+                <a:spcPts val="0"/>
+              </a:spcBef>
+              <a:buNone/>
+              <a:defRPr sz="1800"/>
+            </a:lvl7pPr>
+            <a:lvl8pPr lvl="7" indent="0" rtl="0">
+              <a:spcBef>
+                <a:spcPts val="0"/>
+              </a:spcBef>
+              <a:buNone/>
+              <a:defRPr sz="1800"/>
+            </a:lvl8pPr>
+            <a:lvl9pPr lvl="8" indent="0" rtl="0">
+              <a:spcBef>
+                <a:spcPts val="0"/>
+              </a:spcBef>
+              <a:buNone/>
+              <a:defRPr sz="1800"/>
+            </a:lvl9pPr>
+          </a:lstStyle>
+          <a:p>
+            <a:r>
+              <a:rPr lang="en-US" sz="3200">
+                <a:solidFill>
+                  <a:schemeClr val="bg1"/>
+                </a:solidFill>
+              </a:rPr>
+              <a:t>Python script – Line following test</a:t>
+            </a:r>
+            <a:endParaRPr lang="en-US" sz="3200" dirty="0">
+              <a:solidFill>
+                <a:schemeClr val="bg1"/>
+              </a:solidFill>
+            </a:endParaRPr>
+          </a:p>
+        </p:txBody>
+      </p:sp>
+      <p:pic>
+        <p:nvPicPr>
+          <p:cNvPr id="5" name="Picture 4">
+            <a:extLst>
+              <a:ext uri="{FF2B5EF4-FFF2-40B4-BE49-F238E27FC236}">
+                <a16:creationId xmlns:a16="http://schemas.microsoft.com/office/drawing/2014/main" id="{E4C8B14B-4B0A-4B0A-B258-F88BEC6853ED}"/>
+              </a:ext>
+            </a:extLst>
+          </p:cNvPr>
+          <p:cNvPicPr>
+            <a:picLocks noChangeAspect="1"/>
+          </p:cNvPicPr>
+          <p:nvPr/>
+        </p:nvPicPr>
+        <p:blipFill rotWithShape="1">
+          <a:blip r:embed="rId4"/>
+          <a:srcRect b="68434"/>
+          <a:stretch/>
+        </p:blipFill>
+        <p:spPr>
+          <a:xfrm>
+            <a:off x="427807" y="1170907"/>
+            <a:ext cx="4529547" cy="1156137"/>
+          </a:xfrm>
+          <a:prstGeom prst="rect">
+            <a:avLst/>
+          </a:prstGeom>
+        </p:spPr>
+      </p:pic>
+      <p:graphicFrame>
+        <p:nvGraphicFramePr>
+          <p:cNvPr id="6" name="Table 5">
+            <a:extLst>
+              <a:ext uri="{FF2B5EF4-FFF2-40B4-BE49-F238E27FC236}">
+                <a16:creationId xmlns:a16="http://schemas.microsoft.com/office/drawing/2014/main" id="{8D4606EF-A538-417F-B774-A1B0B0350EEA}"/>
+              </a:ext>
+            </a:extLst>
+          </p:cNvPr>
+          <p:cNvGraphicFramePr>
+            <a:graphicFrameLocks noGrp="1"/>
+          </p:cNvGraphicFramePr>
+          <p:nvPr>
+            <p:extLst>
+              <p:ext uri="{D42A27DB-BD31-4B8C-83A1-F6EECF244321}">
+                <p14:modId xmlns:p14="http://schemas.microsoft.com/office/powerpoint/2010/main" val="2356181627"/>
+              </p:ext>
+            </p:extLst>
+          </p:nvPr>
+        </p:nvGraphicFramePr>
+        <p:xfrm>
+          <a:off x="5679259" y="1446017"/>
+          <a:ext cx="2527300" cy="381000"/>
+        </p:xfrm>
+        <a:graphic>
+          <a:graphicData uri="http://schemas.openxmlformats.org/drawingml/2006/table">
+            <a:tbl>
+              <a:tblPr>
+                <a:tableStyleId>{5C22544A-7EE6-4342-B048-85BDC9FD1C3A}</a:tableStyleId>
+              </a:tblPr>
+              <a:tblGrid>
+                <a:gridCol w="787400">
+                  <a:extLst>
+                    <a:ext uri="{9D8B030D-6E8A-4147-A177-3AD203B41FA5}">
+                      <a16:colId xmlns:a16="http://schemas.microsoft.com/office/drawing/2014/main" val="486230672"/>
+                    </a:ext>
+                  </a:extLst>
+                </a:gridCol>
+                <a:gridCol w="736600">
+                  <a:extLst>
+                    <a:ext uri="{9D8B030D-6E8A-4147-A177-3AD203B41FA5}">
+                      <a16:colId xmlns:a16="http://schemas.microsoft.com/office/drawing/2014/main" val="1996893020"/>
+                    </a:ext>
+                  </a:extLst>
+                </a:gridCol>
+                <a:gridCol w="1003300">
+                  <a:extLst>
+                    <a:ext uri="{9D8B030D-6E8A-4147-A177-3AD203B41FA5}">
+                      <a16:colId xmlns:a16="http://schemas.microsoft.com/office/drawing/2014/main" val="3542474986"/>
+                    </a:ext>
+                  </a:extLst>
+                </a:gridCol>
+              </a:tblGrid>
+              <a:tr h="190500">
+                <a:tc>
+                  <a:txBody>
+                    <a:bodyPr/>
+                    <a:lstStyle/>
+                    <a:p>
+                      <a:pPr algn="ctr" fontAlgn="ctr"/>
+                      <a:r>
+                        <a:rPr lang="en-US" sz="1100" u="none" strike="noStrike" dirty="0">
+                          <a:effectLst/>
+                        </a:rPr>
+                        <a:t>IR 1 (left)</a:t>
+                      </a:r>
+                      <a:endParaRPr lang="en-US" sz="1100" b="1" i="0" u="none" strike="noStrike" dirty="0">
+                        <a:solidFill>
+                          <a:srgbClr val="000000"/>
+                        </a:solidFill>
+                        <a:effectLst/>
+                        <a:latin typeface="Calibri" panose="020F0502020204030204" pitchFamily="34" charset="0"/>
+                      </a:endParaRPr>
+                    </a:p>
+                  </a:txBody>
+                  <a:tcPr marL="9525" marR="9525" marT="9525" marB="0" anchor="ctr"/>
+                </a:tc>
+                <a:tc>
+                  <a:txBody>
+                    <a:bodyPr/>
+                    <a:lstStyle/>
+                    <a:p>
+                      <a:pPr algn="ctr" fontAlgn="ctr"/>
+                      <a:r>
+                        <a:rPr lang="en-US" sz="1100" u="none" strike="noStrike">
+                          <a:effectLst/>
+                        </a:rPr>
+                        <a:t>IR 2 (right)</a:t>
+                      </a:r>
+                      <a:endParaRPr lang="en-US" sz="1100" b="1" i="0" u="none" strike="noStrike">
+                        <a:solidFill>
+                          <a:srgbClr val="000000"/>
+                        </a:solidFill>
+                        <a:effectLst/>
+                        <a:latin typeface="Calibri" panose="020F0502020204030204" pitchFamily="34" charset="0"/>
+                      </a:endParaRPr>
+                    </a:p>
+                  </a:txBody>
+                  <a:tcPr marL="9525" marR="9525" marT="9525" marB="0" anchor="ctr"/>
+                </a:tc>
+                <a:tc>
+                  <a:txBody>
+                    <a:bodyPr/>
+                    <a:lstStyle/>
+                    <a:p>
+                      <a:pPr algn="ctr" fontAlgn="ctr"/>
+                      <a:r>
+                        <a:rPr lang="en-US" sz="1100" u="none" strike="noStrike">
+                          <a:effectLst/>
+                        </a:rPr>
+                        <a:t>driver response</a:t>
+                      </a:r>
+                      <a:endParaRPr lang="en-US" sz="1100" b="1" i="0" u="none" strike="noStrike">
+                        <a:solidFill>
+                          <a:srgbClr val="000000"/>
+                        </a:solidFill>
+                        <a:effectLst/>
+                        <a:latin typeface="Calibri" panose="020F0502020204030204" pitchFamily="34" charset="0"/>
+                      </a:endParaRPr>
+                    </a:p>
+                  </a:txBody>
+                  <a:tcPr marL="9525" marR="9525" marT="9525" marB="0" anchor="ctr"/>
+                </a:tc>
+                <a:extLst>
+                  <a:ext uri="{0D108BD9-81ED-4DB2-BD59-A6C34878D82A}">
+                    <a16:rowId xmlns:a16="http://schemas.microsoft.com/office/drawing/2014/main" val="1178241064"/>
+                  </a:ext>
+                </a:extLst>
+              </a:tr>
+              <a:tr h="190500">
+                <a:tc>
+                  <a:txBody>
+                    <a:bodyPr/>
+                    <a:lstStyle/>
+                    <a:p>
+                      <a:pPr algn="ctr" fontAlgn="ctr"/>
+                      <a:r>
+                        <a:rPr lang="en-US" sz="1100" u="none" strike="noStrike">
+                          <a:effectLst/>
+                        </a:rPr>
+                        <a:t>0</a:t>
+                      </a:r>
+                      <a:endParaRPr lang="en-US" sz="1100" b="1" i="0" u="none" strike="noStrike">
+                        <a:solidFill>
+                          <a:srgbClr val="000000"/>
+                        </a:solidFill>
+                        <a:effectLst/>
+                        <a:latin typeface="Calibri" panose="020F0502020204030204" pitchFamily="34" charset="0"/>
+                      </a:endParaRPr>
+                    </a:p>
+                  </a:txBody>
+                  <a:tcPr marL="9525" marR="9525" marT="9525" marB="0" anchor="ctr"/>
+                </a:tc>
+                <a:tc>
+                  <a:txBody>
+                    <a:bodyPr/>
+                    <a:lstStyle/>
+                    <a:p>
+                      <a:pPr algn="ctr" fontAlgn="ctr"/>
+                      <a:r>
+                        <a:rPr lang="en-US" sz="1100" u="none" strike="noStrike">
+                          <a:effectLst/>
+                        </a:rPr>
+                        <a:t>0</a:t>
+                      </a:r>
+                      <a:endParaRPr lang="en-US" sz="1100" b="1" i="0" u="none" strike="noStrike">
+                        <a:solidFill>
+                          <a:srgbClr val="000000"/>
+                        </a:solidFill>
+                        <a:effectLst/>
+                        <a:latin typeface="Calibri" panose="020F0502020204030204" pitchFamily="34" charset="0"/>
+                      </a:endParaRPr>
+                    </a:p>
+                  </a:txBody>
+                  <a:tcPr marL="9525" marR="9525" marT="9525" marB="0" anchor="ctr"/>
+                </a:tc>
+                <a:tc>
+                  <a:txBody>
+                    <a:bodyPr/>
+                    <a:lstStyle/>
+                    <a:p>
+                      <a:pPr algn="ctr" fontAlgn="ctr"/>
+                      <a:r>
+                        <a:rPr lang="en-US" sz="1100" u="none" strike="noStrike" dirty="0">
+                          <a:effectLst/>
+                        </a:rPr>
+                        <a:t>forward</a:t>
+                      </a:r>
+                      <a:endParaRPr lang="en-US" sz="1100" b="1" i="0" u="none" strike="noStrike" dirty="0">
+                        <a:solidFill>
+                          <a:srgbClr val="000000"/>
+                        </a:solidFill>
+                        <a:effectLst/>
+                        <a:latin typeface="Calibri" panose="020F0502020204030204" pitchFamily="34" charset="0"/>
+                      </a:endParaRPr>
+                    </a:p>
+                  </a:txBody>
+                  <a:tcPr marL="9525" marR="9525" marT="9525" marB="0" anchor="ctr"/>
+                </a:tc>
+                <a:extLst>
+                  <a:ext uri="{0D108BD9-81ED-4DB2-BD59-A6C34878D82A}">
+                    <a16:rowId xmlns:a16="http://schemas.microsoft.com/office/drawing/2014/main" val="2861410581"/>
+                  </a:ext>
+                </a:extLst>
+              </a:tr>
+            </a:tbl>
+          </a:graphicData>
+        </a:graphic>
+      </p:graphicFrame>
+      <p:sp>
+        <p:nvSpPr>
+          <p:cNvPr id="7" name="TextBox 6">
+            <a:extLst>
+              <a:ext uri="{FF2B5EF4-FFF2-40B4-BE49-F238E27FC236}">
+                <a16:creationId xmlns:a16="http://schemas.microsoft.com/office/drawing/2014/main" id="{3356AAA5-BAE3-4D7B-BE96-C8127BA94637}"/>
+              </a:ext>
+            </a:extLst>
+          </p:cNvPr>
+          <p:cNvSpPr txBox="1"/>
+          <p:nvPr/>
+        </p:nvSpPr>
+        <p:spPr>
+          <a:xfrm>
+            <a:off x="427807" y="2387084"/>
+            <a:ext cx="6995297" cy="369332"/>
+          </a:xfrm>
+          <a:prstGeom prst="rect">
+            <a:avLst/>
+          </a:prstGeom>
+          <a:noFill/>
+        </p:spPr>
+        <p:txBody>
+          <a:bodyPr wrap="square" rtlCol="0">
+            <a:spAutoFit/>
+          </a:bodyPr>
+          <a:lstStyle/>
+          <a:p>
+            <a:r>
+              <a:rPr lang="en-US" sz="1800" b="1" dirty="0">
+                <a:solidFill>
+                  <a:schemeClr val="bg1">
+                    <a:lumMod val="95000"/>
+                  </a:schemeClr>
+                </a:solidFill>
+              </a:rPr>
+              <a:t>Challenge: set the conditions for other responses </a:t>
+            </a:r>
+          </a:p>
+        </p:txBody>
+      </p:sp>
+      <p:sp>
+        <p:nvSpPr>
+          <p:cNvPr id="8" name="TextBox 7">
+            <a:extLst>
+              <a:ext uri="{FF2B5EF4-FFF2-40B4-BE49-F238E27FC236}">
+                <a16:creationId xmlns:a16="http://schemas.microsoft.com/office/drawing/2014/main" id="{829681AC-4737-4B00-86E7-C82F4CD2BB59}"/>
+              </a:ext>
+            </a:extLst>
+          </p:cNvPr>
+          <p:cNvSpPr txBox="1"/>
+          <p:nvPr/>
+        </p:nvSpPr>
+        <p:spPr>
+          <a:xfrm>
+            <a:off x="427806" y="2756416"/>
+            <a:ext cx="6995297" cy="369332"/>
+          </a:xfrm>
+          <a:prstGeom prst="rect">
+            <a:avLst/>
+          </a:prstGeom>
+          <a:noFill/>
+        </p:spPr>
+        <p:txBody>
+          <a:bodyPr wrap="square" rtlCol="0">
+            <a:spAutoFit/>
+          </a:bodyPr>
+          <a:lstStyle/>
+          <a:p>
+            <a:r>
+              <a:rPr lang="en-US" sz="1800" b="1" u="sng" dirty="0">
+                <a:solidFill>
+                  <a:schemeClr val="bg1">
+                    <a:lumMod val="95000"/>
+                  </a:schemeClr>
+                </a:solidFill>
+              </a:rPr>
+              <a:t>HINT</a:t>
+            </a:r>
+            <a:r>
+              <a:rPr lang="en-US" sz="1800" b="1" dirty="0">
+                <a:solidFill>
+                  <a:schemeClr val="bg1">
+                    <a:lumMod val="95000"/>
+                  </a:schemeClr>
+                </a:solidFill>
+              </a:rPr>
+              <a:t>:</a:t>
+            </a:r>
+          </a:p>
+        </p:txBody>
+      </p:sp>
+      <p:graphicFrame>
+        <p:nvGraphicFramePr>
+          <p:cNvPr id="9" name="Table 8">
+            <a:extLst>
+              <a:ext uri="{FF2B5EF4-FFF2-40B4-BE49-F238E27FC236}">
+                <a16:creationId xmlns:a16="http://schemas.microsoft.com/office/drawing/2014/main" id="{BB216576-39B9-41FA-AD05-0AB14F2603AF}"/>
+              </a:ext>
+            </a:extLst>
+          </p:cNvPr>
+          <p:cNvGraphicFramePr>
+            <a:graphicFrameLocks noGrp="1"/>
+          </p:cNvGraphicFramePr>
+          <p:nvPr>
+            <p:extLst>
+              <p:ext uri="{D42A27DB-BD31-4B8C-83A1-F6EECF244321}">
+                <p14:modId xmlns:p14="http://schemas.microsoft.com/office/powerpoint/2010/main" val="394314627"/>
+              </p:ext>
+            </p:extLst>
+          </p:nvPr>
+        </p:nvGraphicFramePr>
+        <p:xfrm>
+          <a:off x="508000" y="3149600"/>
+          <a:ext cx="2921000" cy="1136648"/>
+        </p:xfrm>
+        <a:graphic>
+          <a:graphicData uri="http://schemas.openxmlformats.org/drawingml/2006/table">
+            <a:tbl>
+              <a:tblPr>
+                <a:tableStyleId>{5C22544A-7EE6-4342-B048-85BDC9FD1C3A}</a:tableStyleId>
+              </a:tblPr>
+              <a:tblGrid>
+                <a:gridCol w="910060">
+                  <a:extLst>
+                    <a:ext uri="{9D8B030D-6E8A-4147-A177-3AD203B41FA5}">
+                      <a16:colId xmlns:a16="http://schemas.microsoft.com/office/drawing/2014/main" val="1551530886"/>
+                    </a:ext>
+                  </a:extLst>
+                </a:gridCol>
+                <a:gridCol w="851347">
+                  <a:extLst>
+                    <a:ext uri="{9D8B030D-6E8A-4147-A177-3AD203B41FA5}">
+                      <a16:colId xmlns:a16="http://schemas.microsoft.com/office/drawing/2014/main" val="3872304940"/>
+                    </a:ext>
+                  </a:extLst>
+                </a:gridCol>
+                <a:gridCol w="1159593">
+                  <a:extLst>
+                    <a:ext uri="{9D8B030D-6E8A-4147-A177-3AD203B41FA5}">
+                      <a16:colId xmlns:a16="http://schemas.microsoft.com/office/drawing/2014/main" val="2354154880"/>
+                    </a:ext>
+                  </a:extLst>
+                </a:gridCol>
+              </a:tblGrid>
+              <a:tr h="329906">
+                <a:tc>
+                  <a:txBody>
+                    <a:bodyPr/>
+                    <a:lstStyle/>
+                    <a:p>
+                      <a:pPr algn="ctr" fontAlgn="ctr"/>
+                      <a:r>
+                        <a:rPr lang="en-US" sz="1100" u="none" strike="noStrike">
+                          <a:effectLst/>
+                        </a:rPr>
+                        <a:t>IR 1 (left)</a:t>
+                      </a:r>
+                      <a:endParaRPr lang="en-US" sz="1100" b="1" i="0" u="none" strike="noStrike">
+                        <a:solidFill>
+                          <a:srgbClr val="000000"/>
+                        </a:solidFill>
+                        <a:effectLst/>
+                        <a:latin typeface="Calibri" panose="020F0502020204030204" pitchFamily="34" charset="0"/>
+                      </a:endParaRPr>
+                    </a:p>
+                  </a:txBody>
+                  <a:tcPr marL="9525" marR="9525" marT="9525" marB="0" anchor="ctr"/>
+                </a:tc>
+                <a:tc>
+                  <a:txBody>
+                    <a:bodyPr/>
+                    <a:lstStyle/>
+                    <a:p>
+                      <a:pPr algn="ctr" fontAlgn="ctr"/>
+                      <a:r>
+                        <a:rPr lang="en-US" sz="1100" u="none" strike="noStrike">
+                          <a:effectLst/>
+                        </a:rPr>
+                        <a:t>IR 2 (right)</a:t>
+                      </a:r>
+                      <a:endParaRPr lang="en-US" sz="1100" b="1" i="0" u="none" strike="noStrike">
+                        <a:solidFill>
+                          <a:srgbClr val="000000"/>
+                        </a:solidFill>
+                        <a:effectLst/>
+                        <a:latin typeface="Calibri" panose="020F0502020204030204" pitchFamily="34" charset="0"/>
+                      </a:endParaRPr>
+                    </a:p>
+                  </a:txBody>
+                  <a:tcPr marL="9525" marR="9525" marT="9525" marB="0" anchor="ctr"/>
+                </a:tc>
+                <a:tc>
+                  <a:txBody>
+                    <a:bodyPr/>
+                    <a:lstStyle/>
+                    <a:p>
+                      <a:pPr algn="ctr" fontAlgn="ctr"/>
+                      <a:r>
+                        <a:rPr lang="en-US" sz="1100" u="none" strike="noStrike" dirty="0">
+                          <a:effectLst/>
+                        </a:rPr>
+                        <a:t>driver response</a:t>
+                      </a:r>
+                      <a:endParaRPr lang="en-US" sz="1100" b="1" i="0" u="none" strike="noStrike" dirty="0">
+                        <a:solidFill>
+                          <a:srgbClr val="000000"/>
+                        </a:solidFill>
+                        <a:effectLst/>
+                        <a:latin typeface="Calibri" panose="020F0502020204030204" pitchFamily="34" charset="0"/>
+                      </a:endParaRPr>
+                    </a:p>
+                  </a:txBody>
+                  <a:tcPr marL="9525" marR="9525" marT="9525" marB="0" anchor="ctr"/>
+                </a:tc>
+                <a:extLst>
+                  <a:ext uri="{0D108BD9-81ED-4DB2-BD59-A6C34878D82A}">
+                    <a16:rowId xmlns:a16="http://schemas.microsoft.com/office/drawing/2014/main" val="1760135928"/>
+                  </a:ext>
+                </a:extLst>
+              </a:tr>
+              <a:tr h="268914">
+                <a:tc>
+                  <a:txBody>
+                    <a:bodyPr/>
+                    <a:lstStyle/>
+                    <a:p>
+                      <a:pPr algn="ctr" fontAlgn="ctr"/>
+                      <a:r>
+                        <a:rPr lang="en-US" sz="1100" u="none" strike="noStrike">
+                          <a:effectLst/>
+                        </a:rPr>
+                        <a:t>1</a:t>
+                      </a:r>
+                      <a:endParaRPr lang="en-US" sz="1100" b="1" i="0" u="none" strike="noStrike">
+                        <a:solidFill>
+                          <a:srgbClr val="000000"/>
+                        </a:solidFill>
+                        <a:effectLst/>
+                        <a:latin typeface="Calibri" panose="020F0502020204030204" pitchFamily="34" charset="0"/>
+                      </a:endParaRPr>
+                    </a:p>
+                  </a:txBody>
+                  <a:tcPr marL="9525" marR="9525" marT="9525" marB="0" anchor="ctr"/>
+                </a:tc>
+                <a:tc>
+                  <a:txBody>
+                    <a:bodyPr/>
+                    <a:lstStyle/>
+                    <a:p>
+                      <a:pPr algn="ctr" fontAlgn="ctr"/>
+                      <a:r>
+                        <a:rPr lang="en-US" sz="1100" u="none" strike="noStrike">
+                          <a:effectLst/>
+                        </a:rPr>
+                        <a:t>0</a:t>
+                      </a:r>
+                      <a:endParaRPr lang="en-US" sz="1100" b="1" i="0" u="none" strike="noStrike">
+                        <a:solidFill>
+                          <a:srgbClr val="000000"/>
+                        </a:solidFill>
+                        <a:effectLst/>
+                        <a:latin typeface="Calibri" panose="020F0502020204030204" pitchFamily="34" charset="0"/>
+                      </a:endParaRPr>
+                    </a:p>
+                  </a:txBody>
+                  <a:tcPr marL="9525" marR="9525" marT="9525" marB="0" anchor="ctr"/>
+                </a:tc>
+                <a:tc>
+                  <a:txBody>
+                    <a:bodyPr/>
+                    <a:lstStyle/>
+                    <a:p>
+                      <a:pPr algn="ctr" fontAlgn="ctr"/>
+                      <a:r>
+                        <a:rPr lang="en-US" sz="1100" u="none" strike="noStrike" dirty="0">
+                          <a:effectLst/>
+                        </a:rPr>
+                        <a:t>turn right</a:t>
+                      </a:r>
+                      <a:endParaRPr lang="en-US" sz="1100" b="1" i="0" u="none" strike="noStrike" dirty="0">
+                        <a:solidFill>
+                          <a:srgbClr val="000000"/>
+                        </a:solidFill>
+                        <a:effectLst/>
+                        <a:latin typeface="Calibri" panose="020F0502020204030204" pitchFamily="34" charset="0"/>
+                      </a:endParaRPr>
+                    </a:p>
+                  </a:txBody>
+                  <a:tcPr marL="9525" marR="9525" marT="9525" marB="0" anchor="ctr"/>
+                </a:tc>
+                <a:extLst>
+                  <a:ext uri="{0D108BD9-81ED-4DB2-BD59-A6C34878D82A}">
+                    <a16:rowId xmlns:a16="http://schemas.microsoft.com/office/drawing/2014/main" val="1851887894"/>
+                  </a:ext>
+                </a:extLst>
+              </a:tr>
+              <a:tr h="268914">
+                <a:tc>
+                  <a:txBody>
+                    <a:bodyPr/>
+                    <a:lstStyle/>
+                    <a:p>
+                      <a:pPr algn="ctr" fontAlgn="ctr"/>
+                      <a:r>
+                        <a:rPr lang="en-US" sz="1100" u="none" strike="noStrike">
+                          <a:effectLst/>
+                        </a:rPr>
+                        <a:t>0</a:t>
+                      </a:r>
+                      <a:endParaRPr lang="en-US" sz="1100" b="1" i="0" u="none" strike="noStrike">
+                        <a:solidFill>
+                          <a:srgbClr val="000000"/>
+                        </a:solidFill>
+                        <a:effectLst/>
+                        <a:latin typeface="Calibri" panose="020F0502020204030204" pitchFamily="34" charset="0"/>
+                      </a:endParaRPr>
+                    </a:p>
+                  </a:txBody>
+                  <a:tcPr marL="9525" marR="9525" marT="9525" marB="0" anchor="ctr"/>
+                </a:tc>
+                <a:tc>
+                  <a:txBody>
+                    <a:bodyPr/>
+                    <a:lstStyle/>
+                    <a:p>
+                      <a:pPr algn="ctr" fontAlgn="ctr"/>
+                      <a:r>
+                        <a:rPr lang="en-US" sz="1100" u="none" strike="noStrike" dirty="0">
+                          <a:effectLst/>
+                        </a:rPr>
+                        <a:t>1</a:t>
+                      </a:r>
+                      <a:endParaRPr lang="en-US" sz="1100" b="1" i="0" u="none" strike="noStrike" dirty="0">
+                        <a:solidFill>
+                          <a:srgbClr val="000000"/>
+                        </a:solidFill>
+                        <a:effectLst/>
+                        <a:latin typeface="Calibri" panose="020F0502020204030204" pitchFamily="34" charset="0"/>
+                      </a:endParaRPr>
+                    </a:p>
+                  </a:txBody>
+                  <a:tcPr marL="9525" marR="9525" marT="9525" marB="0" anchor="ctr"/>
+                </a:tc>
+                <a:tc>
+                  <a:txBody>
+                    <a:bodyPr/>
+                    <a:lstStyle/>
+                    <a:p>
+                      <a:pPr algn="ctr" fontAlgn="ctr"/>
+                      <a:r>
+                        <a:rPr lang="en-US" sz="1100" u="none" strike="noStrike">
+                          <a:effectLst/>
+                        </a:rPr>
+                        <a:t>turn left</a:t>
+                      </a:r>
+                      <a:endParaRPr lang="en-US" sz="1100" b="1" i="0" u="none" strike="noStrike">
+                        <a:solidFill>
+                          <a:srgbClr val="000000"/>
+                        </a:solidFill>
+                        <a:effectLst/>
+                        <a:latin typeface="Calibri" panose="020F0502020204030204" pitchFamily="34" charset="0"/>
+                      </a:endParaRPr>
+                    </a:p>
+                  </a:txBody>
+                  <a:tcPr marL="9525" marR="9525" marT="9525" marB="0" anchor="ctr"/>
+                </a:tc>
+                <a:extLst>
+                  <a:ext uri="{0D108BD9-81ED-4DB2-BD59-A6C34878D82A}">
+                    <a16:rowId xmlns:a16="http://schemas.microsoft.com/office/drawing/2014/main" val="4262369585"/>
+                  </a:ext>
+                </a:extLst>
+              </a:tr>
+              <a:tr h="268914">
+                <a:tc>
+                  <a:txBody>
+                    <a:bodyPr/>
+                    <a:lstStyle/>
+                    <a:p>
+                      <a:pPr algn="ctr" fontAlgn="ctr"/>
+                      <a:r>
+                        <a:rPr lang="en-US" sz="1100" u="none" strike="noStrike">
+                          <a:effectLst/>
+                        </a:rPr>
+                        <a:t>1</a:t>
+                      </a:r>
+                      <a:endParaRPr lang="en-US" sz="1100" b="1" i="0" u="none" strike="noStrike">
+                        <a:solidFill>
+                          <a:srgbClr val="000000"/>
+                        </a:solidFill>
+                        <a:effectLst/>
+                        <a:latin typeface="Calibri" panose="020F0502020204030204" pitchFamily="34" charset="0"/>
+                      </a:endParaRPr>
+                    </a:p>
+                  </a:txBody>
+                  <a:tcPr marL="9525" marR="9525" marT="9525" marB="0" anchor="ctr"/>
+                </a:tc>
+                <a:tc>
+                  <a:txBody>
+                    <a:bodyPr/>
+                    <a:lstStyle/>
+                    <a:p>
+                      <a:pPr algn="ctr" fontAlgn="ctr"/>
+                      <a:r>
+                        <a:rPr lang="en-US" sz="1100" u="none" strike="noStrike">
+                          <a:effectLst/>
+                        </a:rPr>
+                        <a:t>1</a:t>
+                      </a:r>
+                      <a:endParaRPr lang="en-US" sz="1100" b="1" i="0" u="none" strike="noStrike">
+                        <a:solidFill>
+                          <a:srgbClr val="000000"/>
+                        </a:solidFill>
+                        <a:effectLst/>
+                        <a:latin typeface="Calibri" panose="020F0502020204030204" pitchFamily="34" charset="0"/>
+                      </a:endParaRPr>
+                    </a:p>
+                  </a:txBody>
+                  <a:tcPr marL="9525" marR="9525" marT="9525" marB="0" anchor="ctr"/>
+                </a:tc>
+                <a:tc>
+                  <a:txBody>
+                    <a:bodyPr/>
+                    <a:lstStyle/>
+                    <a:p>
+                      <a:pPr algn="ctr" fontAlgn="ctr"/>
+                      <a:r>
+                        <a:rPr lang="en-US" sz="1100" u="none" strike="noStrike" dirty="0">
+                          <a:effectLst/>
+                        </a:rPr>
+                        <a:t>stop</a:t>
+                      </a:r>
+                      <a:endParaRPr lang="en-US" sz="1100" b="1" i="0" u="none" strike="noStrike" dirty="0">
+                        <a:solidFill>
+                          <a:srgbClr val="000000"/>
+                        </a:solidFill>
+                        <a:effectLst/>
+                        <a:latin typeface="Calibri" panose="020F0502020204030204" pitchFamily="34" charset="0"/>
+                      </a:endParaRPr>
+                    </a:p>
+                  </a:txBody>
+                  <a:tcPr marL="9525" marR="9525" marT="9525" marB="0" anchor="ctr"/>
+                </a:tc>
+                <a:extLst>
+                  <a:ext uri="{0D108BD9-81ED-4DB2-BD59-A6C34878D82A}">
+                    <a16:rowId xmlns:a16="http://schemas.microsoft.com/office/drawing/2014/main" val="2873426300"/>
+                  </a:ext>
+                </a:extLst>
+              </a:tr>
+            </a:tbl>
+          </a:graphicData>
+        </a:graphic>
+      </p:graphicFrame>
+    </p:spTree>
+    <p:extLst>
+      <p:ext uri="{BB962C8B-B14F-4D97-AF65-F5344CB8AC3E}">
+        <p14:creationId xmlns:p14="http://schemas.microsoft.com/office/powerpoint/2010/main" val="3543350036"/>
+      </p:ext>
+    </p:extLst>
+  </p:cSld>
+  <p:clrMapOvr>
+    <a:masterClrMapping/>
+  </p:clrMapOvr>
+</p:sld>
+</file>
+
+<file path=ppt/slides/slide31.xml><?xml version="1.0" encoding="utf-8"?>
+<p:sld xmlns:a="http://schemas.openxmlformats.org/drawingml/2006/main" xmlns:r="http://schemas.openxmlformats.org/officeDocument/2006/relationships" xmlns:p="http://schemas.openxmlformats.org/presentationml/2006/main">
+  <p:cSld>
+    <p:bg>
+      <p:bgPr>
+        <a:blipFill>
+          <a:blip r:embed="rId3">
+            <a:alphaModFix/>
+          </a:blip>
+          <a:stretch>
+            <a:fillRect/>
+          </a:stretch>
+        </a:blipFill>
+        <a:effectLst/>
+      </p:bgPr>
+    </p:bg>
+    <p:spTree>
+      <p:nvGrpSpPr>
+        <p:cNvPr id="1" name="Shape 237"/>
+        <p:cNvGrpSpPr/>
+        <p:nvPr/>
+      </p:nvGrpSpPr>
+      <p:grpSpPr>
+        <a:xfrm>
+          <a:off x="0" y="0"/>
+          <a:ext cx="0" cy="0"/>
+          <a:chOff x="0" y="0"/>
+          <a:chExt cx="0" cy="0"/>
+        </a:xfrm>
+      </p:grpSpPr>
+      <p:sp>
+        <p:nvSpPr>
+          <p:cNvPr id="238" name="Shape 238"/>
+          <p:cNvSpPr txBox="1">
+            <a:spLocks noGrp="1"/>
+          </p:cNvSpPr>
+          <p:nvPr>
+            <p:ph type="title"/>
+          </p:nvPr>
+        </p:nvSpPr>
+        <p:spPr>
+          <a:xfrm>
+            <a:off x="1259676" y="205979"/>
+            <a:ext cx="6770700" cy="857400"/>
+          </a:xfrm>
+          <a:prstGeom prst="rect">
+            <a:avLst/>
+          </a:prstGeom>
+          <a:noFill/>
+          <a:ln>
+            <a:noFill/>
+          </a:ln>
+        </p:spPr>
+        <p:txBody>
+          <a:bodyPr wrap="square" lIns="91425" tIns="45700" rIns="91425" bIns="45700" anchor="ctr" anchorCtr="0">
+            <a:noAutofit/>
+          </a:bodyPr>
+          <a:lstStyle/>
+          <a:p>
+            <a:pPr marL="1828800" marR="0" lvl="0" indent="0" algn="l" rtl="0">
+              <a:spcBef>
+                <a:spcPts val="0"/>
+              </a:spcBef>
+              <a:buClr>
+                <a:schemeClr val="dk1"/>
+              </a:buClr>
+              <a:buSzPct val="25000"/>
+              <a:buFont typeface="Calibri"/>
+              <a:buNone/>
+            </a:pPr>
+            <a:r>
+              <a:rPr lang="en" dirty="0">
+                <a:solidFill>
+                  <a:srgbClr val="FFFFFF"/>
+                </a:solidFill>
+              </a:rPr>
+              <a:t> THANK YOU</a:t>
+            </a:r>
+          </a:p>
+        </p:txBody>
+      </p:sp>
+      <p:sp>
+        <p:nvSpPr>
+          <p:cNvPr id="239" name="Shape 239"/>
+          <p:cNvSpPr txBox="1">
+            <a:spLocks noGrp="1"/>
+          </p:cNvSpPr>
+          <p:nvPr>
+            <p:ph type="body" idx="1"/>
+          </p:nvPr>
+        </p:nvSpPr>
+        <p:spPr>
+          <a:xfrm>
+            <a:off x="457200" y="1151335"/>
+            <a:ext cx="4040100" cy="479700"/>
+          </a:xfrm>
+          <a:prstGeom prst="rect">
+            <a:avLst/>
+          </a:prstGeom>
+          <a:noFill/>
+          <a:ln>
+            <a:noFill/>
+          </a:ln>
+        </p:spPr>
+        <p:txBody>
+          <a:bodyPr wrap="square" lIns="91425" tIns="45700" rIns="91425" bIns="45700" anchor="b" anchorCtr="0">
+            <a:noAutofit/>
+          </a:bodyPr>
+          <a:lstStyle/>
+          <a:p>
+            <a:pPr marL="0" marR="0" lvl="0" indent="0" algn="l" rtl="0">
+              <a:spcBef>
+                <a:spcPts val="0"/>
+              </a:spcBef>
+              <a:buClr>
+                <a:schemeClr val="dk1"/>
+              </a:buClr>
+              <a:buSzPct val="25000"/>
+              <a:buFont typeface="Arial"/>
+              <a:buNone/>
+            </a:pPr>
+            <a:endParaRPr sz="2400" b="1" i="0" u="none" strike="noStrike" cap="none" dirty="0">
+              <a:solidFill>
+                <a:schemeClr val="dk1"/>
+              </a:solidFill>
+              <a:latin typeface="Calibri"/>
+              <a:ea typeface="Calibri"/>
+              <a:cs typeface="Calibri"/>
+              <a:sym typeface="Calibri"/>
+            </a:endParaRPr>
+          </a:p>
+        </p:txBody>
+      </p:sp>
+      <p:sp>
+        <p:nvSpPr>
+          <p:cNvPr id="240" name="Shape 240"/>
+          <p:cNvSpPr txBox="1">
+            <a:spLocks noGrp="1"/>
+          </p:cNvSpPr>
+          <p:nvPr>
+            <p:ph type="body" idx="2"/>
+          </p:nvPr>
+        </p:nvSpPr>
+        <p:spPr>
+          <a:xfrm>
+            <a:off x="457200" y="1631156"/>
+            <a:ext cx="4040100" cy="2963400"/>
+          </a:xfrm>
+          <a:prstGeom prst="rect">
+            <a:avLst/>
+          </a:prstGeom>
+          <a:noFill/>
+          <a:ln>
+            <a:noFill/>
+          </a:ln>
+        </p:spPr>
+        <p:txBody>
+          <a:bodyPr wrap="square" lIns="91425" tIns="45700" rIns="91425" bIns="45700" anchor="t" anchorCtr="0">
+            <a:noAutofit/>
+          </a:bodyPr>
+          <a:lstStyle/>
+          <a:p>
+            <a:pPr marL="342900" marR="0" lvl="0" indent="-342900" algn="l" rtl="0">
+              <a:spcBef>
+                <a:spcPts val="0"/>
+              </a:spcBef>
+              <a:buClr>
+                <a:schemeClr val="dk1"/>
+              </a:buClr>
+              <a:buSzPct val="100000"/>
+              <a:buFont typeface="Arial"/>
+              <a:buNone/>
+            </a:pPr>
+            <a:endParaRPr sz="2400" b="0" i="0" u="none" strike="noStrike" cap="none">
+              <a:solidFill>
+                <a:schemeClr val="dk1"/>
+              </a:solidFill>
+              <a:latin typeface="Calibri"/>
+              <a:ea typeface="Calibri"/>
+              <a:cs typeface="Calibri"/>
+              <a:sym typeface="Calibri"/>
+            </a:endParaRPr>
+          </a:p>
+        </p:txBody>
+      </p:sp>
+      <p:sp>
+        <p:nvSpPr>
+          <p:cNvPr id="241" name="Shape 241"/>
+          <p:cNvSpPr txBox="1">
+            <a:spLocks noGrp="1"/>
+          </p:cNvSpPr>
+          <p:nvPr>
+            <p:ph type="body" idx="3"/>
+          </p:nvPr>
+        </p:nvSpPr>
+        <p:spPr>
+          <a:xfrm>
+            <a:off x="4645026" y="1151335"/>
+            <a:ext cx="4041900" cy="479700"/>
+          </a:xfrm>
+          <a:prstGeom prst="rect">
+            <a:avLst/>
+          </a:prstGeom>
+          <a:noFill/>
+          <a:ln>
+            <a:noFill/>
+          </a:ln>
+        </p:spPr>
+        <p:txBody>
+          <a:bodyPr wrap="square" lIns="91425" tIns="45700" rIns="91425" bIns="45700" anchor="b" anchorCtr="0">
+            <a:noAutofit/>
+          </a:bodyPr>
+          <a:lstStyle/>
+          <a:p>
+            <a:pPr marL="0" marR="0" lvl="0" indent="0" algn="l" rtl="0">
+              <a:spcBef>
+                <a:spcPts val="0"/>
+              </a:spcBef>
+              <a:buClr>
+                <a:schemeClr val="dk1"/>
+              </a:buClr>
+              <a:buSzPct val="25000"/>
+              <a:buFont typeface="Arial"/>
+              <a:buNone/>
+            </a:pPr>
+            <a:endParaRPr sz="2400" b="1" i="0" u="none" strike="noStrike" cap="none">
+              <a:solidFill>
+                <a:schemeClr val="dk1"/>
+              </a:solidFill>
+              <a:latin typeface="Calibri"/>
+              <a:ea typeface="Calibri"/>
+              <a:cs typeface="Calibri"/>
+              <a:sym typeface="Calibri"/>
+            </a:endParaRPr>
           </a:p>
         </p:txBody>
       </p:sp>
@@ -19387,6 +25680,1917 @@
   <p:clrMapOvr>
     <a:masterClrMapping/>
   </p:clrMapOvr>
+  <p:timing>
+    <p:tnLst>
+      <p:par>
+        <p:cTn id="1" dur="indefinite" restart="never" nodeType="tmRoot">
+          <p:childTnLst>
+            <p:seq concurrent="1" nextAc="seek">
+              <p:cTn id="2" dur="indefinite" nodeType="mainSeq">
+                <p:childTnLst>
+                  <p:par>
+                    <p:cTn id="3" fill="hold">
+                      <p:stCondLst>
+                        <p:cond delay="indefinite"/>
+                      </p:stCondLst>
+                      <p:childTnLst>
+                        <p:par>
+                          <p:cTn id="4" fill="hold">
+                            <p:stCondLst>
+                              <p:cond delay="0"/>
+                            </p:stCondLst>
+                            <p:childTnLst>
+                              <p:par>
+                                <p:cTn id="5" presetID="10" presetClass="entr" presetSubtype="0" fill="hold" grpId="0" nodeType="clickEffect">
+                                  <p:stCondLst>
+                                    <p:cond delay="0"/>
+                                  </p:stCondLst>
+                                  <p:childTnLst>
+                                    <p:set>
+                                      <p:cBhvr>
+                                        <p:cTn id="6" dur="1" fill="hold">
+                                          <p:stCondLst>
+                                            <p:cond delay="0"/>
+                                          </p:stCondLst>
+                                        </p:cTn>
+                                        <p:tgtEl>
+                                          <p:spTgt spid="6"/>
+                                        </p:tgtEl>
+                                        <p:attrNameLst>
+                                          <p:attrName>style.visibility</p:attrName>
+                                        </p:attrNameLst>
+                                      </p:cBhvr>
+                                      <p:to>
+                                        <p:strVal val="visible"/>
+                                      </p:to>
+                                    </p:set>
+                                    <p:animEffect transition="in" filter="fade">
+                                      <p:cBhvr>
+                                        <p:cTn id="7" dur="500"/>
+                                        <p:tgtEl>
+                                          <p:spTgt spid="6"/>
+                                        </p:tgtEl>
+                                      </p:cBhvr>
+                                    </p:animEffect>
+                                  </p:childTnLst>
+                                </p:cTn>
+                              </p:par>
+                            </p:childTnLst>
+                          </p:cTn>
+                        </p:par>
+                      </p:childTnLst>
+                    </p:cTn>
+                  </p:par>
+                  <p:par>
+                    <p:cTn id="8" fill="hold">
+                      <p:stCondLst>
+                        <p:cond delay="indefinite"/>
+                      </p:stCondLst>
+                      <p:childTnLst>
+                        <p:par>
+                          <p:cTn id="9" fill="hold">
+                            <p:stCondLst>
+                              <p:cond delay="0"/>
+                            </p:stCondLst>
+                            <p:childTnLst>
+                              <p:par>
+                                <p:cTn id="10" presetID="2" presetClass="entr" presetSubtype="2" fill="hold" grpId="0" nodeType="clickEffect">
+                                  <p:stCondLst>
+                                    <p:cond delay="0"/>
+                                  </p:stCondLst>
+                                  <p:childTnLst>
+                                    <p:set>
+                                      <p:cBhvr>
+                                        <p:cTn id="11" dur="1" fill="hold">
+                                          <p:stCondLst>
+                                            <p:cond delay="0"/>
+                                          </p:stCondLst>
+                                        </p:cTn>
+                                        <p:tgtEl>
+                                          <p:spTgt spid="16"/>
+                                        </p:tgtEl>
+                                        <p:attrNameLst>
+                                          <p:attrName>style.visibility</p:attrName>
+                                        </p:attrNameLst>
+                                      </p:cBhvr>
+                                      <p:to>
+                                        <p:strVal val="visible"/>
+                                      </p:to>
+                                    </p:set>
+                                    <p:anim calcmode="lin" valueType="num">
+                                      <p:cBhvr additive="base">
+                                        <p:cTn id="12" dur="500" fill="hold"/>
+                                        <p:tgtEl>
+                                          <p:spTgt spid="16"/>
+                                        </p:tgtEl>
+                                        <p:attrNameLst>
+                                          <p:attrName>ppt_x</p:attrName>
+                                        </p:attrNameLst>
+                                      </p:cBhvr>
+                                      <p:tavLst>
+                                        <p:tav tm="0">
+                                          <p:val>
+                                            <p:strVal val="1+#ppt_w/2"/>
+                                          </p:val>
+                                        </p:tav>
+                                        <p:tav tm="100000">
+                                          <p:val>
+                                            <p:strVal val="#ppt_x"/>
+                                          </p:val>
+                                        </p:tav>
+                                      </p:tavLst>
+                                    </p:anim>
+                                    <p:anim calcmode="lin" valueType="num">
+                                      <p:cBhvr additive="base">
+                                        <p:cTn id="13" dur="500" fill="hold"/>
+                                        <p:tgtEl>
+                                          <p:spTgt spid="16"/>
+                                        </p:tgtEl>
+                                        <p:attrNameLst>
+                                          <p:attrName>ppt_y</p:attrName>
+                                        </p:attrNameLst>
+                                      </p:cBhvr>
+                                      <p:tavLst>
+                                        <p:tav tm="0">
+                                          <p:val>
+                                            <p:strVal val="#ppt_y"/>
+                                          </p:val>
+                                        </p:tav>
+                                        <p:tav tm="100000">
+                                          <p:val>
+                                            <p:strVal val="#ppt_y"/>
+                                          </p:val>
+                                        </p:tav>
+                                      </p:tavLst>
+                                    </p:anim>
+                                  </p:childTnLst>
+                                </p:cTn>
+                              </p:par>
+                              <p:par>
+                                <p:cTn id="14" presetID="2" presetClass="entr" presetSubtype="2" fill="hold" grpId="0" nodeType="withEffect">
+                                  <p:stCondLst>
+                                    <p:cond delay="0"/>
+                                  </p:stCondLst>
+                                  <p:childTnLst>
+                                    <p:set>
+                                      <p:cBhvr>
+                                        <p:cTn id="15" dur="1" fill="hold">
+                                          <p:stCondLst>
+                                            <p:cond delay="0"/>
+                                          </p:stCondLst>
+                                        </p:cTn>
+                                        <p:tgtEl>
+                                          <p:spTgt spid="18"/>
+                                        </p:tgtEl>
+                                        <p:attrNameLst>
+                                          <p:attrName>style.visibility</p:attrName>
+                                        </p:attrNameLst>
+                                      </p:cBhvr>
+                                      <p:to>
+                                        <p:strVal val="visible"/>
+                                      </p:to>
+                                    </p:set>
+                                    <p:anim calcmode="lin" valueType="num">
+                                      <p:cBhvr additive="base">
+                                        <p:cTn id="16" dur="500" fill="hold"/>
+                                        <p:tgtEl>
+                                          <p:spTgt spid="18"/>
+                                        </p:tgtEl>
+                                        <p:attrNameLst>
+                                          <p:attrName>ppt_x</p:attrName>
+                                        </p:attrNameLst>
+                                      </p:cBhvr>
+                                      <p:tavLst>
+                                        <p:tav tm="0">
+                                          <p:val>
+                                            <p:strVal val="1+#ppt_w/2"/>
+                                          </p:val>
+                                        </p:tav>
+                                        <p:tav tm="100000">
+                                          <p:val>
+                                            <p:strVal val="#ppt_x"/>
+                                          </p:val>
+                                        </p:tav>
+                                      </p:tavLst>
+                                    </p:anim>
+                                    <p:anim calcmode="lin" valueType="num">
+                                      <p:cBhvr additive="base">
+                                        <p:cTn id="17" dur="500" fill="hold"/>
+                                        <p:tgtEl>
+                                          <p:spTgt spid="18"/>
+                                        </p:tgtEl>
+                                        <p:attrNameLst>
+                                          <p:attrName>ppt_y</p:attrName>
+                                        </p:attrNameLst>
+                                      </p:cBhvr>
+                                      <p:tavLst>
+                                        <p:tav tm="0">
+                                          <p:val>
+                                            <p:strVal val="#ppt_y"/>
+                                          </p:val>
+                                        </p:tav>
+                                        <p:tav tm="100000">
+                                          <p:val>
+                                            <p:strVal val="#ppt_y"/>
+                                          </p:val>
+                                        </p:tav>
+                                      </p:tavLst>
+                                    </p:anim>
+                                  </p:childTnLst>
+                                </p:cTn>
+                              </p:par>
+                              <p:par>
+                                <p:cTn id="18" presetID="2" presetClass="entr" presetSubtype="2" fill="hold" grpId="0" nodeType="withEffect">
+                                  <p:stCondLst>
+                                    <p:cond delay="0"/>
+                                  </p:stCondLst>
+                                  <p:childTnLst>
+                                    <p:set>
+                                      <p:cBhvr>
+                                        <p:cTn id="19" dur="1" fill="hold">
+                                          <p:stCondLst>
+                                            <p:cond delay="0"/>
+                                          </p:stCondLst>
+                                        </p:cTn>
+                                        <p:tgtEl>
+                                          <p:spTgt spid="20"/>
+                                        </p:tgtEl>
+                                        <p:attrNameLst>
+                                          <p:attrName>style.visibility</p:attrName>
+                                        </p:attrNameLst>
+                                      </p:cBhvr>
+                                      <p:to>
+                                        <p:strVal val="visible"/>
+                                      </p:to>
+                                    </p:set>
+                                    <p:anim calcmode="lin" valueType="num">
+                                      <p:cBhvr additive="base">
+                                        <p:cTn id="20" dur="500" fill="hold"/>
+                                        <p:tgtEl>
+                                          <p:spTgt spid="20"/>
+                                        </p:tgtEl>
+                                        <p:attrNameLst>
+                                          <p:attrName>ppt_x</p:attrName>
+                                        </p:attrNameLst>
+                                      </p:cBhvr>
+                                      <p:tavLst>
+                                        <p:tav tm="0">
+                                          <p:val>
+                                            <p:strVal val="1+#ppt_w/2"/>
+                                          </p:val>
+                                        </p:tav>
+                                        <p:tav tm="100000">
+                                          <p:val>
+                                            <p:strVal val="#ppt_x"/>
+                                          </p:val>
+                                        </p:tav>
+                                      </p:tavLst>
+                                    </p:anim>
+                                    <p:anim calcmode="lin" valueType="num">
+                                      <p:cBhvr additive="base">
+                                        <p:cTn id="21" dur="500" fill="hold"/>
+                                        <p:tgtEl>
+                                          <p:spTgt spid="20"/>
+                                        </p:tgtEl>
+                                        <p:attrNameLst>
+                                          <p:attrName>ppt_y</p:attrName>
+                                        </p:attrNameLst>
+                                      </p:cBhvr>
+                                      <p:tavLst>
+                                        <p:tav tm="0">
+                                          <p:val>
+                                            <p:strVal val="#ppt_y"/>
+                                          </p:val>
+                                        </p:tav>
+                                        <p:tav tm="100000">
+                                          <p:val>
+                                            <p:strVal val="#ppt_y"/>
+                                          </p:val>
+                                        </p:tav>
+                                      </p:tavLst>
+                                    </p:anim>
+                                  </p:childTnLst>
+                                </p:cTn>
+                              </p:par>
+                              <p:par>
+                                <p:cTn id="22" presetID="2" presetClass="entr" presetSubtype="8" fill="hold" grpId="0" nodeType="withEffect">
+                                  <p:stCondLst>
+                                    <p:cond delay="0"/>
+                                  </p:stCondLst>
+                                  <p:childTnLst>
+                                    <p:set>
+                                      <p:cBhvr>
+                                        <p:cTn id="23" dur="1" fill="hold">
+                                          <p:stCondLst>
+                                            <p:cond delay="0"/>
+                                          </p:stCondLst>
+                                        </p:cTn>
+                                        <p:tgtEl>
+                                          <p:spTgt spid="15"/>
+                                        </p:tgtEl>
+                                        <p:attrNameLst>
+                                          <p:attrName>style.visibility</p:attrName>
+                                        </p:attrNameLst>
+                                      </p:cBhvr>
+                                      <p:to>
+                                        <p:strVal val="visible"/>
+                                      </p:to>
+                                    </p:set>
+                                    <p:anim calcmode="lin" valueType="num">
+                                      <p:cBhvr additive="base">
+                                        <p:cTn id="24" dur="500" fill="hold"/>
+                                        <p:tgtEl>
+                                          <p:spTgt spid="15"/>
+                                        </p:tgtEl>
+                                        <p:attrNameLst>
+                                          <p:attrName>ppt_x</p:attrName>
+                                        </p:attrNameLst>
+                                      </p:cBhvr>
+                                      <p:tavLst>
+                                        <p:tav tm="0">
+                                          <p:val>
+                                            <p:strVal val="0-#ppt_w/2"/>
+                                          </p:val>
+                                        </p:tav>
+                                        <p:tav tm="100000">
+                                          <p:val>
+                                            <p:strVal val="#ppt_x"/>
+                                          </p:val>
+                                        </p:tav>
+                                      </p:tavLst>
+                                    </p:anim>
+                                    <p:anim calcmode="lin" valueType="num">
+                                      <p:cBhvr additive="base">
+                                        <p:cTn id="25" dur="500" fill="hold"/>
+                                        <p:tgtEl>
+                                          <p:spTgt spid="15"/>
+                                        </p:tgtEl>
+                                        <p:attrNameLst>
+                                          <p:attrName>ppt_y</p:attrName>
+                                        </p:attrNameLst>
+                                      </p:cBhvr>
+                                      <p:tavLst>
+                                        <p:tav tm="0">
+                                          <p:val>
+                                            <p:strVal val="#ppt_y"/>
+                                          </p:val>
+                                        </p:tav>
+                                        <p:tav tm="100000">
+                                          <p:val>
+                                            <p:strVal val="#ppt_y"/>
+                                          </p:val>
+                                        </p:tav>
+                                      </p:tavLst>
+                                    </p:anim>
+                                  </p:childTnLst>
+                                </p:cTn>
+                              </p:par>
+                              <p:par>
+                                <p:cTn id="26" presetID="2" presetClass="entr" presetSubtype="8" fill="hold" grpId="0" nodeType="withEffect">
+                                  <p:stCondLst>
+                                    <p:cond delay="0"/>
+                                  </p:stCondLst>
+                                  <p:childTnLst>
+                                    <p:set>
+                                      <p:cBhvr>
+                                        <p:cTn id="27" dur="1" fill="hold">
+                                          <p:stCondLst>
+                                            <p:cond delay="0"/>
+                                          </p:stCondLst>
+                                        </p:cTn>
+                                        <p:tgtEl>
+                                          <p:spTgt spid="17"/>
+                                        </p:tgtEl>
+                                        <p:attrNameLst>
+                                          <p:attrName>style.visibility</p:attrName>
+                                        </p:attrNameLst>
+                                      </p:cBhvr>
+                                      <p:to>
+                                        <p:strVal val="visible"/>
+                                      </p:to>
+                                    </p:set>
+                                    <p:anim calcmode="lin" valueType="num">
+                                      <p:cBhvr additive="base">
+                                        <p:cTn id="28" dur="500" fill="hold"/>
+                                        <p:tgtEl>
+                                          <p:spTgt spid="17"/>
+                                        </p:tgtEl>
+                                        <p:attrNameLst>
+                                          <p:attrName>ppt_x</p:attrName>
+                                        </p:attrNameLst>
+                                      </p:cBhvr>
+                                      <p:tavLst>
+                                        <p:tav tm="0">
+                                          <p:val>
+                                            <p:strVal val="0-#ppt_w/2"/>
+                                          </p:val>
+                                        </p:tav>
+                                        <p:tav tm="100000">
+                                          <p:val>
+                                            <p:strVal val="#ppt_x"/>
+                                          </p:val>
+                                        </p:tav>
+                                      </p:tavLst>
+                                    </p:anim>
+                                    <p:anim calcmode="lin" valueType="num">
+                                      <p:cBhvr additive="base">
+                                        <p:cTn id="29" dur="500" fill="hold"/>
+                                        <p:tgtEl>
+                                          <p:spTgt spid="17"/>
+                                        </p:tgtEl>
+                                        <p:attrNameLst>
+                                          <p:attrName>ppt_y</p:attrName>
+                                        </p:attrNameLst>
+                                      </p:cBhvr>
+                                      <p:tavLst>
+                                        <p:tav tm="0">
+                                          <p:val>
+                                            <p:strVal val="#ppt_y"/>
+                                          </p:val>
+                                        </p:tav>
+                                        <p:tav tm="100000">
+                                          <p:val>
+                                            <p:strVal val="#ppt_y"/>
+                                          </p:val>
+                                        </p:tav>
+                                      </p:tavLst>
+                                    </p:anim>
+                                  </p:childTnLst>
+                                </p:cTn>
+                              </p:par>
+                              <p:par>
+                                <p:cTn id="30" presetID="2" presetClass="entr" presetSubtype="8" fill="hold" grpId="0" nodeType="withEffect">
+                                  <p:stCondLst>
+                                    <p:cond delay="0"/>
+                                  </p:stCondLst>
+                                  <p:childTnLst>
+                                    <p:set>
+                                      <p:cBhvr>
+                                        <p:cTn id="31" dur="1" fill="hold">
+                                          <p:stCondLst>
+                                            <p:cond delay="0"/>
+                                          </p:stCondLst>
+                                        </p:cTn>
+                                        <p:tgtEl>
+                                          <p:spTgt spid="19"/>
+                                        </p:tgtEl>
+                                        <p:attrNameLst>
+                                          <p:attrName>style.visibility</p:attrName>
+                                        </p:attrNameLst>
+                                      </p:cBhvr>
+                                      <p:to>
+                                        <p:strVal val="visible"/>
+                                      </p:to>
+                                    </p:set>
+                                    <p:anim calcmode="lin" valueType="num">
+                                      <p:cBhvr additive="base">
+                                        <p:cTn id="32" dur="500" fill="hold"/>
+                                        <p:tgtEl>
+                                          <p:spTgt spid="19"/>
+                                        </p:tgtEl>
+                                        <p:attrNameLst>
+                                          <p:attrName>ppt_x</p:attrName>
+                                        </p:attrNameLst>
+                                      </p:cBhvr>
+                                      <p:tavLst>
+                                        <p:tav tm="0">
+                                          <p:val>
+                                            <p:strVal val="0-#ppt_w/2"/>
+                                          </p:val>
+                                        </p:tav>
+                                        <p:tav tm="100000">
+                                          <p:val>
+                                            <p:strVal val="#ppt_x"/>
+                                          </p:val>
+                                        </p:tav>
+                                      </p:tavLst>
+                                    </p:anim>
+                                    <p:anim calcmode="lin" valueType="num">
+                                      <p:cBhvr additive="base">
+                                        <p:cTn id="33" dur="500" fill="hold"/>
+                                        <p:tgtEl>
+                                          <p:spTgt spid="19"/>
+                                        </p:tgtEl>
+                                        <p:attrNameLst>
+                                          <p:attrName>ppt_y</p:attrName>
+                                        </p:attrNameLst>
+                                      </p:cBhvr>
+                                      <p:tavLst>
+                                        <p:tav tm="0">
+                                          <p:val>
+                                            <p:strVal val="#ppt_y"/>
+                                          </p:val>
+                                        </p:tav>
+                                        <p:tav tm="100000">
+                                          <p:val>
+                                            <p:strVal val="#ppt_y"/>
+                                          </p:val>
+                                        </p:tav>
+                                      </p:tavLst>
+                                    </p:anim>
+                                  </p:childTnLst>
+                                </p:cTn>
+                              </p:par>
+                            </p:childTnLst>
+                          </p:cTn>
+                        </p:par>
+                      </p:childTnLst>
+                    </p:cTn>
+                  </p:par>
+                  <p:par>
+                    <p:cTn id="34" fill="hold">
+                      <p:stCondLst>
+                        <p:cond delay="indefinite"/>
+                      </p:stCondLst>
+                      <p:childTnLst>
+                        <p:par>
+                          <p:cTn id="35" fill="hold">
+                            <p:stCondLst>
+                              <p:cond delay="0"/>
+                            </p:stCondLst>
+                            <p:childTnLst>
+                              <p:par>
+                                <p:cTn id="36" presetID="2" presetClass="entr" presetSubtype="2" fill="hold" grpId="0" nodeType="clickEffect">
+                                  <p:stCondLst>
+                                    <p:cond delay="0"/>
+                                  </p:stCondLst>
+                                  <p:childTnLst>
+                                    <p:set>
+                                      <p:cBhvr>
+                                        <p:cTn id="37" dur="1" fill="hold">
+                                          <p:stCondLst>
+                                            <p:cond delay="0"/>
+                                          </p:stCondLst>
+                                        </p:cTn>
+                                        <p:tgtEl>
+                                          <p:spTgt spid="13"/>
+                                        </p:tgtEl>
+                                        <p:attrNameLst>
+                                          <p:attrName>style.visibility</p:attrName>
+                                        </p:attrNameLst>
+                                      </p:cBhvr>
+                                      <p:to>
+                                        <p:strVal val="visible"/>
+                                      </p:to>
+                                    </p:set>
+                                    <p:anim calcmode="lin" valueType="num">
+                                      <p:cBhvr additive="base">
+                                        <p:cTn id="38" dur="500" fill="hold"/>
+                                        <p:tgtEl>
+                                          <p:spTgt spid="13"/>
+                                        </p:tgtEl>
+                                        <p:attrNameLst>
+                                          <p:attrName>ppt_x</p:attrName>
+                                        </p:attrNameLst>
+                                      </p:cBhvr>
+                                      <p:tavLst>
+                                        <p:tav tm="0">
+                                          <p:val>
+                                            <p:strVal val="1+#ppt_w/2"/>
+                                          </p:val>
+                                        </p:tav>
+                                        <p:tav tm="100000">
+                                          <p:val>
+                                            <p:strVal val="#ppt_x"/>
+                                          </p:val>
+                                        </p:tav>
+                                      </p:tavLst>
+                                    </p:anim>
+                                    <p:anim calcmode="lin" valueType="num">
+                                      <p:cBhvr additive="base">
+                                        <p:cTn id="39" dur="500" fill="hold"/>
+                                        <p:tgtEl>
+                                          <p:spTgt spid="13"/>
+                                        </p:tgtEl>
+                                        <p:attrNameLst>
+                                          <p:attrName>ppt_y</p:attrName>
+                                        </p:attrNameLst>
+                                      </p:cBhvr>
+                                      <p:tavLst>
+                                        <p:tav tm="0">
+                                          <p:val>
+                                            <p:strVal val="#ppt_y"/>
+                                          </p:val>
+                                        </p:tav>
+                                        <p:tav tm="100000">
+                                          <p:val>
+                                            <p:strVal val="#ppt_y"/>
+                                          </p:val>
+                                        </p:tav>
+                                      </p:tavLst>
+                                    </p:anim>
+                                  </p:childTnLst>
+                                </p:cTn>
+                              </p:par>
+                              <p:par>
+                                <p:cTn id="40" presetID="2" presetClass="entr" presetSubtype="8" fill="hold" grpId="0" nodeType="withEffect">
+                                  <p:stCondLst>
+                                    <p:cond delay="0"/>
+                                  </p:stCondLst>
+                                  <p:childTnLst>
+                                    <p:set>
+                                      <p:cBhvr>
+                                        <p:cTn id="41" dur="1" fill="hold">
+                                          <p:stCondLst>
+                                            <p:cond delay="0"/>
+                                          </p:stCondLst>
+                                        </p:cTn>
+                                        <p:tgtEl>
+                                          <p:spTgt spid="12"/>
+                                        </p:tgtEl>
+                                        <p:attrNameLst>
+                                          <p:attrName>style.visibility</p:attrName>
+                                        </p:attrNameLst>
+                                      </p:cBhvr>
+                                      <p:to>
+                                        <p:strVal val="visible"/>
+                                      </p:to>
+                                    </p:set>
+                                    <p:anim calcmode="lin" valueType="num">
+                                      <p:cBhvr additive="base">
+                                        <p:cTn id="42" dur="500" fill="hold"/>
+                                        <p:tgtEl>
+                                          <p:spTgt spid="12"/>
+                                        </p:tgtEl>
+                                        <p:attrNameLst>
+                                          <p:attrName>ppt_x</p:attrName>
+                                        </p:attrNameLst>
+                                      </p:cBhvr>
+                                      <p:tavLst>
+                                        <p:tav tm="0">
+                                          <p:val>
+                                            <p:strVal val="0-#ppt_w/2"/>
+                                          </p:val>
+                                        </p:tav>
+                                        <p:tav tm="100000">
+                                          <p:val>
+                                            <p:strVal val="#ppt_x"/>
+                                          </p:val>
+                                        </p:tav>
+                                      </p:tavLst>
+                                    </p:anim>
+                                    <p:anim calcmode="lin" valueType="num">
+                                      <p:cBhvr additive="base">
+                                        <p:cTn id="43" dur="500" fill="hold"/>
+                                        <p:tgtEl>
+                                          <p:spTgt spid="12"/>
+                                        </p:tgtEl>
+                                        <p:attrNameLst>
+                                          <p:attrName>ppt_y</p:attrName>
+                                        </p:attrNameLst>
+                                      </p:cBhvr>
+                                      <p:tavLst>
+                                        <p:tav tm="0">
+                                          <p:val>
+                                            <p:strVal val="#ppt_y"/>
+                                          </p:val>
+                                        </p:tav>
+                                        <p:tav tm="100000">
+                                          <p:val>
+                                            <p:strVal val="#ppt_y"/>
+                                          </p:val>
+                                        </p:tav>
+                                      </p:tavLst>
+                                    </p:anim>
+                                  </p:childTnLst>
+                                </p:cTn>
+                              </p:par>
+                            </p:childTnLst>
+                          </p:cTn>
+                        </p:par>
+                      </p:childTnLst>
+                    </p:cTn>
+                  </p:par>
+                  <p:par>
+                    <p:cTn id="44" fill="hold">
+                      <p:stCondLst>
+                        <p:cond delay="indefinite"/>
+                      </p:stCondLst>
+                      <p:childTnLst>
+                        <p:par>
+                          <p:cTn id="45" fill="hold">
+                            <p:stCondLst>
+                              <p:cond delay="0"/>
+                            </p:stCondLst>
+                            <p:childTnLst>
+                              <p:par>
+                                <p:cTn id="46" presetID="2" presetClass="entr" presetSubtype="2" fill="hold" grpId="0" nodeType="clickEffect">
+                                  <p:stCondLst>
+                                    <p:cond delay="0"/>
+                                  </p:stCondLst>
+                                  <p:childTnLst>
+                                    <p:set>
+                                      <p:cBhvr>
+                                        <p:cTn id="47" dur="1" fill="hold">
+                                          <p:stCondLst>
+                                            <p:cond delay="0"/>
+                                          </p:stCondLst>
+                                        </p:cTn>
+                                        <p:tgtEl>
+                                          <p:spTgt spid="28"/>
+                                        </p:tgtEl>
+                                        <p:attrNameLst>
+                                          <p:attrName>style.visibility</p:attrName>
+                                        </p:attrNameLst>
+                                      </p:cBhvr>
+                                      <p:to>
+                                        <p:strVal val="visible"/>
+                                      </p:to>
+                                    </p:set>
+                                    <p:anim calcmode="lin" valueType="num">
+                                      <p:cBhvr additive="base">
+                                        <p:cTn id="48" dur="500" fill="hold"/>
+                                        <p:tgtEl>
+                                          <p:spTgt spid="28"/>
+                                        </p:tgtEl>
+                                        <p:attrNameLst>
+                                          <p:attrName>ppt_x</p:attrName>
+                                        </p:attrNameLst>
+                                      </p:cBhvr>
+                                      <p:tavLst>
+                                        <p:tav tm="0">
+                                          <p:val>
+                                            <p:strVal val="1+#ppt_w/2"/>
+                                          </p:val>
+                                        </p:tav>
+                                        <p:tav tm="100000">
+                                          <p:val>
+                                            <p:strVal val="#ppt_x"/>
+                                          </p:val>
+                                        </p:tav>
+                                      </p:tavLst>
+                                    </p:anim>
+                                    <p:anim calcmode="lin" valueType="num">
+                                      <p:cBhvr additive="base">
+                                        <p:cTn id="49" dur="500" fill="hold"/>
+                                        <p:tgtEl>
+                                          <p:spTgt spid="28"/>
+                                        </p:tgtEl>
+                                        <p:attrNameLst>
+                                          <p:attrName>ppt_y</p:attrName>
+                                        </p:attrNameLst>
+                                      </p:cBhvr>
+                                      <p:tavLst>
+                                        <p:tav tm="0">
+                                          <p:val>
+                                            <p:strVal val="#ppt_y"/>
+                                          </p:val>
+                                        </p:tav>
+                                        <p:tav tm="100000">
+                                          <p:val>
+                                            <p:strVal val="#ppt_y"/>
+                                          </p:val>
+                                        </p:tav>
+                                      </p:tavLst>
+                                    </p:anim>
+                                  </p:childTnLst>
+                                </p:cTn>
+                              </p:par>
+                              <p:par>
+                                <p:cTn id="50" presetID="2" presetClass="entr" presetSubtype="2" fill="hold" grpId="0" nodeType="withEffect">
+                                  <p:stCondLst>
+                                    <p:cond delay="0"/>
+                                  </p:stCondLst>
+                                  <p:childTnLst>
+                                    <p:set>
+                                      <p:cBhvr>
+                                        <p:cTn id="51" dur="1" fill="hold">
+                                          <p:stCondLst>
+                                            <p:cond delay="0"/>
+                                          </p:stCondLst>
+                                        </p:cTn>
+                                        <p:tgtEl>
+                                          <p:spTgt spid="27"/>
+                                        </p:tgtEl>
+                                        <p:attrNameLst>
+                                          <p:attrName>style.visibility</p:attrName>
+                                        </p:attrNameLst>
+                                      </p:cBhvr>
+                                      <p:to>
+                                        <p:strVal val="visible"/>
+                                      </p:to>
+                                    </p:set>
+                                    <p:anim calcmode="lin" valueType="num">
+                                      <p:cBhvr additive="base">
+                                        <p:cTn id="52" dur="500" fill="hold"/>
+                                        <p:tgtEl>
+                                          <p:spTgt spid="27"/>
+                                        </p:tgtEl>
+                                        <p:attrNameLst>
+                                          <p:attrName>ppt_x</p:attrName>
+                                        </p:attrNameLst>
+                                      </p:cBhvr>
+                                      <p:tavLst>
+                                        <p:tav tm="0">
+                                          <p:val>
+                                            <p:strVal val="1+#ppt_w/2"/>
+                                          </p:val>
+                                        </p:tav>
+                                        <p:tav tm="100000">
+                                          <p:val>
+                                            <p:strVal val="#ppt_x"/>
+                                          </p:val>
+                                        </p:tav>
+                                      </p:tavLst>
+                                    </p:anim>
+                                    <p:anim calcmode="lin" valueType="num">
+                                      <p:cBhvr additive="base">
+                                        <p:cTn id="53" dur="500" fill="hold"/>
+                                        <p:tgtEl>
+                                          <p:spTgt spid="27"/>
+                                        </p:tgtEl>
+                                        <p:attrNameLst>
+                                          <p:attrName>ppt_y</p:attrName>
+                                        </p:attrNameLst>
+                                      </p:cBhvr>
+                                      <p:tavLst>
+                                        <p:tav tm="0">
+                                          <p:val>
+                                            <p:strVal val="#ppt_y"/>
+                                          </p:val>
+                                        </p:tav>
+                                        <p:tav tm="100000">
+                                          <p:val>
+                                            <p:strVal val="#ppt_y"/>
+                                          </p:val>
+                                        </p:tav>
+                                      </p:tavLst>
+                                    </p:anim>
+                                  </p:childTnLst>
+                                </p:cTn>
+                              </p:par>
+                              <p:par>
+                                <p:cTn id="54" presetID="2" presetClass="entr" presetSubtype="2" fill="hold" grpId="0" nodeType="withEffect">
+                                  <p:stCondLst>
+                                    <p:cond delay="0"/>
+                                  </p:stCondLst>
+                                  <p:childTnLst>
+                                    <p:set>
+                                      <p:cBhvr>
+                                        <p:cTn id="55" dur="1" fill="hold">
+                                          <p:stCondLst>
+                                            <p:cond delay="0"/>
+                                          </p:stCondLst>
+                                        </p:cTn>
+                                        <p:tgtEl>
+                                          <p:spTgt spid="26"/>
+                                        </p:tgtEl>
+                                        <p:attrNameLst>
+                                          <p:attrName>style.visibility</p:attrName>
+                                        </p:attrNameLst>
+                                      </p:cBhvr>
+                                      <p:to>
+                                        <p:strVal val="visible"/>
+                                      </p:to>
+                                    </p:set>
+                                    <p:anim calcmode="lin" valueType="num">
+                                      <p:cBhvr additive="base">
+                                        <p:cTn id="56" dur="500" fill="hold"/>
+                                        <p:tgtEl>
+                                          <p:spTgt spid="26"/>
+                                        </p:tgtEl>
+                                        <p:attrNameLst>
+                                          <p:attrName>ppt_x</p:attrName>
+                                        </p:attrNameLst>
+                                      </p:cBhvr>
+                                      <p:tavLst>
+                                        <p:tav tm="0">
+                                          <p:val>
+                                            <p:strVal val="1+#ppt_w/2"/>
+                                          </p:val>
+                                        </p:tav>
+                                        <p:tav tm="100000">
+                                          <p:val>
+                                            <p:strVal val="#ppt_x"/>
+                                          </p:val>
+                                        </p:tav>
+                                      </p:tavLst>
+                                    </p:anim>
+                                    <p:anim calcmode="lin" valueType="num">
+                                      <p:cBhvr additive="base">
+                                        <p:cTn id="57" dur="500" fill="hold"/>
+                                        <p:tgtEl>
+                                          <p:spTgt spid="26"/>
+                                        </p:tgtEl>
+                                        <p:attrNameLst>
+                                          <p:attrName>ppt_y</p:attrName>
+                                        </p:attrNameLst>
+                                      </p:cBhvr>
+                                      <p:tavLst>
+                                        <p:tav tm="0">
+                                          <p:val>
+                                            <p:strVal val="#ppt_y"/>
+                                          </p:val>
+                                        </p:tav>
+                                        <p:tav tm="100000">
+                                          <p:val>
+                                            <p:strVal val="#ppt_y"/>
+                                          </p:val>
+                                        </p:tav>
+                                      </p:tavLst>
+                                    </p:anim>
+                                  </p:childTnLst>
+                                </p:cTn>
+                              </p:par>
+                              <p:par>
+                                <p:cTn id="58" presetID="2" presetClass="entr" presetSubtype="4" fill="hold" grpId="0" nodeType="withEffect">
+                                  <p:stCondLst>
+                                    <p:cond delay="0"/>
+                                  </p:stCondLst>
+                                  <p:childTnLst>
+                                    <p:set>
+                                      <p:cBhvr>
+                                        <p:cTn id="59" dur="1" fill="hold">
+                                          <p:stCondLst>
+                                            <p:cond delay="0"/>
+                                          </p:stCondLst>
+                                        </p:cTn>
+                                        <p:tgtEl>
+                                          <p:spTgt spid="22"/>
+                                        </p:tgtEl>
+                                        <p:attrNameLst>
+                                          <p:attrName>style.visibility</p:attrName>
+                                        </p:attrNameLst>
+                                      </p:cBhvr>
+                                      <p:to>
+                                        <p:strVal val="visible"/>
+                                      </p:to>
+                                    </p:set>
+                                    <p:anim calcmode="lin" valueType="num">
+                                      <p:cBhvr additive="base">
+                                        <p:cTn id="60" dur="500" fill="hold"/>
+                                        <p:tgtEl>
+                                          <p:spTgt spid="22"/>
+                                        </p:tgtEl>
+                                        <p:attrNameLst>
+                                          <p:attrName>ppt_x</p:attrName>
+                                        </p:attrNameLst>
+                                      </p:cBhvr>
+                                      <p:tavLst>
+                                        <p:tav tm="0">
+                                          <p:val>
+                                            <p:strVal val="#ppt_x"/>
+                                          </p:val>
+                                        </p:tav>
+                                        <p:tav tm="100000">
+                                          <p:val>
+                                            <p:strVal val="#ppt_x"/>
+                                          </p:val>
+                                        </p:tav>
+                                      </p:tavLst>
+                                    </p:anim>
+                                    <p:anim calcmode="lin" valueType="num">
+                                      <p:cBhvr additive="base">
+                                        <p:cTn id="61" dur="500" fill="hold"/>
+                                        <p:tgtEl>
+                                          <p:spTgt spid="22"/>
+                                        </p:tgtEl>
+                                        <p:attrNameLst>
+                                          <p:attrName>ppt_y</p:attrName>
+                                        </p:attrNameLst>
+                                      </p:cBhvr>
+                                      <p:tavLst>
+                                        <p:tav tm="0">
+                                          <p:val>
+                                            <p:strVal val="1+#ppt_h/2"/>
+                                          </p:val>
+                                        </p:tav>
+                                        <p:tav tm="100000">
+                                          <p:val>
+                                            <p:strVal val="#ppt_y"/>
+                                          </p:val>
+                                        </p:tav>
+                                      </p:tavLst>
+                                    </p:anim>
+                                  </p:childTnLst>
+                                </p:cTn>
+                              </p:par>
+                              <p:par>
+                                <p:cTn id="62" presetID="2" presetClass="entr" presetSubtype="4" fill="hold" grpId="0" nodeType="withEffect">
+                                  <p:stCondLst>
+                                    <p:cond delay="0"/>
+                                  </p:stCondLst>
+                                  <p:childTnLst>
+                                    <p:set>
+                                      <p:cBhvr>
+                                        <p:cTn id="63" dur="1" fill="hold">
+                                          <p:stCondLst>
+                                            <p:cond delay="0"/>
+                                          </p:stCondLst>
+                                        </p:cTn>
+                                        <p:tgtEl>
+                                          <p:spTgt spid="25"/>
+                                        </p:tgtEl>
+                                        <p:attrNameLst>
+                                          <p:attrName>style.visibility</p:attrName>
+                                        </p:attrNameLst>
+                                      </p:cBhvr>
+                                      <p:to>
+                                        <p:strVal val="visible"/>
+                                      </p:to>
+                                    </p:set>
+                                    <p:anim calcmode="lin" valueType="num">
+                                      <p:cBhvr additive="base">
+                                        <p:cTn id="64" dur="500" fill="hold"/>
+                                        <p:tgtEl>
+                                          <p:spTgt spid="25"/>
+                                        </p:tgtEl>
+                                        <p:attrNameLst>
+                                          <p:attrName>ppt_x</p:attrName>
+                                        </p:attrNameLst>
+                                      </p:cBhvr>
+                                      <p:tavLst>
+                                        <p:tav tm="0">
+                                          <p:val>
+                                            <p:strVal val="#ppt_x"/>
+                                          </p:val>
+                                        </p:tav>
+                                        <p:tav tm="100000">
+                                          <p:val>
+                                            <p:strVal val="#ppt_x"/>
+                                          </p:val>
+                                        </p:tav>
+                                      </p:tavLst>
+                                    </p:anim>
+                                    <p:anim calcmode="lin" valueType="num">
+                                      <p:cBhvr additive="base">
+                                        <p:cTn id="65" dur="500" fill="hold"/>
+                                        <p:tgtEl>
+                                          <p:spTgt spid="25"/>
+                                        </p:tgtEl>
+                                        <p:attrNameLst>
+                                          <p:attrName>ppt_y</p:attrName>
+                                        </p:attrNameLst>
+                                      </p:cBhvr>
+                                      <p:tavLst>
+                                        <p:tav tm="0">
+                                          <p:val>
+                                            <p:strVal val="1+#ppt_h/2"/>
+                                          </p:val>
+                                        </p:tav>
+                                        <p:tav tm="100000">
+                                          <p:val>
+                                            <p:strVal val="#ppt_y"/>
+                                          </p:val>
+                                        </p:tav>
+                                      </p:tavLst>
+                                    </p:anim>
+                                  </p:childTnLst>
+                                </p:cTn>
+                              </p:par>
+                              <p:par>
+                                <p:cTn id="66" presetID="2" presetClass="entr" presetSubtype="4" fill="hold" grpId="0" nodeType="withEffect">
+                                  <p:stCondLst>
+                                    <p:cond delay="0"/>
+                                  </p:stCondLst>
+                                  <p:childTnLst>
+                                    <p:set>
+                                      <p:cBhvr>
+                                        <p:cTn id="67" dur="1" fill="hold">
+                                          <p:stCondLst>
+                                            <p:cond delay="0"/>
+                                          </p:stCondLst>
+                                        </p:cTn>
+                                        <p:tgtEl>
+                                          <p:spTgt spid="24"/>
+                                        </p:tgtEl>
+                                        <p:attrNameLst>
+                                          <p:attrName>style.visibility</p:attrName>
+                                        </p:attrNameLst>
+                                      </p:cBhvr>
+                                      <p:to>
+                                        <p:strVal val="visible"/>
+                                      </p:to>
+                                    </p:set>
+                                    <p:anim calcmode="lin" valueType="num">
+                                      <p:cBhvr additive="base">
+                                        <p:cTn id="68" dur="500" fill="hold"/>
+                                        <p:tgtEl>
+                                          <p:spTgt spid="24"/>
+                                        </p:tgtEl>
+                                        <p:attrNameLst>
+                                          <p:attrName>ppt_x</p:attrName>
+                                        </p:attrNameLst>
+                                      </p:cBhvr>
+                                      <p:tavLst>
+                                        <p:tav tm="0">
+                                          <p:val>
+                                            <p:strVal val="#ppt_x"/>
+                                          </p:val>
+                                        </p:tav>
+                                        <p:tav tm="100000">
+                                          <p:val>
+                                            <p:strVal val="#ppt_x"/>
+                                          </p:val>
+                                        </p:tav>
+                                      </p:tavLst>
+                                    </p:anim>
+                                    <p:anim calcmode="lin" valueType="num">
+                                      <p:cBhvr additive="base">
+                                        <p:cTn id="69" dur="500" fill="hold"/>
+                                        <p:tgtEl>
+                                          <p:spTgt spid="24"/>
+                                        </p:tgtEl>
+                                        <p:attrNameLst>
+                                          <p:attrName>ppt_y</p:attrName>
+                                        </p:attrNameLst>
+                                      </p:cBhvr>
+                                      <p:tavLst>
+                                        <p:tav tm="0">
+                                          <p:val>
+                                            <p:strVal val="1+#ppt_h/2"/>
+                                          </p:val>
+                                        </p:tav>
+                                        <p:tav tm="100000">
+                                          <p:val>
+                                            <p:strVal val="#ppt_y"/>
+                                          </p:val>
+                                        </p:tav>
+                                      </p:tavLst>
+                                    </p:anim>
+                                  </p:childTnLst>
+                                </p:cTn>
+                              </p:par>
+                            </p:childTnLst>
+                          </p:cTn>
+                        </p:par>
+                      </p:childTnLst>
+                    </p:cTn>
+                  </p:par>
+                  <p:par>
+                    <p:cTn id="70" fill="hold">
+                      <p:stCondLst>
+                        <p:cond delay="indefinite"/>
+                      </p:stCondLst>
+                      <p:childTnLst>
+                        <p:par>
+                          <p:cTn id="71" fill="hold">
+                            <p:stCondLst>
+                              <p:cond delay="0"/>
+                            </p:stCondLst>
+                            <p:childTnLst>
+                              <p:par>
+                                <p:cTn id="72" presetID="2" presetClass="entr" presetSubtype="1" fill="hold" grpId="0" nodeType="clickEffect">
+                                  <p:stCondLst>
+                                    <p:cond delay="0"/>
+                                  </p:stCondLst>
+                                  <p:childTnLst>
+                                    <p:set>
+                                      <p:cBhvr>
+                                        <p:cTn id="73" dur="1" fill="hold">
+                                          <p:stCondLst>
+                                            <p:cond delay="0"/>
+                                          </p:stCondLst>
+                                        </p:cTn>
+                                        <p:tgtEl>
+                                          <p:spTgt spid="7"/>
+                                        </p:tgtEl>
+                                        <p:attrNameLst>
+                                          <p:attrName>style.visibility</p:attrName>
+                                        </p:attrNameLst>
+                                      </p:cBhvr>
+                                      <p:to>
+                                        <p:strVal val="visible"/>
+                                      </p:to>
+                                    </p:set>
+                                    <p:anim calcmode="lin" valueType="num">
+                                      <p:cBhvr additive="base">
+                                        <p:cTn id="74" dur="500" fill="hold"/>
+                                        <p:tgtEl>
+                                          <p:spTgt spid="7"/>
+                                        </p:tgtEl>
+                                        <p:attrNameLst>
+                                          <p:attrName>ppt_x</p:attrName>
+                                        </p:attrNameLst>
+                                      </p:cBhvr>
+                                      <p:tavLst>
+                                        <p:tav tm="0">
+                                          <p:val>
+                                            <p:strVal val="#ppt_x"/>
+                                          </p:val>
+                                        </p:tav>
+                                        <p:tav tm="100000">
+                                          <p:val>
+                                            <p:strVal val="#ppt_x"/>
+                                          </p:val>
+                                        </p:tav>
+                                      </p:tavLst>
+                                    </p:anim>
+                                    <p:anim calcmode="lin" valueType="num">
+                                      <p:cBhvr additive="base">
+                                        <p:cTn id="75" dur="500" fill="hold"/>
+                                        <p:tgtEl>
+                                          <p:spTgt spid="7"/>
+                                        </p:tgtEl>
+                                        <p:attrNameLst>
+                                          <p:attrName>ppt_y</p:attrName>
+                                        </p:attrNameLst>
+                                      </p:cBhvr>
+                                      <p:tavLst>
+                                        <p:tav tm="0">
+                                          <p:val>
+                                            <p:strVal val="0-#ppt_h/2"/>
+                                          </p:val>
+                                        </p:tav>
+                                        <p:tav tm="100000">
+                                          <p:val>
+                                            <p:strVal val="#ppt_y"/>
+                                          </p:val>
+                                        </p:tav>
+                                      </p:tavLst>
+                                    </p:anim>
+                                  </p:childTnLst>
+                                </p:cTn>
+                              </p:par>
+                              <p:par>
+                                <p:cTn id="76" presetID="2" presetClass="entr" presetSubtype="1" fill="hold" grpId="0" nodeType="withEffect">
+                                  <p:stCondLst>
+                                    <p:cond delay="0"/>
+                                  </p:stCondLst>
+                                  <p:childTnLst>
+                                    <p:set>
+                                      <p:cBhvr>
+                                        <p:cTn id="77" dur="1" fill="hold">
+                                          <p:stCondLst>
+                                            <p:cond delay="0"/>
+                                          </p:stCondLst>
+                                        </p:cTn>
+                                        <p:tgtEl>
+                                          <p:spTgt spid="9"/>
+                                        </p:tgtEl>
+                                        <p:attrNameLst>
+                                          <p:attrName>style.visibility</p:attrName>
+                                        </p:attrNameLst>
+                                      </p:cBhvr>
+                                      <p:to>
+                                        <p:strVal val="visible"/>
+                                      </p:to>
+                                    </p:set>
+                                    <p:anim calcmode="lin" valueType="num">
+                                      <p:cBhvr additive="base">
+                                        <p:cTn id="78" dur="500" fill="hold"/>
+                                        <p:tgtEl>
+                                          <p:spTgt spid="9"/>
+                                        </p:tgtEl>
+                                        <p:attrNameLst>
+                                          <p:attrName>ppt_x</p:attrName>
+                                        </p:attrNameLst>
+                                      </p:cBhvr>
+                                      <p:tavLst>
+                                        <p:tav tm="0">
+                                          <p:val>
+                                            <p:strVal val="#ppt_x"/>
+                                          </p:val>
+                                        </p:tav>
+                                        <p:tav tm="100000">
+                                          <p:val>
+                                            <p:strVal val="#ppt_x"/>
+                                          </p:val>
+                                        </p:tav>
+                                      </p:tavLst>
+                                    </p:anim>
+                                    <p:anim calcmode="lin" valueType="num">
+                                      <p:cBhvr additive="base">
+                                        <p:cTn id="79" dur="500" fill="hold"/>
+                                        <p:tgtEl>
+                                          <p:spTgt spid="9"/>
+                                        </p:tgtEl>
+                                        <p:attrNameLst>
+                                          <p:attrName>ppt_y</p:attrName>
+                                        </p:attrNameLst>
+                                      </p:cBhvr>
+                                      <p:tavLst>
+                                        <p:tav tm="0">
+                                          <p:val>
+                                            <p:strVal val="0-#ppt_h/2"/>
+                                          </p:val>
+                                        </p:tav>
+                                        <p:tav tm="100000">
+                                          <p:val>
+                                            <p:strVal val="#ppt_y"/>
+                                          </p:val>
+                                        </p:tav>
+                                      </p:tavLst>
+                                    </p:anim>
+                                  </p:childTnLst>
+                                </p:cTn>
+                              </p:par>
+                              <p:par>
+                                <p:cTn id="80" presetID="2" presetClass="entr" presetSubtype="1" fill="hold" grpId="0" nodeType="withEffect">
+                                  <p:stCondLst>
+                                    <p:cond delay="0"/>
+                                  </p:stCondLst>
+                                  <p:childTnLst>
+                                    <p:set>
+                                      <p:cBhvr>
+                                        <p:cTn id="81" dur="1" fill="hold">
+                                          <p:stCondLst>
+                                            <p:cond delay="0"/>
+                                          </p:stCondLst>
+                                        </p:cTn>
+                                        <p:tgtEl>
+                                          <p:spTgt spid="8"/>
+                                        </p:tgtEl>
+                                        <p:attrNameLst>
+                                          <p:attrName>style.visibility</p:attrName>
+                                        </p:attrNameLst>
+                                      </p:cBhvr>
+                                      <p:to>
+                                        <p:strVal val="visible"/>
+                                      </p:to>
+                                    </p:set>
+                                    <p:anim calcmode="lin" valueType="num">
+                                      <p:cBhvr additive="base">
+                                        <p:cTn id="82" dur="500" fill="hold"/>
+                                        <p:tgtEl>
+                                          <p:spTgt spid="8"/>
+                                        </p:tgtEl>
+                                        <p:attrNameLst>
+                                          <p:attrName>ppt_x</p:attrName>
+                                        </p:attrNameLst>
+                                      </p:cBhvr>
+                                      <p:tavLst>
+                                        <p:tav tm="0">
+                                          <p:val>
+                                            <p:strVal val="#ppt_x"/>
+                                          </p:val>
+                                        </p:tav>
+                                        <p:tav tm="100000">
+                                          <p:val>
+                                            <p:strVal val="#ppt_x"/>
+                                          </p:val>
+                                        </p:tav>
+                                      </p:tavLst>
+                                    </p:anim>
+                                    <p:anim calcmode="lin" valueType="num">
+                                      <p:cBhvr additive="base">
+                                        <p:cTn id="83" dur="500" fill="hold"/>
+                                        <p:tgtEl>
+                                          <p:spTgt spid="8"/>
+                                        </p:tgtEl>
+                                        <p:attrNameLst>
+                                          <p:attrName>ppt_y</p:attrName>
+                                        </p:attrNameLst>
+                                      </p:cBhvr>
+                                      <p:tavLst>
+                                        <p:tav tm="0">
+                                          <p:val>
+                                            <p:strVal val="0-#ppt_h/2"/>
+                                          </p:val>
+                                        </p:tav>
+                                        <p:tav tm="100000">
+                                          <p:val>
+                                            <p:strVal val="#ppt_y"/>
+                                          </p:val>
+                                        </p:tav>
+                                      </p:tavLst>
+                                    </p:anim>
+                                  </p:childTnLst>
+                                </p:cTn>
+                              </p:par>
+                            </p:childTnLst>
+                          </p:cTn>
+                        </p:par>
+                      </p:childTnLst>
+                    </p:cTn>
+                  </p:par>
+                  <p:par>
+                    <p:cTn id="84" fill="hold">
+                      <p:stCondLst>
+                        <p:cond delay="indefinite"/>
+                      </p:stCondLst>
+                      <p:childTnLst>
+                        <p:par>
+                          <p:cTn id="85" fill="hold">
+                            <p:stCondLst>
+                              <p:cond delay="0"/>
+                            </p:stCondLst>
+                            <p:childTnLst>
+                              <p:par>
+                                <p:cTn id="86" presetID="2" presetClass="entr" presetSubtype="2" fill="hold" nodeType="clickEffect">
+                                  <p:stCondLst>
+                                    <p:cond delay="0"/>
+                                  </p:stCondLst>
+                                  <p:childTnLst>
+                                    <p:set>
+                                      <p:cBhvr>
+                                        <p:cTn id="87" dur="1" fill="hold">
+                                          <p:stCondLst>
+                                            <p:cond delay="0"/>
+                                          </p:stCondLst>
+                                        </p:cTn>
+                                        <p:tgtEl>
+                                          <p:spTgt spid="33"/>
+                                        </p:tgtEl>
+                                        <p:attrNameLst>
+                                          <p:attrName>style.visibility</p:attrName>
+                                        </p:attrNameLst>
+                                      </p:cBhvr>
+                                      <p:to>
+                                        <p:strVal val="visible"/>
+                                      </p:to>
+                                    </p:set>
+                                    <p:anim calcmode="lin" valueType="num">
+                                      <p:cBhvr additive="base">
+                                        <p:cTn id="88" dur="500" fill="hold"/>
+                                        <p:tgtEl>
+                                          <p:spTgt spid="33"/>
+                                        </p:tgtEl>
+                                        <p:attrNameLst>
+                                          <p:attrName>ppt_x</p:attrName>
+                                        </p:attrNameLst>
+                                      </p:cBhvr>
+                                      <p:tavLst>
+                                        <p:tav tm="0">
+                                          <p:val>
+                                            <p:strVal val="1+#ppt_w/2"/>
+                                          </p:val>
+                                        </p:tav>
+                                        <p:tav tm="100000">
+                                          <p:val>
+                                            <p:strVal val="#ppt_x"/>
+                                          </p:val>
+                                        </p:tav>
+                                      </p:tavLst>
+                                    </p:anim>
+                                    <p:anim calcmode="lin" valueType="num">
+                                      <p:cBhvr additive="base">
+                                        <p:cTn id="89" dur="500" fill="hold"/>
+                                        <p:tgtEl>
+                                          <p:spTgt spid="33"/>
+                                        </p:tgtEl>
+                                        <p:attrNameLst>
+                                          <p:attrName>ppt_y</p:attrName>
+                                        </p:attrNameLst>
+                                      </p:cBhvr>
+                                      <p:tavLst>
+                                        <p:tav tm="0">
+                                          <p:val>
+                                            <p:strVal val="#ppt_y"/>
+                                          </p:val>
+                                        </p:tav>
+                                        <p:tav tm="100000">
+                                          <p:val>
+                                            <p:strVal val="#ppt_y"/>
+                                          </p:val>
+                                        </p:tav>
+                                      </p:tavLst>
+                                    </p:anim>
+                                  </p:childTnLst>
+                                </p:cTn>
+                              </p:par>
+                              <p:par>
+                                <p:cTn id="90" presetID="2" presetClass="entr" presetSubtype="2" fill="hold" grpId="0" nodeType="withEffect">
+                                  <p:stCondLst>
+                                    <p:cond delay="0"/>
+                                  </p:stCondLst>
+                                  <p:childTnLst>
+                                    <p:set>
+                                      <p:cBhvr>
+                                        <p:cTn id="91" dur="1" fill="hold">
+                                          <p:stCondLst>
+                                            <p:cond delay="0"/>
+                                          </p:stCondLst>
+                                        </p:cTn>
+                                        <p:tgtEl>
+                                          <p:spTgt spid="37"/>
+                                        </p:tgtEl>
+                                        <p:attrNameLst>
+                                          <p:attrName>style.visibility</p:attrName>
+                                        </p:attrNameLst>
+                                      </p:cBhvr>
+                                      <p:to>
+                                        <p:strVal val="visible"/>
+                                      </p:to>
+                                    </p:set>
+                                    <p:anim calcmode="lin" valueType="num">
+                                      <p:cBhvr additive="base">
+                                        <p:cTn id="92" dur="500" fill="hold"/>
+                                        <p:tgtEl>
+                                          <p:spTgt spid="37"/>
+                                        </p:tgtEl>
+                                        <p:attrNameLst>
+                                          <p:attrName>ppt_x</p:attrName>
+                                        </p:attrNameLst>
+                                      </p:cBhvr>
+                                      <p:tavLst>
+                                        <p:tav tm="0">
+                                          <p:val>
+                                            <p:strVal val="1+#ppt_w/2"/>
+                                          </p:val>
+                                        </p:tav>
+                                        <p:tav tm="100000">
+                                          <p:val>
+                                            <p:strVal val="#ppt_x"/>
+                                          </p:val>
+                                        </p:tav>
+                                      </p:tavLst>
+                                    </p:anim>
+                                    <p:anim calcmode="lin" valueType="num">
+                                      <p:cBhvr additive="base">
+                                        <p:cTn id="93" dur="500" fill="hold"/>
+                                        <p:tgtEl>
+                                          <p:spTgt spid="37"/>
+                                        </p:tgtEl>
+                                        <p:attrNameLst>
+                                          <p:attrName>ppt_y</p:attrName>
+                                        </p:attrNameLst>
+                                      </p:cBhvr>
+                                      <p:tavLst>
+                                        <p:tav tm="0">
+                                          <p:val>
+                                            <p:strVal val="#ppt_y"/>
+                                          </p:val>
+                                        </p:tav>
+                                        <p:tav tm="100000">
+                                          <p:val>
+                                            <p:strVal val="#ppt_y"/>
+                                          </p:val>
+                                        </p:tav>
+                                      </p:tavLst>
+                                    </p:anim>
+                                  </p:childTnLst>
+                                </p:cTn>
+                              </p:par>
+                            </p:childTnLst>
+                          </p:cTn>
+                        </p:par>
+                      </p:childTnLst>
+                    </p:cTn>
+                  </p:par>
+                  <p:par>
+                    <p:cTn id="94" fill="hold">
+                      <p:stCondLst>
+                        <p:cond delay="indefinite"/>
+                      </p:stCondLst>
+                      <p:childTnLst>
+                        <p:par>
+                          <p:cTn id="95" fill="hold">
+                            <p:stCondLst>
+                              <p:cond delay="0"/>
+                            </p:stCondLst>
+                            <p:childTnLst>
+                              <p:par>
+                                <p:cTn id="96" presetID="2" presetClass="entr" presetSubtype="8" fill="hold" nodeType="clickEffect">
+                                  <p:stCondLst>
+                                    <p:cond delay="0"/>
+                                  </p:stCondLst>
+                                  <p:childTnLst>
+                                    <p:set>
+                                      <p:cBhvr>
+                                        <p:cTn id="97" dur="1" fill="hold">
+                                          <p:stCondLst>
+                                            <p:cond delay="0"/>
+                                          </p:stCondLst>
+                                        </p:cTn>
+                                        <p:tgtEl>
+                                          <p:spTgt spid="31"/>
+                                        </p:tgtEl>
+                                        <p:attrNameLst>
+                                          <p:attrName>style.visibility</p:attrName>
+                                        </p:attrNameLst>
+                                      </p:cBhvr>
+                                      <p:to>
+                                        <p:strVal val="visible"/>
+                                      </p:to>
+                                    </p:set>
+                                    <p:anim calcmode="lin" valueType="num">
+                                      <p:cBhvr additive="base">
+                                        <p:cTn id="98" dur="500" fill="hold"/>
+                                        <p:tgtEl>
+                                          <p:spTgt spid="31"/>
+                                        </p:tgtEl>
+                                        <p:attrNameLst>
+                                          <p:attrName>ppt_x</p:attrName>
+                                        </p:attrNameLst>
+                                      </p:cBhvr>
+                                      <p:tavLst>
+                                        <p:tav tm="0">
+                                          <p:val>
+                                            <p:strVal val="0-#ppt_w/2"/>
+                                          </p:val>
+                                        </p:tav>
+                                        <p:tav tm="100000">
+                                          <p:val>
+                                            <p:strVal val="#ppt_x"/>
+                                          </p:val>
+                                        </p:tav>
+                                      </p:tavLst>
+                                    </p:anim>
+                                    <p:anim calcmode="lin" valueType="num">
+                                      <p:cBhvr additive="base">
+                                        <p:cTn id="99" dur="500" fill="hold"/>
+                                        <p:tgtEl>
+                                          <p:spTgt spid="31"/>
+                                        </p:tgtEl>
+                                        <p:attrNameLst>
+                                          <p:attrName>ppt_y</p:attrName>
+                                        </p:attrNameLst>
+                                      </p:cBhvr>
+                                      <p:tavLst>
+                                        <p:tav tm="0">
+                                          <p:val>
+                                            <p:strVal val="#ppt_y"/>
+                                          </p:val>
+                                        </p:tav>
+                                        <p:tav tm="100000">
+                                          <p:val>
+                                            <p:strVal val="#ppt_y"/>
+                                          </p:val>
+                                        </p:tav>
+                                      </p:tavLst>
+                                    </p:anim>
+                                  </p:childTnLst>
+                                </p:cTn>
+                              </p:par>
+                              <p:par>
+                                <p:cTn id="100" presetID="2" presetClass="entr" presetSubtype="8" fill="hold" grpId="0" nodeType="withEffect">
+                                  <p:stCondLst>
+                                    <p:cond delay="0"/>
+                                  </p:stCondLst>
+                                  <p:childTnLst>
+                                    <p:set>
+                                      <p:cBhvr>
+                                        <p:cTn id="101" dur="1" fill="hold">
+                                          <p:stCondLst>
+                                            <p:cond delay="0"/>
+                                          </p:stCondLst>
+                                        </p:cTn>
+                                        <p:tgtEl>
+                                          <p:spTgt spid="35"/>
+                                        </p:tgtEl>
+                                        <p:attrNameLst>
+                                          <p:attrName>style.visibility</p:attrName>
+                                        </p:attrNameLst>
+                                      </p:cBhvr>
+                                      <p:to>
+                                        <p:strVal val="visible"/>
+                                      </p:to>
+                                    </p:set>
+                                    <p:anim calcmode="lin" valueType="num">
+                                      <p:cBhvr additive="base">
+                                        <p:cTn id="102" dur="500" fill="hold"/>
+                                        <p:tgtEl>
+                                          <p:spTgt spid="35"/>
+                                        </p:tgtEl>
+                                        <p:attrNameLst>
+                                          <p:attrName>ppt_x</p:attrName>
+                                        </p:attrNameLst>
+                                      </p:cBhvr>
+                                      <p:tavLst>
+                                        <p:tav tm="0">
+                                          <p:val>
+                                            <p:strVal val="0-#ppt_w/2"/>
+                                          </p:val>
+                                        </p:tav>
+                                        <p:tav tm="100000">
+                                          <p:val>
+                                            <p:strVal val="#ppt_x"/>
+                                          </p:val>
+                                        </p:tav>
+                                      </p:tavLst>
+                                    </p:anim>
+                                    <p:anim calcmode="lin" valueType="num">
+                                      <p:cBhvr additive="base">
+                                        <p:cTn id="103" dur="500" fill="hold"/>
+                                        <p:tgtEl>
+                                          <p:spTgt spid="35"/>
+                                        </p:tgtEl>
+                                        <p:attrNameLst>
+                                          <p:attrName>ppt_y</p:attrName>
+                                        </p:attrNameLst>
+                                      </p:cBhvr>
+                                      <p:tavLst>
+                                        <p:tav tm="0">
+                                          <p:val>
+                                            <p:strVal val="#ppt_y"/>
+                                          </p:val>
+                                        </p:tav>
+                                        <p:tav tm="100000">
+                                          <p:val>
+                                            <p:strVal val="#ppt_y"/>
+                                          </p:val>
+                                        </p:tav>
+                                      </p:tavLst>
+                                    </p:anim>
+                                  </p:childTnLst>
+                                </p:cTn>
+                              </p:par>
+                            </p:childTnLst>
+                          </p:cTn>
+                        </p:par>
+                      </p:childTnLst>
+                    </p:cTn>
+                  </p:par>
+                  <p:par>
+                    <p:cTn id="104" fill="hold">
+                      <p:stCondLst>
+                        <p:cond delay="indefinite"/>
+                      </p:stCondLst>
+                      <p:childTnLst>
+                        <p:par>
+                          <p:cTn id="105" fill="hold">
+                            <p:stCondLst>
+                              <p:cond delay="0"/>
+                            </p:stCondLst>
+                            <p:childTnLst>
+                              <p:par>
+                                <p:cTn id="106" presetID="2" presetClass="entr" presetSubtype="8" fill="hold" nodeType="clickEffect">
+                                  <p:stCondLst>
+                                    <p:cond delay="0"/>
+                                  </p:stCondLst>
+                                  <p:childTnLst>
+                                    <p:set>
+                                      <p:cBhvr>
+                                        <p:cTn id="107" dur="1" fill="hold">
+                                          <p:stCondLst>
+                                            <p:cond delay="0"/>
+                                          </p:stCondLst>
+                                        </p:cTn>
+                                        <p:tgtEl>
+                                          <p:spTgt spid="30"/>
+                                        </p:tgtEl>
+                                        <p:attrNameLst>
+                                          <p:attrName>style.visibility</p:attrName>
+                                        </p:attrNameLst>
+                                      </p:cBhvr>
+                                      <p:to>
+                                        <p:strVal val="visible"/>
+                                      </p:to>
+                                    </p:set>
+                                    <p:anim calcmode="lin" valueType="num">
+                                      <p:cBhvr additive="base">
+                                        <p:cTn id="108" dur="500" fill="hold"/>
+                                        <p:tgtEl>
+                                          <p:spTgt spid="30"/>
+                                        </p:tgtEl>
+                                        <p:attrNameLst>
+                                          <p:attrName>ppt_x</p:attrName>
+                                        </p:attrNameLst>
+                                      </p:cBhvr>
+                                      <p:tavLst>
+                                        <p:tav tm="0">
+                                          <p:val>
+                                            <p:strVal val="0-#ppt_w/2"/>
+                                          </p:val>
+                                        </p:tav>
+                                        <p:tav tm="100000">
+                                          <p:val>
+                                            <p:strVal val="#ppt_x"/>
+                                          </p:val>
+                                        </p:tav>
+                                      </p:tavLst>
+                                    </p:anim>
+                                    <p:anim calcmode="lin" valueType="num">
+                                      <p:cBhvr additive="base">
+                                        <p:cTn id="109" dur="500" fill="hold"/>
+                                        <p:tgtEl>
+                                          <p:spTgt spid="30"/>
+                                        </p:tgtEl>
+                                        <p:attrNameLst>
+                                          <p:attrName>ppt_y</p:attrName>
+                                        </p:attrNameLst>
+                                      </p:cBhvr>
+                                      <p:tavLst>
+                                        <p:tav tm="0">
+                                          <p:val>
+                                            <p:strVal val="#ppt_y"/>
+                                          </p:val>
+                                        </p:tav>
+                                        <p:tav tm="100000">
+                                          <p:val>
+                                            <p:strVal val="#ppt_y"/>
+                                          </p:val>
+                                        </p:tav>
+                                      </p:tavLst>
+                                    </p:anim>
+                                  </p:childTnLst>
+                                </p:cTn>
+                              </p:par>
+                              <p:par>
+                                <p:cTn id="110" presetID="2" presetClass="entr" presetSubtype="8" fill="hold" grpId="0" nodeType="withEffect">
+                                  <p:stCondLst>
+                                    <p:cond delay="0"/>
+                                  </p:stCondLst>
+                                  <p:childTnLst>
+                                    <p:set>
+                                      <p:cBhvr>
+                                        <p:cTn id="111" dur="1" fill="hold">
+                                          <p:stCondLst>
+                                            <p:cond delay="0"/>
+                                          </p:stCondLst>
+                                        </p:cTn>
+                                        <p:tgtEl>
+                                          <p:spTgt spid="36"/>
+                                        </p:tgtEl>
+                                        <p:attrNameLst>
+                                          <p:attrName>style.visibility</p:attrName>
+                                        </p:attrNameLst>
+                                      </p:cBhvr>
+                                      <p:to>
+                                        <p:strVal val="visible"/>
+                                      </p:to>
+                                    </p:set>
+                                    <p:anim calcmode="lin" valueType="num">
+                                      <p:cBhvr additive="base">
+                                        <p:cTn id="112" dur="500" fill="hold"/>
+                                        <p:tgtEl>
+                                          <p:spTgt spid="36"/>
+                                        </p:tgtEl>
+                                        <p:attrNameLst>
+                                          <p:attrName>ppt_x</p:attrName>
+                                        </p:attrNameLst>
+                                      </p:cBhvr>
+                                      <p:tavLst>
+                                        <p:tav tm="0">
+                                          <p:val>
+                                            <p:strVal val="0-#ppt_w/2"/>
+                                          </p:val>
+                                        </p:tav>
+                                        <p:tav tm="100000">
+                                          <p:val>
+                                            <p:strVal val="#ppt_x"/>
+                                          </p:val>
+                                        </p:tav>
+                                      </p:tavLst>
+                                    </p:anim>
+                                    <p:anim calcmode="lin" valueType="num">
+                                      <p:cBhvr additive="base">
+                                        <p:cTn id="113" dur="500" fill="hold"/>
+                                        <p:tgtEl>
+                                          <p:spTgt spid="36"/>
+                                        </p:tgtEl>
+                                        <p:attrNameLst>
+                                          <p:attrName>ppt_y</p:attrName>
+                                        </p:attrNameLst>
+                                      </p:cBhvr>
+                                      <p:tavLst>
+                                        <p:tav tm="0">
+                                          <p:val>
+                                            <p:strVal val="#ppt_y"/>
+                                          </p:val>
+                                        </p:tav>
+                                        <p:tav tm="100000">
+                                          <p:val>
+                                            <p:strVal val="#ppt_y"/>
+                                          </p:val>
+                                        </p:tav>
+                                      </p:tavLst>
+                                    </p:anim>
+                                  </p:childTnLst>
+                                </p:cTn>
+                              </p:par>
+                            </p:childTnLst>
+                          </p:cTn>
+                        </p:par>
+                      </p:childTnLst>
+                    </p:cTn>
+                  </p:par>
+                </p:childTnLst>
+              </p:cTn>
+              <p:prevCondLst>
+                <p:cond evt="onPrev" delay="0">
+                  <p:tgtEl>
+                    <p:sldTgt/>
+                  </p:tgtEl>
+                </p:cond>
+              </p:prevCondLst>
+              <p:nextCondLst>
+                <p:cond evt="onNext" delay="0">
+                  <p:tgtEl>
+                    <p:sldTgt/>
+                  </p:tgtEl>
+                </p:cond>
+              </p:nextCondLst>
+            </p:seq>
+          </p:childTnLst>
+        </p:cTn>
+      </p:par>
+    </p:tnLst>
+    <p:bldLst>
+      <p:bldP spid="6" grpId="0" animBg="1"/>
+      <p:bldP spid="7" grpId="0" animBg="1"/>
+      <p:bldP spid="8" grpId="0" animBg="1"/>
+      <p:bldP spid="9" grpId="0" animBg="1"/>
+      <p:bldP spid="12" grpId="0" animBg="1"/>
+      <p:bldP spid="13" grpId="0" animBg="1"/>
+      <p:bldP spid="15" grpId="0" animBg="1"/>
+      <p:bldP spid="16" grpId="0" animBg="1"/>
+      <p:bldP spid="17" grpId="0" animBg="1"/>
+      <p:bldP spid="18" grpId="0" animBg="1"/>
+      <p:bldP spid="19" grpId="0" animBg="1"/>
+      <p:bldP spid="20" grpId="0" animBg="1"/>
+      <p:bldP spid="22" grpId="0" animBg="1"/>
+      <p:bldP spid="24" grpId="0" animBg="1"/>
+      <p:bldP spid="25" grpId="0" animBg="1"/>
+      <p:bldP spid="26" grpId="0" animBg="1"/>
+      <p:bldP spid="27" grpId="0" animBg="1"/>
+      <p:bldP spid="28" grpId="0" animBg="1"/>
+      <p:bldP spid="35" grpId="0" animBg="1"/>
+      <p:bldP spid="36" grpId="0" animBg="1"/>
+      <p:bldP spid="37" grpId="0" animBg="1"/>
+    </p:bldLst>
+  </p:timing>
 </p:sld>
 </file>
 
